--- a/eece2160/f18/lectures/eece.2160f18_lec18_functions_p3.pptx
+++ b/eece2160/f18/lectures/eece.2160f18_lec18_functions_p3.pptx
@@ -159,7 +159,7 @@
   </p:defaultTextStyle>
   <p:extLst>
     <p:ext uri="{EFAFB233-063F-42B5-8137-9DF3F51BA10A}">
-      <p15:sldGuideLst xmlns:p15="http://schemas.microsoft.com/office/powerpoint/2012/main">
+      <p15:sldGuideLst xmlns:p15="http://schemas.microsoft.com/office/powerpoint/2012/main" xmlns="">
         <p15:guide id="1" orient="horz" pos="2160">
           <p15:clr>
             <a:srgbClr val="A4A3A4"/>
@@ -173,7 +173,7 @@
       </p15:sldGuideLst>
     </p:ext>
     <p:ext uri="{2D200454-40CA-4A62-9FC3-DE9A4176ACB9}">
-      <p15:notesGuideLst xmlns:p15="http://schemas.microsoft.com/office/powerpoint/2012/main">
+      <p15:notesGuideLst xmlns:p15="http://schemas.microsoft.com/office/powerpoint/2012/main" xmlns="">
         <p15:guide id="1" orient="horz" pos="2160">
           <p15:clr>
             <a:srgbClr val="A4A3A4"/>
@@ -585,15 +585,15 @@
             <a:tailEnd/>
           </a:ln>
           <a:extLst>
+            <a:ext uri="{909E8E84-426E-40DD-AFC4-6F175D3DCCD1}">
+              <a14:hiddenFill xmlns:a14="http://schemas.microsoft.com/office/drawing/2010/main">
+                <a:solidFill>
+                  <a:srgbClr val="FFFFFF"/>
+                </a:solidFill>
+              </a14:hiddenFill>
+            </a:ext>
             <a:ext uri="{FAA26D3D-D897-4be2-8F04-BA451C77F1D7}">
-              <ma14:placeholderFlag xmlns:ma14="http://schemas.microsoft.com/office/mac/drawingml/2011/main" val="1"/>
-            </a:ext>
-            <a:ext uri="{909E8E84-426E-40dd-AFC4-6F175D3DCCD1}">
-              <a14:hiddenFill xmlns:a14="http://schemas.microsoft.com/office/drawing/2010/main" xmlns="">
-                <a:solidFill>
-                  <a:srgbClr val="FFFFFF"/>
-                </a:solidFill>
-              </a14:hiddenFill>
+              <ma14:placeholderFlag xmlns:ma14="http://schemas.microsoft.com/office/mac/drawingml/2011/main" xmlns="" val="1"/>
             </a:ext>
           </a:extLst>
         </p:spPr>
@@ -939,15 +939,15 @@
           <a:noFill/>
           <a:ln/>
           <a:extLst>
-            <a:ext uri="{909E8E84-426E-40dd-AFC4-6F175D3DCCD1}">
-              <a14:hiddenFill xmlns:a14="http://schemas.microsoft.com/office/drawing/2010/main" xmlns="">
+            <a:ext uri="{909E8E84-426E-40DD-AFC4-6F175D3DCCD1}">
+              <a14:hiddenFill xmlns:a14="http://schemas.microsoft.com/office/drawing/2010/main">
                 <a:solidFill>
                   <a:srgbClr val="FFFFFF"/>
                 </a:solidFill>
               </a14:hiddenFill>
             </a:ext>
-            <a:ext uri="{91240B29-F687-4f45-9708-019B960494DF}">
-              <a14:hiddenLine xmlns:a14="http://schemas.microsoft.com/office/drawing/2010/main" xmlns="" w="9525">
+            <a:ext uri="{91240B29-F687-4F45-9708-019B960494DF}">
+              <a14:hiddenLine xmlns:a14="http://schemas.microsoft.com/office/drawing/2010/main" w="9525">
                 <a:solidFill>
                   <a:srgbClr val="000000"/>
                 </a:solidFill>
@@ -1107,18 +1107,15 @@
           <a:noFill/>
           <a:ln/>
           <a:extLst>
-            <a:ext uri="{FAA26D3D-D897-4be2-8F04-BA451C77F1D7}">
-              <ma14:placeholderFlag xmlns:ma14="http://schemas.microsoft.com/office/mac/drawingml/2011/main" val="1"/>
-            </a:ext>
-            <a:ext uri="{909E8E84-426E-40dd-AFC4-6F175D3DCCD1}">
-              <a14:hiddenFill xmlns:a14="http://schemas.microsoft.com/office/drawing/2010/main" xmlns="">
+            <a:ext uri="{909E8E84-426E-40DD-AFC4-6F175D3DCCD1}">
+              <a14:hiddenFill xmlns:a14="http://schemas.microsoft.com/office/drawing/2010/main">
                 <a:solidFill>
                   <a:srgbClr val="FFFFFF"/>
                 </a:solidFill>
               </a14:hiddenFill>
             </a:ext>
-            <a:ext uri="{91240B29-F687-4f45-9708-019B960494DF}">
-              <a14:hiddenLine xmlns:a14="http://schemas.microsoft.com/office/drawing/2010/main" xmlns="" w="9525">
+            <a:ext uri="{91240B29-F687-4F45-9708-019B960494DF}">
+              <a14:hiddenLine xmlns:a14="http://schemas.microsoft.com/office/drawing/2010/main" w="9525">
                 <a:solidFill>
                   <a:srgbClr val="000000"/>
                 </a:solidFill>
@@ -1126,6 +1123,9 @@
                 <a:headEnd/>
                 <a:tailEnd/>
               </a14:hiddenLine>
+            </a:ext>
+            <a:ext uri="{FAA26D3D-D897-4be2-8F04-BA451C77F1D7}">
+              <ma14:placeholderFlag xmlns:ma14="http://schemas.microsoft.com/office/mac/drawingml/2011/main" xmlns="" val="1"/>
             </a:ext>
           </a:extLst>
         </p:spPr>
@@ -1182,15 +1182,15 @@
           <a:noFill/>
           <a:ln/>
           <a:extLst>
-            <a:ext uri="{909E8E84-426E-40dd-AFC4-6F175D3DCCD1}">
-              <a14:hiddenFill xmlns:a14="http://schemas.microsoft.com/office/drawing/2010/main" xmlns="">
+            <a:ext uri="{909E8E84-426E-40DD-AFC4-6F175D3DCCD1}">
+              <a14:hiddenFill xmlns:a14="http://schemas.microsoft.com/office/drawing/2010/main">
                 <a:solidFill>
                   <a:srgbClr val="FFFFFF"/>
                 </a:solidFill>
               </a14:hiddenFill>
             </a:ext>
-            <a:ext uri="{91240B29-F687-4f45-9708-019B960494DF}">
-              <a14:hiddenLine xmlns:a14="http://schemas.microsoft.com/office/drawing/2010/main" xmlns="" w="9525">
+            <a:ext uri="{91240B29-F687-4F45-9708-019B960494DF}">
+              <a14:hiddenLine xmlns:a14="http://schemas.microsoft.com/office/drawing/2010/main" w="9525">
                 <a:solidFill>
                   <a:srgbClr val="000000"/>
                 </a:solidFill>
@@ -1341,15 +1341,15 @@
           <a:noFill/>
           <a:ln/>
           <a:extLst>
-            <a:ext uri="{909E8E84-426E-40dd-AFC4-6F175D3DCCD1}">
-              <a14:hiddenFill xmlns:a14="http://schemas.microsoft.com/office/drawing/2010/main" xmlns="">
+            <a:ext uri="{909E8E84-426E-40DD-AFC4-6F175D3DCCD1}">
+              <a14:hiddenFill xmlns:a14="http://schemas.microsoft.com/office/drawing/2010/main">
                 <a:solidFill>
                   <a:srgbClr val="FFFFFF"/>
                 </a:solidFill>
               </a14:hiddenFill>
             </a:ext>
-            <a:ext uri="{91240B29-F687-4f45-9708-019B960494DF}">
-              <a14:hiddenLine xmlns:a14="http://schemas.microsoft.com/office/drawing/2010/main" xmlns="" w="9525">
+            <a:ext uri="{91240B29-F687-4F45-9708-019B960494DF}">
+              <a14:hiddenLine xmlns:a14="http://schemas.microsoft.com/office/drawing/2010/main" w="9525">
                 <a:solidFill>
                   <a:srgbClr val="000000"/>
                 </a:solidFill>
@@ -1500,15 +1500,15 @@
           <a:noFill/>
           <a:ln/>
           <a:extLst>
-            <a:ext uri="{909E8E84-426E-40dd-AFC4-6F175D3DCCD1}">
-              <a14:hiddenFill xmlns:a14="http://schemas.microsoft.com/office/drawing/2010/main" xmlns="">
+            <a:ext uri="{909E8E84-426E-40DD-AFC4-6F175D3DCCD1}">
+              <a14:hiddenFill xmlns:a14="http://schemas.microsoft.com/office/drawing/2010/main">
                 <a:solidFill>
                   <a:srgbClr val="FFFFFF"/>
                 </a:solidFill>
               </a14:hiddenFill>
             </a:ext>
-            <a:ext uri="{91240B29-F687-4f45-9708-019B960494DF}">
-              <a14:hiddenLine xmlns:a14="http://schemas.microsoft.com/office/drawing/2010/main" xmlns="" w="9525">
+            <a:ext uri="{91240B29-F687-4F45-9708-019B960494DF}">
+              <a14:hiddenLine xmlns:a14="http://schemas.microsoft.com/office/drawing/2010/main" w="9525">
                 <a:solidFill>
                   <a:srgbClr val="000000"/>
                 </a:solidFill>
@@ -1659,15 +1659,15 @@
           <a:noFill/>
           <a:ln/>
           <a:extLst>
-            <a:ext uri="{909E8E84-426E-40dd-AFC4-6F175D3DCCD1}">
-              <a14:hiddenFill xmlns:a14="http://schemas.microsoft.com/office/drawing/2010/main" xmlns="">
+            <a:ext uri="{909E8E84-426E-40DD-AFC4-6F175D3DCCD1}">
+              <a14:hiddenFill xmlns:a14="http://schemas.microsoft.com/office/drawing/2010/main">
                 <a:solidFill>
                   <a:srgbClr val="FFFFFF"/>
                 </a:solidFill>
               </a14:hiddenFill>
             </a:ext>
-            <a:ext uri="{91240B29-F687-4f45-9708-019B960494DF}">
-              <a14:hiddenLine xmlns:a14="http://schemas.microsoft.com/office/drawing/2010/main" xmlns="" w="9525">
+            <a:ext uri="{91240B29-F687-4F45-9708-019B960494DF}">
+              <a14:hiddenLine xmlns:a14="http://schemas.microsoft.com/office/drawing/2010/main" w="9525">
                 <a:solidFill>
                   <a:srgbClr val="000000"/>
                 </a:solidFill>
@@ -1834,18 +1834,15 @@
           <a:noFill/>
           <a:ln/>
           <a:extLst>
-            <a:ext uri="{FAA26D3D-D897-4be2-8F04-BA451C77F1D7}">
-              <ma14:placeholderFlag xmlns:ma14="http://schemas.microsoft.com/office/mac/drawingml/2011/main" val="1"/>
-            </a:ext>
-            <a:ext uri="{909E8E84-426E-40dd-AFC4-6F175D3DCCD1}">
-              <a14:hiddenFill xmlns:a14="http://schemas.microsoft.com/office/drawing/2010/main" xmlns="">
+            <a:ext uri="{909E8E84-426E-40DD-AFC4-6F175D3DCCD1}">
+              <a14:hiddenFill xmlns:a14="http://schemas.microsoft.com/office/drawing/2010/main">
                 <a:solidFill>
                   <a:srgbClr val="FFFFFF"/>
                 </a:solidFill>
               </a14:hiddenFill>
             </a:ext>
-            <a:ext uri="{91240B29-F687-4f45-9708-019B960494DF}">
-              <a14:hiddenLine xmlns:a14="http://schemas.microsoft.com/office/drawing/2010/main" xmlns="" w="9525">
+            <a:ext uri="{91240B29-F687-4F45-9708-019B960494DF}">
+              <a14:hiddenLine xmlns:a14="http://schemas.microsoft.com/office/drawing/2010/main" w="9525">
                 <a:solidFill>
                   <a:srgbClr val="000000"/>
                 </a:solidFill>
@@ -1853,6 +1850,9 @@
                 <a:headEnd/>
                 <a:tailEnd/>
               </a14:hiddenLine>
+            </a:ext>
+            <a:ext uri="{FAA26D3D-D897-4be2-8F04-BA451C77F1D7}">
+              <ma14:placeholderFlag xmlns:ma14="http://schemas.microsoft.com/office/mac/drawingml/2011/main" xmlns="" val="1"/>
             </a:ext>
           </a:extLst>
         </p:spPr>
@@ -2048,8 +2048,8 @@
             <a:tailEnd/>
           </a:ln>
           <a:extLst>
-            <a:ext uri="{909E8E84-426E-40dd-AFC4-6F175D3DCCD1}">
-              <a14:hiddenFill xmlns:a14="http://schemas.microsoft.com/office/drawing/2010/main" xmlns="">
+            <a:ext uri="{909E8E84-426E-40DD-AFC4-6F175D3DCCD1}">
+              <a14:hiddenFill xmlns:a14="http://schemas.microsoft.com/office/drawing/2010/main">
                 <a:solidFill>
                   <a:srgbClr val="FFFFFF"/>
                 </a:solidFill>
@@ -2091,8 +2091,8 @@
             <a:tailEnd/>
           </a:ln>
           <a:extLst>
-            <a:ext uri="{909E8E84-426E-40dd-AFC4-6F175D3DCCD1}">
-              <a14:hiddenFill xmlns:a14="http://schemas.microsoft.com/office/drawing/2010/main" xmlns="">
+            <a:ext uri="{909E8E84-426E-40DD-AFC4-6F175D3DCCD1}">
+              <a14:hiddenFill xmlns:a14="http://schemas.microsoft.com/office/drawing/2010/main">
                 <a:noFill/>
               </a14:hiddenFill>
             </a:ext>
@@ -2194,7 +2194,7 @@
             </a:pPr>
             <a:fld id="{0FE527C2-1C77-D24F-8F6B-7C26FC1336F5}" type="datetime1">
               <a:rPr lang="en-US" smtClean="0"/>
-              <a:t>10/15/18</a:t>
+              <a:t>10/17/2018</a:t>
             </a:fld>
             <a:endParaRPr lang="en-US"/>
           </a:p>
@@ -2399,7 +2399,7 @@
             </a:pPr>
             <a:fld id="{491D3C7B-4D54-1E44-94AA-87C1364C8714}" type="datetime1">
               <a:rPr lang="en-US" smtClean="0"/>
-              <a:t>10/15/18</a:t>
+              <a:t>10/17/2018</a:t>
             </a:fld>
             <a:endParaRPr lang="en-US"/>
           </a:p>
@@ -2613,7 +2613,7 @@
             </a:pPr>
             <a:fld id="{9AC88D82-8569-6244-8D77-F0A8CC72B7FA}" type="datetime1">
               <a:rPr lang="en-US" smtClean="0"/>
-              <a:t>10/15/18</a:t>
+              <a:t>10/17/2018</a:t>
             </a:fld>
             <a:endParaRPr lang="en-US"/>
           </a:p>
@@ -2884,7 +2884,7 @@
             </a:pPr>
             <a:fld id="{F6306D83-0D82-A54D-84DB-A539E16D62D5}" type="datetime1">
               <a:rPr lang="en-US" smtClean="0"/>
-              <a:t>10/15/18</a:t>
+              <a:t>10/17/2018</a:t>
             </a:fld>
             <a:endParaRPr lang="en-US"/>
           </a:p>
@@ -3155,7 +3155,7 @@
             </a:pPr>
             <a:fld id="{832720F6-EE8F-1242-9B95-CF63C5377613}" type="datetime1">
               <a:rPr lang="en-US" smtClean="0"/>
-              <a:t>10/15/18</a:t>
+              <a:t>10/17/2018</a:t>
             </a:fld>
             <a:endParaRPr lang="en-US"/>
           </a:p>
@@ -3359,7 +3359,7 @@
             </a:pPr>
             <a:fld id="{CC20E9CE-D954-F244-9E4E-2C58EF95DDB0}" type="datetime1">
               <a:rPr lang="en-US" smtClean="0"/>
-              <a:t>10/15/18</a:t>
+              <a:t>10/17/2018</a:t>
             </a:fld>
             <a:endParaRPr lang="en-US"/>
           </a:p>
@@ -3585,7 +3585,7 @@
             </a:pPr>
             <a:fld id="{7A0BB41F-4DA2-EC4E-AC80-9AE5AF6CF358}" type="datetime1">
               <a:rPr lang="en-US" smtClean="0"/>
-              <a:t>10/15/18</a:t>
+              <a:t>10/17/2018</a:t>
             </a:fld>
             <a:endParaRPr lang="en-US"/>
           </a:p>
@@ -3907,7 +3907,7 @@
             </a:pPr>
             <a:fld id="{DC5C1585-BB89-8C4C-9700-55B8E182F210}" type="datetime1">
               <a:rPr lang="en-US" smtClean="0"/>
-              <a:t>10/15/18</a:t>
+              <a:t>10/17/2018</a:t>
             </a:fld>
             <a:endParaRPr lang="en-US"/>
           </a:p>
@@ -4368,7 +4368,7 @@
             </a:pPr>
             <a:fld id="{F3F79CC2-D5B1-CF48-9B35-C45E3009950F}" type="datetime1">
               <a:rPr lang="en-US" smtClean="0"/>
-              <a:t>10/15/18</a:t>
+              <a:t>10/17/2018</a:t>
             </a:fld>
             <a:endParaRPr lang="en-US"/>
           </a:p>
@@ -4520,7 +4520,7 @@
             </a:pPr>
             <a:fld id="{2F37E5E0-4B2C-3A47-8655-3BD1B709265A}" type="datetime1">
               <a:rPr lang="en-US" smtClean="0"/>
-              <a:t>10/15/18</a:t>
+              <a:t>10/17/2018</a:t>
             </a:fld>
             <a:endParaRPr lang="en-US"/>
           </a:p>
@@ -4649,7 +4649,7 @@
             </a:pPr>
             <a:fld id="{E37DCAB8-F77E-A643-B51B-8F748EE4CA35}" type="datetime1">
               <a:rPr lang="en-US" smtClean="0"/>
-              <a:t>10/15/18</a:t>
+              <a:t>10/17/2018</a:t>
             </a:fld>
             <a:endParaRPr lang="en-US"/>
           </a:p>
@@ -4960,7 +4960,7 @@
             </a:pPr>
             <a:fld id="{269EA935-DD59-FA44-9DCC-F58617A43193}" type="datetime1">
               <a:rPr lang="en-US" smtClean="0"/>
-              <a:t>10/15/18</a:t>
+              <a:t>10/17/2018</a:t>
             </a:fld>
             <a:endParaRPr lang="en-US"/>
           </a:p>
@@ -5248,7 +5248,7 @@
             </a:pPr>
             <a:fld id="{B18AB01A-C470-734E-A53F-DEA921AB7A6E}" type="datetime1">
               <a:rPr lang="en-US" smtClean="0"/>
-              <a:t>10/15/18</a:t>
+              <a:t>10/17/2018</a:t>
             </a:fld>
             <a:endParaRPr lang="en-US"/>
           </a:p>
@@ -5382,18 +5382,15 @@
             <a:noFill/>
           </a:ln>
           <a:extLst>
-            <a:ext uri="{FAA26D3D-D897-4be2-8F04-BA451C77F1D7}">
-              <ma14:placeholderFlag xmlns:ma14="http://schemas.microsoft.com/office/mac/drawingml/2011/main" val="1"/>
-            </a:ext>
-            <a:ext uri="{909E8E84-426E-40dd-AFC4-6F175D3DCCD1}">
-              <a14:hiddenFill xmlns:a14="http://schemas.microsoft.com/office/drawing/2010/main" xmlns="">
+            <a:ext uri="{909E8E84-426E-40DD-AFC4-6F175D3DCCD1}">
+              <a14:hiddenFill xmlns:a14="http://schemas.microsoft.com/office/drawing/2010/main">
                 <a:solidFill>
                   <a:srgbClr val="FFFFFF"/>
                 </a:solidFill>
               </a14:hiddenFill>
             </a:ext>
-            <a:ext uri="{91240B29-F687-4f45-9708-019B960494DF}">
-              <a14:hiddenLine xmlns:a14="http://schemas.microsoft.com/office/drawing/2010/main" xmlns="" w="9525">
+            <a:ext uri="{91240B29-F687-4F45-9708-019B960494DF}">
+              <a14:hiddenLine xmlns:a14="http://schemas.microsoft.com/office/drawing/2010/main" w="9525">
                 <a:solidFill>
                   <a:srgbClr val="000000"/>
                 </a:solidFill>
@@ -5401,6 +5398,9 @@
                 <a:headEnd/>
                 <a:tailEnd/>
               </a14:hiddenLine>
+            </a:ext>
+            <a:ext uri="{FAA26D3D-D897-4be2-8F04-BA451C77F1D7}">
+              <ma14:placeholderFlag xmlns:ma14="http://schemas.microsoft.com/office/mac/drawingml/2011/main" xmlns="" val="1"/>
             </a:ext>
           </a:extLst>
         </p:spPr>
@@ -5443,18 +5443,15 @@
             <a:noFill/>
           </a:ln>
           <a:extLst>
-            <a:ext uri="{FAA26D3D-D897-4be2-8F04-BA451C77F1D7}">
-              <ma14:placeholderFlag xmlns:ma14="http://schemas.microsoft.com/office/mac/drawingml/2011/main" val="1"/>
-            </a:ext>
-            <a:ext uri="{909E8E84-426E-40dd-AFC4-6F175D3DCCD1}">
-              <a14:hiddenFill xmlns:a14="http://schemas.microsoft.com/office/drawing/2010/main" xmlns="">
+            <a:ext uri="{909E8E84-426E-40DD-AFC4-6F175D3DCCD1}">
+              <a14:hiddenFill xmlns:a14="http://schemas.microsoft.com/office/drawing/2010/main">
                 <a:solidFill>
                   <a:srgbClr val="FFFFFF"/>
                 </a:solidFill>
               </a14:hiddenFill>
             </a:ext>
-            <a:ext uri="{91240B29-F687-4f45-9708-019B960494DF}">
-              <a14:hiddenLine xmlns:a14="http://schemas.microsoft.com/office/drawing/2010/main" xmlns="" w="9525">
+            <a:ext uri="{91240B29-F687-4F45-9708-019B960494DF}">
+              <a14:hiddenLine xmlns:a14="http://schemas.microsoft.com/office/drawing/2010/main" w="9525">
                 <a:solidFill>
                   <a:srgbClr val="000000"/>
                 </a:solidFill>
@@ -5462,6 +5459,9 @@
                 <a:headEnd/>
                 <a:tailEnd/>
               </a14:hiddenLine>
+            </a:ext>
+            <a:ext uri="{FAA26D3D-D897-4be2-8F04-BA451C77F1D7}">
+              <ma14:placeholderFlag xmlns:ma14="http://schemas.microsoft.com/office/mac/drawingml/2011/main" xmlns="" val="1"/>
             </a:ext>
           </a:extLst>
         </p:spPr>
@@ -5556,7 +5556,7 @@
             </a:pPr>
             <a:fld id="{482CC271-A42A-C049-8305-F8EC2A9450FB}" type="datetime1">
               <a:rPr lang="en-US" smtClean="0"/>
-              <a:t>10/15/18</a:t>
+              <a:t>10/17/2018</a:t>
             </a:fld>
             <a:endParaRPr lang="en-US"/>
           </a:p>
@@ -5736,8 +5736,8 @@
             <a:tailEnd/>
           </a:ln>
           <a:extLst>
-            <a:ext uri="{909E8E84-426E-40dd-AFC4-6F175D3DCCD1}">
-              <a14:hiddenFill xmlns:a14="http://schemas.microsoft.com/office/drawing/2010/main" xmlns="">
+            <a:ext uri="{909E8E84-426E-40DD-AFC4-6F175D3DCCD1}">
+              <a14:hiddenFill xmlns:a14="http://schemas.microsoft.com/office/drawing/2010/main">
                 <a:solidFill>
                   <a:srgbClr val="FFFFFF"/>
                 </a:solidFill>
@@ -5779,8 +5779,8 @@
             <a:tailEnd/>
           </a:ln>
           <a:extLst>
-            <a:ext uri="{909E8E84-426E-40dd-AFC4-6F175D3DCCD1}">
-              <a14:hiddenFill xmlns:a14="http://schemas.microsoft.com/office/drawing/2010/main" xmlns="">
+            <a:ext uri="{909E8E84-426E-40DD-AFC4-6F175D3DCCD1}">
+              <a14:hiddenFill xmlns:a14="http://schemas.microsoft.com/office/drawing/2010/main">
                 <a:noFill/>
               </a14:hiddenFill>
             </a:ext>
@@ -6794,15 +6794,15 @@
           <a:noFill/>
           <a:ln/>
           <a:extLst>
-            <a:ext uri="{909E8E84-426E-40dd-AFC4-6F175D3DCCD1}">
-              <a14:hiddenFill xmlns:a14="http://schemas.microsoft.com/office/drawing/2010/main" xmlns="">
+            <a:ext uri="{909E8E84-426E-40DD-AFC4-6F175D3DCCD1}">
+              <a14:hiddenFill xmlns:a14="http://schemas.microsoft.com/office/drawing/2010/main">
                 <a:solidFill>
                   <a:srgbClr val="FFFFFF"/>
                 </a:solidFill>
               </a14:hiddenFill>
             </a:ext>
-            <a:ext uri="{91240B29-F687-4f45-9708-019B960494DF}">
-              <a14:hiddenLine xmlns:a14="http://schemas.microsoft.com/office/drawing/2010/main" xmlns="" w="9525">
+            <a:ext uri="{91240B29-F687-4F45-9708-019B960494DF}">
+              <a14:hiddenLine xmlns:a14="http://schemas.microsoft.com/office/drawing/2010/main" w="9525">
                 <a:solidFill>
                   <a:srgbClr val="000000"/>
                 </a:solidFill>
@@ -6909,7 +6909,7 @@
                 <a:latin typeface="Garamond" charset="0"/>
                 <a:cs typeface="Arial" charset="0"/>
               </a:rPr>
-              <a:t>10/15/18</a:t>
+              <a:t>10/17/2018</a:t>
             </a:fld>
             <a:endParaRPr lang="en-US" sz="1200">
               <a:latin typeface="Garamond" charset="0"/>
@@ -6958,15 +6958,15 @@
           <a:noFill/>
           <a:ln/>
           <a:extLst>
-            <a:ext uri="{909E8E84-426E-40dd-AFC4-6F175D3DCCD1}">
-              <a14:hiddenFill xmlns:a14="http://schemas.microsoft.com/office/drawing/2010/main" xmlns="">
+            <a:ext uri="{909E8E84-426E-40DD-AFC4-6F175D3DCCD1}">
+              <a14:hiddenFill xmlns:a14="http://schemas.microsoft.com/office/drawing/2010/main">
                 <a:solidFill>
                   <a:srgbClr val="FFFFFF"/>
                 </a:solidFill>
               </a14:hiddenFill>
             </a:ext>
-            <a:ext uri="{91240B29-F687-4f45-9708-019B960494DF}">
-              <a14:hiddenLine xmlns:a14="http://schemas.microsoft.com/office/drawing/2010/main" xmlns="" w="9525">
+            <a:ext uri="{91240B29-F687-4F45-9708-019B960494DF}">
+              <a14:hiddenLine xmlns:a14="http://schemas.microsoft.com/office/drawing/2010/main" w="9525">
                 <a:solidFill>
                   <a:srgbClr val="000000"/>
                 </a:solidFill>
@@ -7134,15 +7134,15 @@
           <a:noFill/>
           <a:ln/>
           <a:extLst>
-            <a:ext uri="{909E8E84-426E-40dd-AFC4-6F175D3DCCD1}">
-              <a14:hiddenFill xmlns:a14="http://schemas.microsoft.com/office/drawing/2010/main" xmlns="">
+            <a:ext uri="{909E8E84-426E-40DD-AFC4-6F175D3DCCD1}">
+              <a14:hiddenFill xmlns:a14="http://schemas.microsoft.com/office/drawing/2010/main">
                 <a:solidFill>
                   <a:srgbClr val="FFFFFF"/>
                 </a:solidFill>
               </a14:hiddenFill>
             </a:ext>
-            <a:ext uri="{91240B29-F687-4f45-9708-019B960494DF}">
-              <a14:hiddenLine xmlns:a14="http://schemas.microsoft.com/office/drawing/2010/main" xmlns="" w="9525">
+            <a:ext uri="{91240B29-F687-4F45-9708-019B960494DF}">
+              <a14:hiddenLine xmlns:a14="http://schemas.microsoft.com/office/drawing/2010/main" w="9525">
                 <a:solidFill>
                   <a:srgbClr val="000000"/>
                 </a:solidFill>
@@ -7309,15 +7309,15 @@
             <a:noFill/>
           </a:ln>
           <a:extLst>
-            <a:ext uri="{909E8E84-426E-40dd-AFC4-6F175D3DCCD1}">
-              <a14:hiddenFill xmlns:a14="http://schemas.microsoft.com/office/drawing/2010/main" xmlns="">
+            <a:ext uri="{909E8E84-426E-40DD-AFC4-6F175D3DCCD1}">
+              <a14:hiddenFill xmlns:a14="http://schemas.microsoft.com/office/drawing/2010/main">
                 <a:solidFill>
                   <a:srgbClr val="FFFFFF"/>
                 </a:solidFill>
               </a14:hiddenFill>
             </a:ext>
-            <a:ext uri="{91240B29-F687-4f45-9708-019B960494DF}">
-              <a14:hiddenLine xmlns:a14="http://schemas.microsoft.com/office/drawing/2010/main" xmlns="" w="9525">
+            <a:ext uri="{91240B29-F687-4F45-9708-019B960494DF}">
+              <a14:hiddenLine xmlns:a14="http://schemas.microsoft.com/office/drawing/2010/main" w="9525">
                 <a:solidFill>
                   <a:srgbClr val="000000"/>
                 </a:solidFill>
@@ -7657,15 +7657,15 @@
             <a:noFill/>
           </a:ln>
           <a:extLst>
-            <a:ext uri="{909E8E84-426E-40dd-AFC4-6F175D3DCCD1}">
-              <a14:hiddenFill xmlns:a14="http://schemas.microsoft.com/office/drawing/2010/main" xmlns="">
+            <a:ext uri="{909E8E84-426E-40DD-AFC4-6F175D3DCCD1}">
+              <a14:hiddenFill xmlns:a14="http://schemas.microsoft.com/office/drawing/2010/main">
                 <a:solidFill>
                   <a:srgbClr val="FFFFFF"/>
                 </a:solidFill>
               </a14:hiddenFill>
             </a:ext>
-            <a:ext uri="{91240B29-F687-4f45-9708-019B960494DF}">
-              <a14:hiddenLine xmlns:a14="http://schemas.microsoft.com/office/drawing/2010/main" xmlns="" w="9525">
+            <a:ext uri="{91240B29-F687-4F45-9708-019B960494DF}">
+              <a14:hiddenLine xmlns:a14="http://schemas.microsoft.com/office/drawing/2010/main" w="9525">
                 <a:solidFill>
                   <a:srgbClr val="000000"/>
                 </a:solidFill>
@@ -7803,8 +7803,8 @@
             <a:tailEnd/>
           </a:ln>
           <a:extLst>
-            <a:ext uri="{909E8E84-426E-40dd-AFC4-6F175D3DCCD1}">
-              <a14:hiddenFill xmlns:a14="http://schemas.microsoft.com/office/drawing/2010/main" xmlns="">
+            <a:ext uri="{909E8E84-426E-40DD-AFC4-6F175D3DCCD1}">
+              <a14:hiddenFill xmlns:a14="http://schemas.microsoft.com/office/drawing/2010/main">
                 <a:solidFill>
                   <a:srgbClr val="FFFFFF"/>
                 </a:solidFill>
@@ -7842,15 +7842,15 @@
             <a:noFill/>
           </a:ln>
           <a:extLst>
-            <a:ext uri="{909E8E84-426E-40dd-AFC4-6F175D3DCCD1}">
-              <a14:hiddenFill xmlns:a14="http://schemas.microsoft.com/office/drawing/2010/main" xmlns="">
+            <a:ext uri="{909E8E84-426E-40DD-AFC4-6F175D3DCCD1}">
+              <a14:hiddenFill xmlns:a14="http://schemas.microsoft.com/office/drawing/2010/main">
                 <a:solidFill>
                   <a:srgbClr val="FFFFFF"/>
                 </a:solidFill>
               </a14:hiddenFill>
             </a:ext>
-            <a:ext uri="{91240B29-F687-4f45-9708-019B960494DF}">
-              <a14:hiddenLine xmlns:a14="http://schemas.microsoft.com/office/drawing/2010/main" xmlns="" w="9525">
+            <a:ext uri="{91240B29-F687-4F45-9708-019B960494DF}">
+              <a14:hiddenLine xmlns:a14="http://schemas.microsoft.com/office/drawing/2010/main" w="9525">
                 <a:solidFill>
                   <a:srgbClr val="000000"/>
                 </a:solidFill>
@@ -7983,15 +7983,15 @@
             <a:noFill/>
           </a:ln>
           <a:extLst>
-            <a:ext uri="{909E8E84-426E-40dd-AFC4-6F175D3DCCD1}">
-              <a14:hiddenFill xmlns:a14="http://schemas.microsoft.com/office/drawing/2010/main" xmlns="">
+            <a:ext uri="{909E8E84-426E-40DD-AFC4-6F175D3DCCD1}">
+              <a14:hiddenFill xmlns:a14="http://schemas.microsoft.com/office/drawing/2010/main">
                 <a:solidFill>
                   <a:srgbClr val="FFFFFF"/>
                 </a:solidFill>
               </a14:hiddenFill>
             </a:ext>
-            <a:ext uri="{91240B29-F687-4f45-9708-019B960494DF}">
-              <a14:hiddenLine xmlns:a14="http://schemas.microsoft.com/office/drawing/2010/main" xmlns="" w="9525">
+            <a:ext uri="{91240B29-F687-4F45-9708-019B960494DF}">
+              <a14:hiddenLine xmlns:a14="http://schemas.microsoft.com/office/drawing/2010/main" w="9525">
                 <a:solidFill>
                   <a:srgbClr val="000000"/>
                 </a:solidFill>
@@ -8129,8 +8129,8 @@
             <a:tailEnd/>
           </a:ln>
           <a:extLst>
-            <a:ext uri="{909E8E84-426E-40dd-AFC4-6F175D3DCCD1}">
-              <a14:hiddenFill xmlns:a14="http://schemas.microsoft.com/office/drawing/2010/main" xmlns="">
+            <a:ext uri="{909E8E84-426E-40DD-AFC4-6F175D3DCCD1}">
+              <a14:hiddenFill xmlns:a14="http://schemas.microsoft.com/office/drawing/2010/main">
                 <a:solidFill>
                   <a:srgbClr val="FFFFFF"/>
                 </a:solidFill>
@@ -8173,8 +8173,8 @@
             <a:tailEnd/>
           </a:ln>
           <a:extLst>
-            <a:ext uri="{909E8E84-426E-40dd-AFC4-6F175D3DCCD1}">
-              <a14:hiddenFill xmlns:a14="http://schemas.microsoft.com/office/drawing/2010/main" xmlns="">
+            <a:ext uri="{909E8E84-426E-40DD-AFC4-6F175D3DCCD1}">
+              <a14:hiddenFill xmlns:a14="http://schemas.microsoft.com/office/drawing/2010/main">
                 <a:solidFill>
                   <a:srgbClr val="FFFFFF"/>
                 </a:solidFill>
@@ -8212,15 +8212,15 @@
             <a:noFill/>
           </a:ln>
           <a:extLst>
-            <a:ext uri="{909E8E84-426E-40dd-AFC4-6F175D3DCCD1}">
-              <a14:hiddenFill xmlns:a14="http://schemas.microsoft.com/office/drawing/2010/main" xmlns="">
+            <a:ext uri="{909E8E84-426E-40DD-AFC4-6F175D3DCCD1}">
+              <a14:hiddenFill xmlns:a14="http://schemas.microsoft.com/office/drawing/2010/main">
                 <a:solidFill>
                   <a:srgbClr val="FFFFFF"/>
                 </a:solidFill>
               </a14:hiddenFill>
             </a:ext>
-            <a:ext uri="{91240B29-F687-4f45-9708-019B960494DF}">
-              <a14:hiddenLine xmlns:a14="http://schemas.microsoft.com/office/drawing/2010/main" xmlns="" w="9525">
+            <a:ext uri="{91240B29-F687-4F45-9708-019B960494DF}">
+              <a14:hiddenLine xmlns:a14="http://schemas.microsoft.com/office/drawing/2010/main" w="9525">
                 <a:solidFill>
                   <a:srgbClr val="000000"/>
                 </a:solidFill>
@@ -8352,15 +8352,15 @@
             <a:noFill/>
           </a:ln>
           <a:extLst>
-            <a:ext uri="{909E8E84-426E-40dd-AFC4-6F175D3DCCD1}">
-              <a14:hiddenFill xmlns:a14="http://schemas.microsoft.com/office/drawing/2010/main" xmlns="">
+            <a:ext uri="{909E8E84-426E-40DD-AFC4-6F175D3DCCD1}">
+              <a14:hiddenFill xmlns:a14="http://schemas.microsoft.com/office/drawing/2010/main">
                 <a:solidFill>
                   <a:srgbClr val="FFFFFF"/>
                 </a:solidFill>
               </a14:hiddenFill>
             </a:ext>
-            <a:ext uri="{91240B29-F687-4f45-9708-019B960494DF}">
-              <a14:hiddenLine xmlns:a14="http://schemas.microsoft.com/office/drawing/2010/main" xmlns="" w="9525">
+            <a:ext uri="{91240B29-F687-4F45-9708-019B960494DF}">
+              <a14:hiddenLine xmlns:a14="http://schemas.microsoft.com/office/drawing/2010/main" w="9525">
                 <a:solidFill>
                   <a:srgbClr val="000000"/>
                 </a:solidFill>
@@ -8492,15 +8492,15 @@
             <a:noFill/>
           </a:ln>
           <a:extLst>
-            <a:ext uri="{909E8E84-426E-40dd-AFC4-6F175D3DCCD1}">
-              <a14:hiddenFill xmlns:a14="http://schemas.microsoft.com/office/drawing/2010/main" xmlns="">
+            <a:ext uri="{909E8E84-426E-40DD-AFC4-6F175D3DCCD1}">
+              <a14:hiddenFill xmlns:a14="http://schemas.microsoft.com/office/drawing/2010/main">
                 <a:solidFill>
                   <a:srgbClr val="FFFFFF"/>
                 </a:solidFill>
               </a14:hiddenFill>
             </a:ext>
-            <a:ext uri="{91240B29-F687-4f45-9708-019B960494DF}">
-              <a14:hiddenLine xmlns:a14="http://schemas.microsoft.com/office/drawing/2010/main" xmlns="" w="9525">
+            <a:ext uri="{91240B29-F687-4F45-9708-019B960494DF}">
+              <a14:hiddenLine xmlns:a14="http://schemas.microsoft.com/office/drawing/2010/main" w="9525">
                 <a:solidFill>
                   <a:srgbClr val="000000"/>
                 </a:solidFill>
@@ -8632,15 +8632,15 @@
             <a:noFill/>
           </a:ln>
           <a:extLst>
-            <a:ext uri="{909E8E84-426E-40dd-AFC4-6F175D3DCCD1}">
-              <a14:hiddenFill xmlns:a14="http://schemas.microsoft.com/office/drawing/2010/main" xmlns="">
+            <a:ext uri="{909E8E84-426E-40DD-AFC4-6F175D3DCCD1}">
+              <a14:hiddenFill xmlns:a14="http://schemas.microsoft.com/office/drawing/2010/main">
                 <a:solidFill>
                   <a:srgbClr val="FFFFFF"/>
                 </a:solidFill>
               </a14:hiddenFill>
             </a:ext>
-            <a:ext uri="{91240B29-F687-4f45-9708-019B960494DF}">
-              <a14:hiddenLine xmlns:a14="http://schemas.microsoft.com/office/drawing/2010/main" xmlns="" w="9525">
+            <a:ext uri="{91240B29-F687-4F45-9708-019B960494DF}">
+              <a14:hiddenLine xmlns:a14="http://schemas.microsoft.com/office/drawing/2010/main" w="9525">
                 <a:solidFill>
                   <a:srgbClr val="000000"/>
                 </a:solidFill>
@@ -8778,8 +8778,8 @@
             <a:tailEnd/>
           </a:ln>
           <a:extLst>
-            <a:ext uri="{909E8E84-426E-40dd-AFC4-6F175D3DCCD1}">
-              <a14:hiddenFill xmlns:a14="http://schemas.microsoft.com/office/drawing/2010/main" xmlns="">
+            <a:ext uri="{909E8E84-426E-40DD-AFC4-6F175D3DCCD1}">
+              <a14:hiddenFill xmlns:a14="http://schemas.microsoft.com/office/drawing/2010/main">
                 <a:solidFill>
                   <a:srgbClr val="FFFFFF"/>
                 </a:solidFill>
@@ -8817,15 +8817,15 @@
             <a:noFill/>
           </a:ln>
           <a:extLst>
-            <a:ext uri="{909E8E84-426E-40dd-AFC4-6F175D3DCCD1}">
-              <a14:hiddenFill xmlns:a14="http://schemas.microsoft.com/office/drawing/2010/main" xmlns="">
+            <a:ext uri="{909E8E84-426E-40DD-AFC4-6F175D3DCCD1}">
+              <a14:hiddenFill xmlns:a14="http://schemas.microsoft.com/office/drawing/2010/main">
                 <a:solidFill>
                   <a:srgbClr val="FFFFFF"/>
                 </a:solidFill>
               </a14:hiddenFill>
             </a:ext>
-            <a:ext uri="{91240B29-F687-4f45-9708-019B960494DF}">
-              <a14:hiddenLine xmlns:a14="http://schemas.microsoft.com/office/drawing/2010/main" xmlns="" w="9525">
+            <a:ext uri="{91240B29-F687-4F45-9708-019B960494DF}">
+              <a14:hiddenLine xmlns:a14="http://schemas.microsoft.com/office/drawing/2010/main" w="9525">
                 <a:solidFill>
                   <a:srgbClr val="000000"/>
                 </a:solidFill>
@@ -8950,15 +8950,15 @@
           <a:noFill/>
           <a:ln/>
           <a:extLst>
-            <a:ext uri="{909E8E84-426E-40dd-AFC4-6F175D3DCCD1}">
-              <a14:hiddenFill xmlns:a14="http://schemas.microsoft.com/office/drawing/2010/main" xmlns="">
+            <a:ext uri="{909E8E84-426E-40DD-AFC4-6F175D3DCCD1}">
+              <a14:hiddenFill xmlns:a14="http://schemas.microsoft.com/office/drawing/2010/main">
                 <a:solidFill>
                   <a:srgbClr val="FFFFFF"/>
                 </a:solidFill>
               </a14:hiddenFill>
             </a:ext>
-            <a:ext uri="{91240B29-F687-4f45-9708-019B960494DF}">
-              <a14:hiddenLine xmlns:a14="http://schemas.microsoft.com/office/drawing/2010/main" xmlns="" w="9525">
+            <a:ext uri="{91240B29-F687-4F45-9708-019B960494DF}">
+              <a14:hiddenLine xmlns:a14="http://schemas.microsoft.com/office/drawing/2010/main" w="9525">
                 <a:solidFill>
                   <a:srgbClr val="000000"/>
                 </a:solidFill>
@@ -9065,7 +9065,7 @@
                 <a:latin typeface="Garamond" charset="0"/>
                 <a:cs typeface="Arial" charset="0"/>
               </a:rPr>
-              <a:t>10/15/18</a:t>
+              <a:t>10/17/2018</a:t>
             </a:fld>
             <a:endParaRPr lang="en-US" sz="1200">
               <a:latin typeface="Garamond" charset="0"/>
@@ -9151,15 +9151,15 @@
           <a:noFill/>
           <a:ln/>
           <a:extLst>
-            <a:ext uri="{909E8E84-426E-40dd-AFC4-6F175D3DCCD1}">
-              <a14:hiddenFill xmlns:a14="http://schemas.microsoft.com/office/drawing/2010/main" xmlns="">
+            <a:ext uri="{909E8E84-426E-40DD-AFC4-6F175D3DCCD1}">
+              <a14:hiddenFill xmlns:a14="http://schemas.microsoft.com/office/drawing/2010/main">
                 <a:solidFill>
                   <a:srgbClr val="FFFFFF"/>
                 </a:solidFill>
               </a14:hiddenFill>
             </a:ext>
-            <a:ext uri="{91240B29-F687-4f45-9708-019B960494DF}">
-              <a14:hiddenLine xmlns:a14="http://schemas.microsoft.com/office/drawing/2010/main" xmlns="" w="9525">
+            <a:ext uri="{91240B29-F687-4F45-9708-019B960494DF}">
+              <a14:hiddenLine xmlns:a14="http://schemas.microsoft.com/office/drawing/2010/main" w="9525">
                 <a:solidFill>
                   <a:srgbClr val="000000"/>
                 </a:solidFill>
@@ -9326,15 +9326,15 @@
             <a:noFill/>
           </a:ln>
           <a:extLst>
-            <a:ext uri="{909E8E84-426E-40dd-AFC4-6F175D3DCCD1}">
-              <a14:hiddenFill xmlns:a14="http://schemas.microsoft.com/office/drawing/2010/main" xmlns="">
+            <a:ext uri="{909E8E84-426E-40DD-AFC4-6F175D3DCCD1}">
+              <a14:hiddenFill xmlns:a14="http://schemas.microsoft.com/office/drawing/2010/main">
                 <a:solidFill>
                   <a:srgbClr val="FFFFFF"/>
                 </a:solidFill>
               </a14:hiddenFill>
             </a:ext>
-            <a:ext uri="{91240B29-F687-4f45-9708-019B960494DF}">
-              <a14:hiddenLine xmlns:a14="http://schemas.microsoft.com/office/drawing/2010/main" xmlns="" w="9525">
+            <a:ext uri="{91240B29-F687-4F45-9708-019B960494DF}">
+              <a14:hiddenLine xmlns:a14="http://schemas.microsoft.com/office/drawing/2010/main" w="9525">
                 <a:solidFill>
                   <a:srgbClr val="000000"/>
                 </a:solidFill>
@@ -9674,15 +9674,15 @@
             <a:noFill/>
           </a:ln>
           <a:extLst>
-            <a:ext uri="{909E8E84-426E-40dd-AFC4-6F175D3DCCD1}">
-              <a14:hiddenFill xmlns:a14="http://schemas.microsoft.com/office/drawing/2010/main" xmlns="">
+            <a:ext uri="{909E8E84-426E-40DD-AFC4-6F175D3DCCD1}">
+              <a14:hiddenFill xmlns:a14="http://schemas.microsoft.com/office/drawing/2010/main">
                 <a:solidFill>
                   <a:srgbClr val="FFFFFF"/>
                 </a:solidFill>
               </a14:hiddenFill>
             </a:ext>
-            <a:ext uri="{91240B29-F687-4f45-9708-019B960494DF}">
-              <a14:hiddenLine xmlns:a14="http://schemas.microsoft.com/office/drawing/2010/main" xmlns="" w="9525">
+            <a:ext uri="{91240B29-F687-4F45-9708-019B960494DF}">
+              <a14:hiddenLine xmlns:a14="http://schemas.microsoft.com/office/drawing/2010/main" w="9525">
                 <a:solidFill>
                   <a:srgbClr val="000000"/>
                 </a:solidFill>
@@ -9820,8 +9820,8 @@
             <a:tailEnd/>
           </a:ln>
           <a:extLst>
-            <a:ext uri="{909E8E84-426E-40dd-AFC4-6F175D3DCCD1}">
-              <a14:hiddenFill xmlns:a14="http://schemas.microsoft.com/office/drawing/2010/main" xmlns="">
+            <a:ext uri="{909E8E84-426E-40DD-AFC4-6F175D3DCCD1}">
+              <a14:hiddenFill xmlns:a14="http://schemas.microsoft.com/office/drawing/2010/main">
                 <a:solidFill>
                   <a:srgbClr val="FFFFFF"/>
                 </a:solidFill>
@@ -9862,15 +9862,15 @@
             <a:noFill/>
           </a:ln>
           <a:extLst>
-            <a:ext uri="{909E8E84-426E-40dd-AFC4-6F175D3DCCD1}">
-              <a14:hiddenFill xmlns:a14="http://schemas.microsoft.com/office/drawing/2010/main" xmlns="">
+            <a:ext uri="{909E8E84-426E-40DD-AFC4-6F175D3DCCD1}">
+              <a14:hiddenFill xmlns:a14="http://schemas.microsoft.com/office/drawing/2010/main">
                 <a:solidFill>
                   <a:srgbClr val="FFFFFF"/>
                 </a:solidFill>
               </a14:hiddenFill>
             </a:ext>
-            <a:ext uri="{91240B29-F687-4f45-9708-019B960494DF}">
-              <a14:hiddenLine xmlns:a14="http://schemas.microsoft.com/office/drawing/2010/main" xmlns="" w="9525">
+            <a:ext uri="{91240B29-F687-4F45-9708-019B960494DF}">
+              <a14:hiddenLine xmlns:a14="http://schemas.microsoft.com/office/drawing/2010/main" w="9525">
                 <a:solidFill>
                   <a:srgbClr val="000000"/>
                 </a:solidFill>
@@ -10003,15 +10003,15 @@
             <a:noFill/>
           </a:ln>
           <a:extLst>
-            <a:ext uri="{909E8E84-426E-40dd-AFC4-6F175D3DCCD1}">
-              <a14:hiddenFill xmlns:a14="http://schemas.microsoft.com/office/drawing/2010/main" xmlns="">
+            <a:ext uri="{909E8E84-426E-40DD-AFC4-6F175D3DCCD1}">
+              <a14:hiddenFill xmlns:a14="http://schemas.microsoft.com/office/drawing/2010/main">
                 <a:solidFill>
                   <a:srgbClr val="FFFFFF"/>
                 </a:solidFill>
               </a14:hiddenFill>
             </a:ext>
-            <a:ext uri="{91240B29-F687-4f45-9708-019B960494DF}">
-              <a14:hiddenLine xmlns:a14="http://schemas.microsoft.com/office/drawing/2010/main" xmlns="" w="9525">
+            <a:ext uri="{91240B29-F687-4F45-9708-019B960494DF}">
+              <a14:hiddenLine xmlns:a14="http://schemas.microsoft.com/office/drawing/2010/main" w="9525">
                 <a:solidFill>
                   <a:srgbClr val="000000"/>
                 </a:solidFill>
@@ -10149,8 +10149,8 @@
             <a:tailEnd/>
           </a:ln>
           <a:extLst>
-            <a:ext uri="{909E8E84-426E-40dd-AFC4-6F175D3DCCD1}">
-              <a14:hiddenFill xmlns:a14="http://schemas.microsoft.com/office/drawing/2010/main" xmlns="">
+            <a:ext uri="{909E8E84-426E-40DD-AFC4-6F175D3DCCD1}">
+              <a14:hiddenFill xmlns:a14="http://schemas.microsoft.com/office/drawing/2010/main">
                 <a:solidFill>
                   <a:srgbClr val="FFFFFF"/>
                 </a:solidFill>
@@ -10196,8 +10196,8 @@
             <a:tailEnd/>
           </a:ln>
           <a:extLst>
-            <a:ext uri="{909E8E84-426E-40dd-AFC4-6F175D3DCCD1}">
-              <a14:hiddenFill xmlns:a14="http://schemas.microsoft.com/office/drawing/2010/main" xmlns="">
+            <a:ext uri="{909E8E84-426E-40DD-AFC4-6F175D3DCCD1}">
+              <a14:hiddenFill xmlns:a14="http://schemas.microsoft.com/office/drawing/2010/main">
                 <a:solidFill>
                   <a:srgbClr val="FFFFFF"/>
                 </a:solidFill>
@@ -10238,15 +10238,15 @@
             <a:noFill/>
           </a:ln>
           <a:extLst>
-            <a:ext uri="{909E8E84-426E-40dd-AFC4-6F175D3DCCD1}">
-              <a14:hiddenFill xmlns:a14="http://schemas.microsoft.com/office/drawing/2010/main" xmlns="">
+            <a:ext uri="{909E8E84-426E-40DD-AFC4-6F175D3DCCD1}">
+              <a14:hiddenFill xmlns:a14="http://schemas.microsoft.com/office/drawing/2010/main">
                 <a:solidFill>
                   <a:srgbClr val="FFFFFF"/>
                 </a:solidFill>
               </a14:hiddenFill>
             </a:ext>
-            <a:ext uri="{91240B29-F687-4f45-9708-019B960494DF}">
-              <a14:hiddenLine xmlns:a14="http://schemas.microsoft.com/office/drawing/2010/main" xmlns="" w="9525">
+            <a:ext uri="{91240B29-F687-4F45-9708-019B960494DF}">
+              <a14:hiddenLine xmlns:a14="http://schemas.microsoft.com/office/drawing/2010/main" w="9525">
                 <a:solidFill>
                   <a:srgbClr val="000000"/>
                 </a:solidFill>
@@ -10378,15 +10378,15 @@
             <a:noFill/>
           </a:ln>
           <a:extLst>
-            <a:ext uri="{909E8E84-426E-40dd-AFC4-6F175D3DCCD1}">
-              <a14:hiddenFill xmlns:a14="http://schemas.microsoft.com/office/drawing/2010/main" xmlns="">
+            <a:ext uri="{909E8E84-426E-40DD-AFC4-6F175D3DCCD1}">
+              <a14:hiddenFill xmlns:a14="http://schemas.microsoft.com/office/drawing/2010/main">
                 <a:solidFill>
                   <a:srgbClr val="FFFFFF"/>
                 </a:solidFill>
               </a14:hiddenFill>
             </a:ext>
-            <a:ext uri="{91240B29-F687-4f45-9708-019B960494DF}">
-              <a14:hiddenLine xmlns:a14="http://schemas.microsoft.com/office/drawing/2010/main" xmlns="" w="9525">
+            <a:ext uri="{91240B29-F687-4F45-9708-019B960494DF}">
+              <a14:hiddenLine xmlns:a14="http://schemas.microsoft.com/office/drawing/2010/main" w="9525">
                 <a:solidFill>
                   <a:srgbClr val="000000"/>
                 </a:solidFill>
@@ -10518,15 +10518,15 @@
             <a:noFill/>
           </a:ln>
           <a:extLst>
-            <a:ext uri="{909E8E84-426E-40dd-AFC4-6F175D3DCCD1}">
-              <a14:hiddenFill xmlns:a14="http://schemas.microsoft.com/office/drawing/2010/main" xmlns="">
+            <a:ext uri="{909E8E84-426E-40DD-AFC4-6F175D3DCCD1}">
+              <a14:hiddenFill xmlns:a14="http://schemas.microsoft.com/office/drawing/2010/main">
                 <a:solidFill>
                   <a:srgbClr val="FFFFFF"/>
                 </a:solidFill>
               </a14:hiddenFill>
             </a:ext>
-            <a:ext uri="{91240B29-F687-4f45-9708-019B960494DF}">
-              <a14:hiddenLine xmlns:a14="http://schemas.microsoft.com/office/drawing/2010/main" xmlns="" w="9525">
+            <a:ext uri="{91240B29-F687-4F45-9708-019B960494DF}">
+              <a14:hiddenLine xmlns:a14="http://schemas.microsoft.com/office/drawing/2010/main" w="9525">
                 <a:solidFill>
                   <a:srgbClr val="000000"/>
                 </a:solidFill>
@@ -10658,15 +10658,15 @@
             <a:noFill/>
           </a:ln>
           <a:extLst>
-            <a:ext uri="{909E8E84-426E-40dd-AFC4-6F175D3DCCD1}">
-              <a14:hiddenFill xmlns:a14="http://schemas.microsoft.com/office/drawing/2010/main" xmlns="">
+            <a:ext uri="{909E8E84-426E-40DD-AFC4-6F175D3DCCD1}">
+              <a14:hiddenFill xmlns:a14="http://schemas.microsoft.com/office/drawing/2010/main">
                 <a:solidFill>
                   <a:srgbClr val="FFFFFF"/>
                 </a:solidFill>
               </a14:hiddenFill>
             </a:ext>
-            <a:ext uri="{91240B29-F687-4f45-9708-019B960494DF}">
-              <a14:hiddenLine xmlns:a14="http://schemas.microsoft.com/office/drawing/2010/main" xmlns="" w="9525">
+            <a:ext uri="{91240B29-F687-4F45-9708-019B960494DF}">
+              <a14:hiddenLine xmlns:a14="http://schemas.microsoft.com/office/drawing/2010/main" w="9525">
                 <a:solidFill>
                   <a:srgbClr val="000000"/>
                 </a:solidFill>
@@ -10804,8 +10804,8 @@
             <a:tailEnd/>
           </a:ln>
           <a:extLst>
-            <a:ext uri="{909E8E84-426E-40dd-AFC4-6F175D3DCCD1}">
-              <a14:hiddenFill xmlns:a14="http://schemas.microsoft.com/office/drawing/2010/main" xmlns="">
+            <a:ext uri="{909E8E84-426E-40DD-AFC4-6F175D3DCCD1}">
+              <a14:hiddenFill xmlns:a14="http://schemas.microsoft.com/office/drawing/2010/main">
                 <a:solidFill>
                   <a:srgbClr val="FFFFFF"/>
                 </a:solidFill>
@@ -10846,15 +10846,15 @@
             <a:noFill/>
           </a:ln>
           <a:extLst>
-            <a:ext uri="{909E8E84-426E-40dd-AFC4-6F175D3DCCD1}">
-              <a14:hiddenFill xmlns:a14="http://schemas.microsoft.com/office/drawing/2010/main" xmlns="">
+            <a:ext uri="{909E8E84-426E-40DD-AFC4-6F175D3DCCD1}">
+              <a14:hiddenFill xmlns:a14="http://schemas.microsoft.com/office/drawing/2010/main">
                 <a:solidFill>
                   <a:srgbClr val="FFFFFF"/>
                 </a:solidFill>
               </a14:hiddenFill>
             </a:ext>
-            <a:ext uri="{91240B29-F687-4f45-9708-019B960494DF}">
-              <a14:hiddenLine xmlns:a14="http://schemas.microsoft.com/office/drawing/2010/main" xmlns="" w="9525">
+            <a:ext uri="{91240B29-F687-4F45-9708-019B960494DF}">
+              <a14:hiddenLine xmlns:a14="http://schemas.microsoft.com/office/drawing/2010/main" w="9525">
                 <a:solidFill>
                   <a:srgbClr val="000000"/>
                 </a:solidFill>
@@ -10991,8 +10991,8 @@
             <a:tailEnd type="triangle" w="med" len="med"/>
           </a:ln>
           <a:extLst>
-            <a:ext uri="{909E8E84-426E-40dd-AFC4-6F175D3DCCD1}">
-              <a14:hiddenFill xmlns:a14="http://schemas.microsoft.com/office/drawing/2010/main" xmlns="">
+            <a:ext uri="{909E8E84-426E-40DD-AFC4-6F175D3DCCD1}">
+              <a14:hiddenFill xmlns:a14="http://schemas.microsoft.com/office/drawing/2010/main">
                 <a:noFill/>
               </a14:hiddenFill>
             </a:ext>
@@ -11022,15 +11022,15 @@
           <a:noFill/>
           <a:ln/>
           <a:extLst>
-            <a:ext uri="{909E8E84-426E-40dd-AFC4-6F175D3DCCD1}">
-              <a14:hiddenFill xmlns:a14="http://schemas.microsoft.com/office/drawing/2010/main" xmlns="">
+            <a:ext uri="{909E8E84-426E-40DD-AFC4-6F175D3DCCD1}">
+              <a14:hiddenFill xmlns:a14="http://schemas.microsoft.com/office/drawing/2010/main">
                 <a:solidFill>
                   <a:srgbClr val="FFFFFF"/>
                 </a:solidFill>
               </a14:hiddenFill>
             </a:ext>
-            <a:ext uri="{91240B29-F687-4f45-9708-019B960494DF}">
-              <a14:hiddenLine xmlns:a14="http://schemas.microsoft.com/office/drawing/2010/main" xmlns="" w="9525">
+            <a:ext uri="{91240B29-F687-4F45-9708-019B960494DF}">
+              <a14:hiddenLine xmlns:a14="http://schemas.microsoft.com/office/drawing/2010/main" w="9525">
                 <a:solidFill>
                   <a:srgbClr val="000000"/>
                 </a:solidFill>
@@ -11137,7 +11137,7 @@
                 <a:latin typeface="Garamond" charset="0"/>
                 <a:cs typeface="Arial" charset="0"/>
               </a:rPr>
-              <a:t>10/15/18</a:t>
+              <a:t>10/17/2018</a:t>
             </a:fld>
             <a:endParaRPr lang="en-US" sz="1200">
               <a:latin typeface="Garamond" charset="0"/>
@@ -11223,15 +11223,15 @@
           <a:noFill/>
           <a:ln/>
           <a:extLst>
-            <a:ext uri="{909E8E84-426E-40dd-AFC4-6F175D3DCCD1}">
-              <a14:hiddenFill xmlns:a14="http://schemas.microsoft.com/office/drawing/2010/main" xmlns="">
+            <a:ext uri="{909E8E84-426E-40DD-AFC4-6F175D3DCCD1}">
+              <a14:hiddenFill xmlns:a14="http://schemas.microsoft.com/office/drawing/2010/main">
                 <a:solidFill>
                   <a:srgbClr val="FFFFFF"/>
                 </a:solidFill>
               </a14:hiddenFill>
             </a:ext>
-            <a:ext uri="{91240B29-F687-4f45-9708-019B960494DF}">
-              <a14:hiddenLine xmlns:a14="http://schemas.microsoft.com/office/drawing/2010/main" xmlns="" w="9525">
+            <a:ext uri="{91240B29-F687-4F45-9708-019B960494DF}">
+              <a14:hiddenLine xmlns:a14="http://schemas.microsoft.com/office/drawing/2010/main" w="9525">
                 <a:solidFill>
                   <a:srgbClr val="000000"/>
                 </a:solidFill>
@@ -11478,15 +11478,15 @@
             <a:noFill/>
           </a:ln>
           <a:extLst>
-            <a:ext uri="{909E8E84-426E-40dd-AFC4-6F175D3DCCD1}">
-              <a14:hiddenFill xmlns:a14="http://schemas.microsoft.com/office/drawing/2010/main" xmlns="">
+            <a:ext uri="{909E8E84-426E-40DD-AFC4-6F175D3DCCD1}">
+              <a14:hiddenFill xmlns:a14="http://schemas.microsoft.com/office/drawing/2010/main">
                 <a:solidFill>
                   <a:srgbClr val="FFFFFF"/>
                 </a:solidFill>
               </a14:hiddenFill>
             </a:ext>
-            <a:ext uri="{91240B29-F687-4f45-9708-019B960494DF}">
-              <a14:hiddenLine xmlns:a14="http://schemas.microsoft.com/office/drawing/2010/main" xmlns="" w="9525">
+            <a:ext uri="{91240B29-F687-4F45-9708-019B960494DF}">
+              <a14:hiddenLine xmlns:a14="http://schemas.microsoft.com/office/drawing/2010/main" w="9525">
                 <a:solidFill>
                   <a:srgbClr val="000000"/>
                 </a:solidFill>
@@ -11841,15 +11841,15 @@
             <a:noFill/>
           </a:ln>
           <a:extLst>
-            <a:ext uri="{909E8E84-426E-40dd-AFC4-6F175D3DCCD1}">
-              <a14:hiddenFill xmlns:a14="http://schemas.microsoft.com/office/drawing/2010/main" xmlns="">
+            <a:ext uri="{909E8E84-426E-40DD-AFC4-6F175D3DCCD1}">
+              <a14:hiddenFill xmlns:a14="http://schemas.microsoft.com/office/drawing/2010/main">
                 <a:solidFill>
                   <a:srgbClr val="FFFFFF"/>
                 </a:solidFill>
               </a14:hiddenFill>
             </a:ext>
-            <a:ext uri="{91240B29-F687-4f45-9708-019B960494DF}">
-              <a14:hiddenLine xmlns:a14="http://schemas.microsoft.com/office/drawing/2010/main" xmlns="" w="9525">
+            <a:ext uri="{91240B29-F687-4F45-9708-019B960494DF}">
+              <a14:hiddenLine xmlns:a14="http://schemas.microsoft.com/office/drawing/2010/main" w="9525">
                 <a:solidFill>
                   <a:srgbClr val="000000"/>
                 </a:solidFill>
@@ -11987,8 +11987,8 @@
             <a:tailEnd/>
           </a:ln>
           <a:extLst>
-            <a:ext uri="{909E8E84-426E-40dd-AFC4-6F175D3DCCD1}">
-              <a14:hiddenFill xmlns:a14="http://schemas.microsoft.com/office/drawing/2010/main" xmlns="">
+            <a:ext uri="{909E8E84-426E-40DD-AFC4-6F175D3DCCD1}">
+              <a14:hiddenFill xmlns:a14="http://schemas.microsoft.com/office/drawing/2010/main">
                 <a:solidFill>
                   <a:srgbClr val="FFFFFF"/>
                 </a:solidFill>
@@ -12029,15 +12029,15 @@
             <a:noFill/>
           </a:ln>
           <a:extLst>
-            <a:ext uri="{909E8E84-426E-40dd-AFC4-6F175D3DCCD1}">
-              <a14:hiddenFill xmlns:a14="http://schemas.microsoft.com/office/drawing/2010/main" xmlns="">
+            <a:ext uri="{909E8E84-426E-40DD-AFC4-6F175D3DCCD1}">
+              <a14:hiddenFill xmlns:a14="http://schemas.microsoft.com/office/drawing/2010/main">
                 <a:solidFill>
                   <a:srgbClr val="FFFFFF"/>
                 </a:solidFill>
               </a14:hiddenFill>
             </a:ext>
-            <a:ext uri="{91240B29-F687-4f45-9708-019B960494DF}">
-              <a14:hiddenLine xmlns:a14="http://schemas.microsoft.com/office/drawing/2010/main" xmlns="" w="9525">
+            <a:ext uri="{91240B29-F687-4F45-9708-019B960494DF}">
+              <a14:hiddenLine xmlns:a14="http://schemas.microsoft.com/office/drawing/2010/main" w="9525">
                 <a:solidFill>
                   <a:srgbClr val="000000"/>
                 </a:solidFill>
@@ -12170,15 +12170,15 @@
             <a:noFill/>
           </a:ln>
           <a:extLst>
-            <a:ext uri="{909E8E84-426E-40dd-AFC4-6F175D3DCCD1}">
-              <a14:hiddenFill xmlns:a14="http://schemas.microsoft.com/office/drawing/2010/main" xmlns="">
+            <a:ext uri="{909E8E84-426E-40DD-AFC4-6F175D3DCCD1}">
+              <a14:hiddenFill xmlns:a14="http://schemas.microsoft.com/office/drawing/2010/main">
                 <a:solidFill>
                   <a:srgbClr val="FFFFFF"/>
                 </a:solidFill>
               </a14:hiddenFill>
             </a:ext>
-            <a:ext uri="{91240B29-F687-4f45-9708-019B960494DF}">
-              <a14:hiddenLine xmlns:a14="http://schemas.microsoft.com/office/drawing/2010/main" xmlns="" w="9525">
+            <a:ext uri="{91240B29-F687-4F45-9708-019B960494DF}">
+              <a14:hiddenLine xmlns:a14="http://schemas.microsoft.com/office/drawing/2010/main" w="9525">
                 <a:solidFill>
                   <a:srgbClr val="000000"/>
                 </a:solidFill>
@@ -12311,15 +12311,15 @@
             <a:noFill/>
           </a:ln>
           <a:extLst>
-            <a:ext uri="{909E8E84-426E-40dd-AFC4-6F175D3DCCD1}">
-              <a14:hiddenFill xmlns:a14="http://schemas.microsoft.com/office/drawing/2010/main" xmlns="">
+            <a:ext uri="{909E8E84-426E-40DD-AFC4-6F175D3DCCD1}">
+              <a14:hiddenFill xmlns:a14="http://schemas.microsoft.com/office/drawing/2010/main">
                 <a:solidFill>
                   <a:srgbClr val="FFFFFF"/>
                 </a:solidFill>
               </a14:hiddenFill>
             </a:ext>
-            <a:ext uri="{91240B29-F687-4f45-9708-019B960494DF}">
-              <a14:hiddenLine xmlns:a14="http://schemas.microsoft.com/office/drawing/2010/main" xmlns="" w="9525">
+            <a:ext uri="{91240B29-F687-4F45-9708-019B960494DF}">
+              <a14:hiddenLine xmlns:a14="http://schemas.microsoft.com/office/drawing/2010/main" w="9525">
                 <a:solidFill>
                   <a:srgbClr val="000000"/>
                 </a:solidFill>
@@ -12457,8 +12457,8 @@
             <a:tailEnd/>
           </a:ln>
           <a:extLst>
-            <a:ext uri="{909E8E84-426E-40dd-AFC4-6F175D3DCCD1}">
-              <a14:hiddenFill xmlns:a14="http://schemas.microsoft.com/office/drawing/2010/main" xmlns="">
+            <a:ext uri="{909E8E84-426E-40DD-AFC4-6F175D3DCCD1}">
+              <a14:hiddenFill xmlns:a14="http://schemas.microsoft.com/office/drawing/2010/main">
                 <a:solidFill>
                   <a:srgbClr val="FFFFFF"/>
                 </a:solidFill>
@@ -12504,8 +12504,8 @@
             <a:tailEnd/>
           </a:ln>
           <a:extLst>
-            <a:ext uri="{909E8E84-426E-40dd-AFC4-6F175D3DCCD1}">
-              <a14:hiddenFill xmlns:a14="http://schemas.microsoft.com/office/drawing/2010/main" xmlns="">
+            <a:ext uri="{909E8E84-426E-40DD-AFC4-6F175D3DCCD1}">
+              <a14:hiddenFill xmlns:a14="http://schemas.microsoft.com/office/drawing/2010/main">
                 <a:solidFill>
                   <a:srgbClr val="FFFFFF"/>
                 </a:solidFill>
@@ -12543,15 +12543,15 @@
             <a:noFill/>
           </a:ln>
           <a:extLst>
-            <a:ext uri="{909E8E84-426E-40dd-AFC4-6F175D3DCCD1}">
-              <a14:hiddenFill xmlns:a14="http://schemas.microsoft.com/office/drawing/2010/main" xmlns="">
+            <a:ext uri="{909E8E84-426E-40DD-AFC4-6F175D3DCCD1}">
+              <a14:hiddenFill xmlns:a14="http://schemas.microsoft.com/office/drawing/2010/main">
                 <a:solidFill>
                   <a:srgbClr val="FFFFFF"/>
                 </a:solidFill>
               </a14:hiddenFill>
             </a:ext>
-            <a:ext uri="{91240B29-F687-4f45-9708-019B960494DF}">
-              <a14:hiddenLine xmlns:a14="http://schemas.microsoft.com/office/drawing/2010/main" xmlns="" w="9525">
+            <a:ext uri="{91240B29-F687-4F45-9708-019B960494DF}">
+              <a14:hiddenLine xmlns:a14="http://schemas.microsoft.com/office/drawing/2010/main" w="9525">
                 <a:solidFill>
                   <a:srgbClr val="000000"/>
                 </a:solidFill>
@@ -12689,8 +12689,8 @@
             <a:tailEnd/>
           </a:ln>
           <a:extLst>
-            <a:ext uri="{909E8E84-426E-40dd-AFC4-6F175D3DCCD1}">
-              <a14:hiddenFill xmlns:a14="http://schemas.microsoft.com/office/drawing/2010/main" xmlns="">
+            <a:ext uri="{909E8E84-426E-40DD-AFC4-6F175D3DCCD1}">
+              <a14:hiddenFill xmlns:a14="http://schemas.microsoft.com/office/drawing/2010/main">
                 <a:solidFill>
                   <a:srgbClr val="FFFFFF"/>
                 </a:solidFill>
@@ -12731,15 +12731,15 @@
             <a:noFill/>
           </a:ln>
           <a:extLst>
-            <a:ext uri="{909E8E84-426E-40dd-AFC4-6F175D3DCCD1}">
-              <a14:hiddenFill xmlns:a14="http://schemas.microsoft.com/office/drawing/2010/main" xmlns="">
+            <a:ext uri="{909E8E84-426E-40DD-AFC4-6F175D3DCCD1}">
+              <a14:hiddenFill xmlns:a14="http://schemas.microsoft.com/office/drawing/2010/main">
                 <a:solidFill>
                   <a:srgbClr val="FFFFFF"/>
                 </a:solidFill>
               </a14:hiddenFill>
             </a:ext>
-            <a:ext uri="{91240B29-F687-4f45-9708-019B960494DF}">
-              <a14:hiddenLine xmlns:a14="http://schemas.microsoft.com/office/drawing/2010/main" xmlns="" w="9525">
+            <a:ext uri="{91240B29-F687-4F45-9708-019B960494DF}">
+              <a14:hiddenLine xmlns:a14="http://schemas.microsoft.com/office/drawing/2010/main" w="9525">
                 <a:solidFill>
                   <a:srgbClr val="000000"/>
                 </a:solidFill>
@@ -12872,15 +12872,15 @@
             <a:noFill/>
           </a:ln>
           <a:extLst>
-            <a:ext uri="{909E8E84-426E-40dd-AFC4-6F175D3DCCD1}">
-              <a14:hiddenFill xmlns:a14="http://schemas.microsoft.com/office/drawing/2010/main" xmlns="">
+            <a:ext uri="{909E8E84-426E-40DD-AFC4-6F175D3DCCD1}">
+              <a14:hiddenFill xmlns:a14="http://schemas.microsoft.com/office/drawing/2010/main">
                 <a:solidFill>
                   <a:srgbClr val="FFFFFF"/>
                 </a:solidFill>
               </a14:hiddenFill>
             </a:ext>
-            <a:ext uri="{91240B29-F687-4f45-9708-019B960494DF}">
-              <a14:hiddenLine xmlns:a14="http://schemas.microsoft.com/office/drawing/2010/main" xmlns="" w="9525">
+            <a:ext uri="{91240B29-F687-4F45-9708-019B960494DF}">
+              <a14:hiddenLine xmlns:a14="http://schemas.microsoft.com/office/drawing/2010/main" w="9525">
                 <a:solidFill>
                   <a:srgbClr val="000000"/>
                 </a:solidFill>
@@ -13018,8 +13018,8 @@
             <a:tailEnd/>
           </a:ln>
           <a:extLst>
-            <a:ext uri="{909E8E84-426E-40dd-AFC4-6F175D3DCCD1}">
-              <a14:hiddenFill xmlns:a14="http://schemas.microsoft.com/office/drawing/2010/main" xmlns="">
+            <a:ext uri="{909E8E84-426E-40DD-AFC4-6F175D3DCCD1}">
+              <a14:hiddenFill xmlns:a14="http://schemas.microsoft.com/office/drawing/2010/main">
                 <a:solidFill>
                   <a:srgbClr val="FFFFFF"/>
                 </a:solidFill>
@@ -13065,8 +13065,8 @@
             <a:tailEnd/>
           </a:ln>
           <a:extLst>
-            <a:ext uri="{909E8E84-426E-40dd-AFC4-6F175D3DCCD1}">
-              <a14:hiddenFill xmlns:a14="http://schemas.microsoft.com/office/drawing/2010/main" xmlns="">
+            <a:ext uri="{909E8E84-426E-40DD-AFC4-6F175D3DCCD1}">
+              <a14:hiddenFill xmlns:a14="http://schemas.microsoft.com/office/drawing/2010/main">
                 <a:solidFill>
                   <a:srgbClr val="FFFFFF"/>
                 </a:solidFill>
@@ -13112,8 +13112,8 @@
             <a:tailEnd/>
           </a:ln>
           <a:extLst>
-            <a:ext uri="{909E8E84-426E-40dd-AFC4-6F175D3DCCD1}">
-              <a14:hiddenFill xmlns:a14="http://schemas.microsoft.com/office/drawing/2010/main" xmlns="">
+            <a:ext uri="{909E8E84-426E-40DD-AFC4-6F175D3DCCD1}">
+              <a14:hiddenFill xmlns:a14="http://schemas.microsoft.com/office/drawing/2010/main">
                 <a:solidFill>
                   <a:srgbClr val="FFFFFF"/>
                 </a:solidFill>
@@ -13154,15 +13154,15 @@
             <a:noFill/>
           </a:ln>
           <a:extLst>
-            <a:ext uri="{909E8E84-426E-40dd-AFC4-6F175D3DCCD1}">
-              <a14:hiddenFill xmlns:a14="http://schemas.microsoft.com/office/drawing/2010/main" xmlns="">
+            <a:ext uri="{909E8E84-426E-40DD-AFC4-6F175D3DCCD1}">
+              <a14:hiddenFill xmlns:a14="http://schemas.microsoft.com/office/drawing/2010/main">
                 <a:solidFill>
                   <a:srgbClr val="FFFFFF"/>
                 </a:solidFill>
               </a14:hiddenFill>
             </a:ext>
-            <a:ext uri="{91240B29-F687-4f45-9708-019B960494DF}">
-              <a14:hiddenLine xmlns:a14="http://schemas.microsoft.com/office/drawing/2010/main" xmlns="" w="9525">
+            <a:ext uri="{91240B29-F687-4F45-9708-019B960494DF}">
+              <a14:hiddenLine xmlns:a14="http://schemas.microsoft.com/office/drawing/2010/main" w="9525">
                 <a:solidFill>
                   <a:srgbClr val="000000"/>
                 </a:solidFill>
@@ -13294,15 +13294,15 @@
             <a:noFill/>
           </a:ln>
           <a:extLst>
-            <a:ext uri="{909E8E84-426E-40dd-AFC4-6F175D3DCCD1}">
-              <a14:hiddenFill xmlns:a14="http://schemas.microsoft.com/office/drawing/2010/main" xmlns="">
+            <a:ext uri="{909E8E84-426E-40DD-AFC4-6F175D3DCCD1}">
+              <a14:hiddenFill xmlns:a14="http://schemas.microsoft.com/office/drawing/2010/main">
                 <a:solidFill>
                   <a:srgbClr val="FFFFFF"/>
                 </a:solidFill>
               </a14:hiddenFill>
             </a:ext>
-            <a:ext uri="{91240B29-F687-4f45-9708-019B960494DF}">
-              <a14:hiddenLine xmlns:a14="http://schemas.microsoft.com/office/drawing/2010/main" xmlns="" w="9525">
+            <a:ext uri="{91240B29-F687-4F45-9708-019B960494DF}">
+              <a14:hiddenLine xmlns:a14="http://schemas.microsoft.com/office/drawing/2010/main" w="9525">
                 <a:solidFill>
                   <a:srgbClr val="000000"/>
                 </a:solidFill>
@@ -13434,15 +13434,15 @@
             <a:noFill/>
           </a:ln>
           <a:extLst>
-            <a:ext uri="{909E8E84-426E-40dd-AFC4-6F175D3DCCD1}">
-              <a14:hiddenFill xmlns:a14="http://schemas.microsoft.com/office/drawing/2010/main" xmlns="">
+            <a:ext uri="{909E8E84-426E-40DD-AFC4-6F175D3DCCD1}">
+              <a14:hiddenFill xmlns:a14="http://schemas.microsoft.com/office/drawing/2010/main">
                 <a:solidFill>
                   <a:srgbClr val="FFFFFF"/>
                 </a:solidFill>
               </a14:hiddenFill>
             </a:ext>
-            <a:ext uri="{91240B29-F687-4f45-9708-019B960494DF}">
-              <a14:hiddenLine xmlns:a14="http://schemas.microsoft.com/office/drawing/2010/main" xmlns="" w="9525">
+            <a:ext uri="{91240B29-F687-4F45-9708-019B960494DF}">
+              <a14:hiddenLine xmlns:a14="http://schemas.microsoft.com/office/drawing/2010/main" w="9525">
                 <a:solidFill>
                   <a:srgbClr val="000000"/>
                 </a:solidFill>
@@ -13574,15 +13574,15 @@
             <a:noFill/>
           </a:ln>
           <a:extLst>
-            <a:ext uri="{909E8E84-426E-40dd-AFC4-6F175D3DCCD1}">
-              <a14:hiddenFill xmlns:a14="http://schemas.microsoft.com/office/drawing/2010/main" xmlns="">
+            <a:ext uri="{909E8E84-426E-40DD-AFC4-6F175D3DCCD1}">
+              <a14:hiddenFill xmlns:a14="http://schemas.microsoft.com/office/drawing/2010/main">
                 <a:solidFill>
                   <a:srgbClr val="FFFFFF"/>
                 </a:solidFill>
               </a14:hiddenFill>
             </a:ext>
-            <a:ext uri="{91240B29-F687-4f45-9708-019B960494DF}">
-              <a14:hiddenLine xmlns:a14="http://schemas.microsoft.com/office/drawing/2010/main" xmlns="" w="9525">
+            <a:ext uri="{91240B29-F687-4F45-9708-019B960494DF}">
+              <a14:hiddenLine xmlns:a14="http://schemas.microsoft.com/office/drawing/2010/main" w="9525">
                 <a:solidFill>
                   <a:srgbClr val="000000"/>
                 </a:solidFill>
@@ -13714,15 +13714,15 @@
             <a:noFill/>
           </a:ln>
           <a:extLst>
-            <a:ext uri="{909E8E84-426E-40dd-AFC4-6F175D3DCCD1}">
-              <a14:hiddenFill xmlns:a14="http://schemas.microsoft.com/office/drawing/2010/main" xmlns="">
+            <a:ext uri="{909E8E84-426E-40DD-AFC4-6F175D3DCCD1}">
+              <a14:hiddenFill xmlns:a14="http://schemas.microsoft.com/office/drawing/2010/main">
                 <a:solidFill>
                   <a:srgbClr val="FFFFFF"/>
                 </a:solidFill>
               </a14:hiddenFill>
             </a:ext>
-            <a:ext uri="{91240B29-F687-4f45-9708-019B960494DF}">
-              <a14:hiddenLine xmlns:a14="http://schemas.microsoft.com/office/drawing/2010/main" xmlns="" w="9525">
+            <a:ext uri="{91240B29-F687-4F45-9708-019B960494DF}">
+              <a14:hiddenLine xmlns:a14="http://schemas.microsoft.com/office/drawing/2010/main" w="9525">
                 <a:solidFill>
                   <a:srgbClr val="000000"/>
                 </a:solidFill>
@@ -13854,15 +13854,15 @@
             <a:noFill/>
           </a:ln>
           <a:extLst>
-            <a:ext uri="{909E8E84-426E-40dd-AFC4-6F175D3DCCD1}">
-              <a14:hiddenFill xmlns:a14="http://schemas.microsoft.com/office/drawing/2010/main" xmlns="">
+            <a:ext uri="{909E8E84-426E-40DD-AFC4-6F175D3DCCD1}">
+              <a14:hiddenFill xmlns:a14="http://schemas.microsoft.com/office/drawing/2010/main">
                 <a:solidFill>
                   <a:srgbClr val="FFFFFF"/>
                 </a:solidFill>
               </a14:hiddenFill>
             </a:ext>
-            <a:ext uri="{91240B29-F687-4f45-9708-019B960494DF}">
-              <a14:hiddenLine xmlns:a14="http://schemas.microsoft.com/office/drawing/2010/main" xmlns="" w="9525">
+            <a:ext uri="{91240B29-F687-4F45-9708-019B960494DF}">
+              <a14:hiddenLine xmlns:a14="http://schemas.microsoft.com/office/drawing/2010/main" w="9525">
                 <a:solidFill>
                   <a:srgbClr val="000000"/>
                 </a:solidFill>
@@ -13994,15 +13994,15 @@
             <a:noFill/>
           </a:ln>
           <a:extLst>
-            <a:ext uri="{909E8E84-426E-40dd-AFC4-6F175D3DCCD1}">
-              <a14:hiddenFill xmlns:a14="http://schemas.microsoft.com/office/drawing/2010/main" xmlns="">
+            <a:ext uri="{909E8E84-426E-40DD-AFC4-6F175D3DCCD1}">
+              <a14:hiddenFill xmlns:a14="http://schemas.microsoft.com/office/drawing/2010/main">
                 <a:solidFill>
                   <a:srgbClr val="FFFFFF"/>
                 </a:solidFill>
               </a14:hiddenFill>
             </a:ext>
-            <a:ext uri="{91240B29-F687-4f45-9708-019B960494DF}">
-              <a14:hiddenLine xmlns:a14="http://schemas.microsoft.com/office/drawing/2010/main" xmlns="" w="9525">
+            <a:ext uri="{91240B29-F687-4F45-9708-019B960494DF}">
+              <a14:hiddenLine xmlns:a14="http://schemas.microsoft.com/office/drawing/2010/main" w="9525">
                 <a:solidFill>
                   <a:srgbClr val="000000"/>
                 </a:solidFill>
@@ -14134,15 +14134,15 @@
             <a:noFill/>
           </a:ln>
           <a:extLst>
-            <a:ext uri="{909E8E84-426E-40dd-AFC4-6F175D3DCCD1}">
-              <a14:hiddenFill xmlns:a14="http://schemas.microsoft.com/office/drawing/2010/main" xmlns="">
+            <a:ext uri="{909E8E84-426E-40DD-AFC4-6F175D3DCCD1}">
+              <a14:hiddenFill xmlns:a14="http://schemas.microsoft.com/office/drawing/2010/main">
                 <a:solidFill>
                   <a:srgbClr val="FFFFFF"/>
                 </a:solidFill>
               </a14:hiddenFill>
             </a:ext>
-            <a:ext uri="{91240B29-F687-4f45-9708-019B960494DF}">
-              <a14:hiddenLine xmlns:a14="http://schemas.microsoft.com/office/drawing/2010/main" xmlns="" w="9525">
+            <a:ext uri="{91240B29-F687-4F45-9708-019B960494DF}">
+              <a14:hiddenLine xmlns:a14="http://schemas.microsoft.com/office/drawing/2010/main" w="9525">
                 <a:solidFill>
                   <a:srgbClr val="000000"/>
                 </a:solidFill>
@@ -14280,8 +14280,8 @@
             <a:tailEnd/>
           </a:ln>
           <a:extLst>
-            <a:ext uri="{909E8E84-426E-40dd-AFC4-6F175D3DCCD1}">
-              <a14:hiddenFill xmlns:a14="http://schemas.microsoft.com/office/drawing/2010/main" xmlns="">
+            <a:ext uri="{909E8E84-426E-40DD-AFC4-6F175D3DCCD1}">
+              <a14:hiddenFill xmlns:a14="http://schemas.microsoft.com/office/drawing/2010/main">
                 <a:solidFill>
                   <a:srgbClr val="FFFFFF"/>
                 </a:solidFill>
@@ -14319,15 +14319,15 @@
             <a:noFill/>
           </a:ln>
           <a:extLst>
-            <a:ext uri="{909E8E84-426E-40dd-AFC4-6F175D3DCCD1}">
-              <a14:hiddenFill xmlns:a14="http://schemas.microsoft.com/office/drawing/2010/main" xmlns="">
+            <a:ext uri="{909E8E84-426E-40DD-AFC4-6F175D3DCCD1}">
+              <a14:hiddenFill xmlns:a14="http://schemas.microsoft.com/office/drawing/2010/main">
                 <a:solidFill>
                   <a:srgbClr val="FFFFFF"/>
                 </a:solidFill>
               </a14:hiddenFill>
             </a:ext>
-            <a:ext uri="{91240B29-F687-4f45-9708-019B960494DF}">
-              <a14:hiddenLine xmlns:a14="http://schemas.microsoft.com/office/drawing/2010/main" xmlns="" w="9525">
+            <a:ext uri="{91240B29-F687-4F45-9708-019B960494DF}">
+              <a14:hiddenLine xmlns:a14="http://schemas.microsoft.com/office/drawing/2010/main" w="9525">
                 <a:solidFill>
                   <a:srgbClr val="000000"/>
                 </a:solidFill>
@@ -14464,8 +14464,8 @@
             <a:tailEnd type="triangle" w="med" len="med"/>
           </a:ln>
           <a:extLst>
-            <a:ext uri="{909E8E84-426E-40dd-AFC4-6F175D3DCCD1}">
-              <a14:hiddenFill xmlns:a14="http://schemas.microsoft.com/office/drawing/2010/main" xmlns="">
+            <a:ext uri="{909E8E84-426E-40DD-AFC4-6F175D3DCCD1}">
+              <a14:hiddenFill xmlns:a14="http://schemas.microsoft.com/office/drawing/2010/main">
                 <a:noFill/>
               </a14:hiddenFill>
             </a:ext>
@@ -14502,15 +14502,15 @@
             <a:noFill/>
           </a:ln>
           <a:extLst>
-            <a:ext uri="{909E8E84-426E-40dd-AFC4-6F175D3DCCD1}">
-              <a14:hiddenFill xmlns:a14="http://schemas.microsoft.com/office/drawing/2010/main" xmlns="">
+            <a:ext uri="{909E8E84-426E-40DD-AFC4-6F175D3DCCD1}">
+              <a14:hiddenFill xmlns:a14="http://schemas.microsoft.com/office/drawing/2010/main">
                 <a:solidFill>
                   <a:srgbClr val="FFFFFF"/>
                 </a:solidFill>
               </a14:hiddenFill>
             </a:ext>
-            <a:ext uri="{91240B29-F687-4f45-9708-019B960494DF}">
-              <a14:hiddenLine xmlns:a14="http://schemas.microsoft.com/office/drawing/2010/main" xmlns="" w="9525">
+            <a:ext uri="{91240B29-F687-4F45-9708-019B960494DF}">
+              <a14:hiddenLine xmlns:a14="http://schemas.microsoft.com/office/drawing/2010/main" w="9525">
                 <a:solidFill>
                   <a:srgbClr val="000000"/>
                 </a:solidFill>
@@ -14648,8 +14648,8 @@
             <a:tailEnd/>
           </a:ln>
           <a:extLst>
-            <a:ext uri="{909E8E84-426E-40dd-AFC4-6F175D3DCCD1}">
-              <a14:hiddenFill xmlns:a14="http://schemas.microsoft.com/office/drawing/2010/main" xmlns="">
+            <a:ext uri="{909E8E84-426E-40DD-AFC4-6F175D3DCCD1}">
+              <a14:hiddenFill xmlns:a14="http://schemas.microsoft.com/office/drawing/2010/main">
                 <a:solidFill>
                   <a:srgbClr val="FFFFFF"/>
                 </a:solidFill>
@@ -14687,15 +14687,15 @@
             <a:noFill/>
           </a:ln>
           <a:extLst>
-            <a:ext uri="{909E8E84-426E-40dd-AFC4-6F175D3DCCD1}">
-              <a14:hiddenFill xmlns:a14="http://schemas.microsoft.com/office/drawing/2010/main" xmlns="">
+            <a:ext uri="{909E8E84-426E-40DD-AFC4-6F175D3DCCD1}">
+              <a14:hiddenFill xmlns:a14="http://schemas.microsoft.com/office/drawing/2010/main">
                 <a:solidFill>
                   <a:srgbClr val="FFFFFF"/>
                 </a:solidFill>
               </a14:hiddenFill>
             </a:ext>
-            <a:ext uri="{91240B29-F687-4f45-9708-019B960494DF}">
-              <a14:hiddenLine xmlns:a14="http://schemas.microsoft.com/office/drawing/2010/main" xmlns="" w="9525">
+            <a:ext uri="{91240B29-F687-4F45-9708-019B960494DF}">
+              <a14:hiddenLine xmlns:a14="http://schemas.microsoft.com/office/drawing/2010/main" w="9525">
                 <a:solidFill>
                   <a:srgbClr val="000000"/>
                 </a:solidFill>
@@ -14832,8 +14832,8 @@
             <a:tailEnd/>
           </a:ln>
           <a:extLst>
-            <a:ext uri="{909E8E84-426E-40dd-AFC4-6F175D3DCCD1}">
-              <a14:hiddenFill xmlns:a14="http://schemas.microsoft.com/office/drawing/2010/main" xmlns="">
+            <a:ext uri="{909E8E84-426E-40DD-AFC4-6F175D3DCCD1}">
+              <a14:hiddenFill xmlns:a14="http://schemas.microsoft.com/office/drawing/2010/main">
                 <a:solidFill>
                   <a:srgbClr val="FFFFFF"/>
                 </a:solidFill>
@@ -14877,8 +14877,8 @@
             <a:tailEnd/>
           </a:ln>
           <a:extLst>
-            <a:ext uri="{909E8E84-426E-40dd-AFC4-6F175D3DCCD1}">
-              <a14:hiddenFill xmlns:a14="http://schemas.microsoft.com/office/drawing/2010/main" xmlns="">
+            <a:ext uri="{909E8E84-426E-40DD-AFC4-6F175D3DCCD1}">
+              <a14:hiddenFill xmlns:a14="http://schemas.microsoft.com/office/drawing/2010/main">
                 <a:noFill/>
               </a14:hiddenFill>
             </a:ext>
@@ -14920,8 +14920,8 @@
             <a:tailEnd/>
           </a:ln>
           <a:extLst>
-            <a:ext uri="{909E8E84-426E-40dd-AFC4-6F175D3DCCD1}">
-              <a14:hiddenFill xmlns:a14="http://schemas.microsoft.com/office/drawing/2010/main" xmlns="">
+            <a:ext uri="{909E8E84-426E-40DD-AFC4-6F175D3DCCD1}">
+              <a14:hiddenFill xmlns:a14="http://schemas.microsoft.com/office/drawing/2010/main">
                 <a:noFill/>
               </a14:hiddenFill>
             </a:ext>
@@ -14963,8 +14963,8 @@
             <a:tailEnd/>
           </a:ln>
           <a:extLst>
-            <a:ext uri="{909E8E84-426E-40dd-AFC4-6F175D3DCCD1}">
-              <a14:hiddenFill xmlns:a14="http://schemas.microsoft.com/office/drawing/2010/main" xmlns="">
+            <a:ext uri="{909E8E84-426E-40DD-AFC4-6F175D3DCCD1}">
+              <a14:hiddenFill xmlns:a14="http://schemas.microsoft.com/office/drawing/2010/main">
                 <a:solidFill>
                   <a:srgbClr val="FFFFFF"/>
                 </a:solidFill>
@@ -15008,8 +15008,8 @@
             <a:tailEnd type="triangle" w="med" len="med"/>
           </a:ln>
           <a:extLst>
-            <a:ext uri="{909E8E84-426E-40dd-AFC4-6F175D3DCCD1}">
-              <a14:hiddenFill xmlns:a14="http://schemas.microsoft.com/office/drawing/2010/main" xmlns="">
+            <a:ext uri="{909E8E84-426E-40DD-AFC4-6F175D3DCCD1}">
+              <a14:hiddenFill xmlns:a14="http://schemas.microsoft.com/office/drawing/2010/main">
                 <a:noFill/>
               </a14:hiddenFill>
             </a:ext>
@@ -15051,8 +15051,8 @@
             <a:tailEnd type="triangle" w="med" len="med"/>
           </a:ln>
           <a:extLst>
-            <a:ext uri="{909E8E84-426E-40dd-AFC4-6F175D3DCCD1}">
-              <a14:hiddenFill xmlns:a14="http://schemas.microsoft.com/office/drawing/2010/main" xmlns="">
+            <a:ext uri="{909E8E84-426E-40DD-AFC4-6F175D3DCCD1}">
+              <a14:hiddenFill xmlns:a14="http://schemas.microsoft.com/office/drawing/2010/main">
                 <a:noFill/>
               </a14:hiddenFill>
             </a:ext>
@@ -15082,15 +15082,15 @@
           <a:noFill/>
           <a:ln/>
           <a:extLst>
-            <a:ext uri="{909E8E84-426E-40dd-AFC4-6F175D3DCCD1}">
-              <a14:hiddenFill xmlns:a14="http://schemas.microsoft.com/office/drawing/2010/main" xmlns="">
+            <a:ext uri="{909E8E84-426E-40DD-AFC4-6F175D3DCCD1}">
+              <a14:hiddenFill xmlns:a14="http://schemas.microsoft.com/office/drawing/2010/main">
                 <a:solidFill>
                   <a:srgbClr val="FFFFFF"/>
                 </a:solidFill>
               </a14:hiddenFill>
             </a:ext>
-            <a:ext uri="{91240B29-F687-4f45-9708-019B960494DF}">
-              <a14:hiddenLine xmlns:a14="http://schemas.microsoft.com/office/drawing/2010/main" xmlns="" w="9525">
+            <a:ext uri="{91240B29-F687-4F45-9708-019B960494DF}">
+              <a14:hiddenLine xmlns:a14="http://schemas.microsoft.com/office/drawing/2010/main" w="9525">
                 <a:solidFill>
                   <a:srgbClr val="000000"/>
                 </a:solidFill>
@@ -15197,7 +15197,7 @@
                 <a:latin typeface="Garamond" charset="0"/>
                 <a:cs typeface="Arial" charset="0"/>
               </a:rPr>
-              <a:t>10/15/18</a:t>
+              <a:t>10/17/2018</a:t>
             </a:fld>
             <a:endParaRPr lang="en-US" sz="1200">
               <a:latin typeface="Garamond" charset="0"/>
@@ -15283,15 +15283,15 @@
           <a:noFill/>
           <a:ln/>
           <a:extLst>
-            <a:ext uri="{909E8E84-426E-40dd-AFC4-6F175D3DCCD1}">
-              <a14:hiddenFill xmlns:a14="http://schemas.microsoft.com/office/drawing/2010/main" xmlns="">
+            <a:ext uri="{909E8E84-426E-40DD-AFC4-6F175D3DCCD1}">
+              <a14:hiddenFill xmlns:a14="http://schemas.microsoft.com/office/drawing/2010/main">
                 <a:solidFill>
                   <a:srgbClr val="FFFFFF"/>
                 </a:solidFill>
               </a14:hiddenFill>
             </a:ext>
-            <a:ext uri="{91240B29-F687-4f45-9708-019B960494DF}">
-              <a14:hiddenLine xmlns:a14="http://schemas.microsoft.com/office/drawing/2010/main" xmlns="" w="9525">
+            <a:ext uri="{91240B29-F687-4F45-9708-019B960494DF}">
+              <a14:hiddenLine xmlns:a14="http://schemas.microsoft.com/office/drawing/2010/main" w="9525">
                 <a:solidFill>
                   <a:srgbClr val="000000"/>
                 </a:solidFill>
@@ -15458,15 +15458,15 @@
             <a:noFill/>
           </a:ln>
           <a:extLst>
-            <a:ext uri="{909E8E84-426E-40dd-AFC4-6F175D3DCCD1}">
-              <a14:hiddenFill xmlns:a14="http://schemas.microsoft.com/office/drawing/2010/main" xmlns="">
+            <a:ext uri="{909E8E84-426E-40DD-AFC4-6F175D3DCCD1}">
+              <a14:hiddenFill xmlns:a14="http://schemas.microsoft.com/office/drawing/2010/main">
                 <a:solidFill>
                   <a:srgbClr val="FFFFFF"/>
                 </a:solidFill>
               </a14:hiddenFill>
             </a:ext>
-            <a:ext uri="{91240B29-F687-4f45-9708-019B960494DF}">
-              <a14:hiddenLine xmlns:a14="http://schemas.microsoft.com/office/drawing/2010/main" xmlns="" w="9525">
+            <a:ext uri="{91240B29-F687-4F45-9708-019B960494DF}">
+              <a14:hiddenLine xmlns:a14="http://schemas.microsoft.com/office/drawing/2010/main" w="9525">
                 <a:solidFill>
                   <a:srgbClr val="000000"/>
                 </a:solidFill>
@@ -15821,15 +15821,15 @@
             <a:noFill/>
           </a:ln>
           <a:extLst>
-            <a:ext uri="{909E8E84-426E-40dd-AFC4-6F175D3DCCD1}">
-              <a14:hiddenFill xmlns:a14="http://schemas.microsoft.com/office/drawing/2010/main" xmlns="">
+            <a:ext uri="{909E8E84-426E-40DD-AFC4-6F175D3DCCD1}">
+              <a14:hiddenFill xmlns:a14="http://schemas.microsoft.com/office/drawing/2010/main">
                 <a:solidFill>
                   <a:srgbClr val="FFFFFF"/>
                 </a:solidFill>
               </a14:hiddenFill>
             </a:ext>
-            <a:ext uri="{91240B29-F687-4f45-9708-019B960494DF}">
-              <a14:hiddenLine xmlns:a14="http://schemas.microsoft.com/office/drawing/2010/main" xmlns="" w="9525">
+            <a:ext uri="{91240B29-F687-4F45-9708-019B960494DF}">
+              <a14:hiddenLine xmlns:a14="http://schemas.microsoft.com/office/drawing/2010/main" w="9525">
                 <a:solidFill>
                   <a:srgbClr val="000000"/>
                 </a:solidFill>
@@ -15967,8 +15967,8 @@
             <a:tailEnd/>
           </a:ln>
           <a:extLst>
-            <a:ext uri="{909E8E84-426E-40dd-AFC4-6F175D3DCCD1}">
-              <a14:hiddenFill xmlns:a14="http://schemas.microsoft.com/office/drawing/2010/main" xmlns="">
+            <a:ext uri="{909E8E84-426E-40DD-AFC4-6F175D3DCCD1}">
+              <a14:hiddenFill xmlns:a14="http://schemas.microsoft.com/office/drawing/2010/main">
                 <a:solidFill>
                   <a:srgbClr val="FFFFFF"/>
                 </a:solidFill>
@@ -16009,15 +16009,15 @@
             <a:noFill/>
           </a:ln>
           <a:extLst>
-            <a:ext uri="{909E8E84-426E-40dd-AFC4-6F175D3DCCD1}">
-              <a14:hiddenFill xmlns:a14="http://schemas.microsoft.com/office/drawing/2010/main" xmlns="">
+            <a:ext uri="{909E8E84-426E-40DD-AFC4-6F175D3DCCD1}">
+              <a14:hiddenFill xmlns:a14="http://schemas.microsoft.com/office/drawing/2010/main">
                 <a:solidFill>
                   <a:srgbClr val="FFFFFF"/>
                 </a:solidFill>
               </a14:hiddenFill>
             </a:ext>
-            <a:ext uri="{91240B29-F687-4f45-9708-019B960494DF}">
-              <a14:hiddenLine xmlns:a14="http://schemas.microsoft.com/office/drawing/2010/main" xmlns="" w="9525">
+            <a:ext uri="{91240B29-F687-4F45-9708-019B960494DF}">
+              <a14:hiddenLine xmlns:a14="http://schemas.microsoft.com/office/drawing/2010/main" w="9525">
                 <a:solidFill>
                   <a:srgbClr val="000000"/>
                 </a:solidFill>
@@ -16150,15 +16150,15 @@
             <a:noFill/>
           </a:ln>
           <a:extLst>
-            <a:ext uri="{909E8E84-426E-40dd-AFC4-6F175D3DCCD1}">
-              <a14:hiddenFill xmlns:a14="http://schemas.microsoft.com/office/drawing/2010/main" xmlns="">
+            <a:ext uri="{909E8E84-426E-40DD-AFC4-6F175D3DCCD1}">
+              <a14:hiddenFill xmlns:a14="http://schemas.microsoft.com/office/drawing/2010/main">
                 <a:solidFill>
                   <a:srgbClr val="FFFFFF"/>
                 </a:solidFill>
               </a14:hiddenFill>
             </a:ext>
-            <a:ext uri="{91240B29-F687-4f45-9708-019B960494DF}">
-              <a14:hiddenLine xmlns:a14="http://schemas.microsoft.com/office/drawing/2010/main" xmlns="" w="9525">
+            <a:ext uri="{91240B29-F687-4F45-9708-019B960494DF}">
+              <a14:hiddenLine xmlns:a14="http://schemas.microsoft.com/office/drawing/2010/main" w="9525">
                 <a:solidFill>
                   <a:srgbClr val="000000"/>
                 </a:solidFill>
@@ -16291,15 +16291,15 @@
             <a:noFill/>
           </a:ln>
           <a:extLst>
-            <a:ext uri="{909E8E84-426E-40dd-AFC4-6F175D3DCCD1}">
-              <a14:hiddenFill xmlns:a14="http://schemas.microsoft.com/office/drawing/2010/main" xmlns="">
+            <a:ext uri="{909E8E84-426E-40DD-AFC4-6F175D3DCCD1}">
+              <a14:hiddenFill xmlns:a14="http://schemas.microsoft.com/office/drawing/2010/main">
                 <a:solidFill>
                   <a:srgbClr val="FFFFFF"/>
                 </a:solidFill>
               </a14:hiddenFill>
             </a:ext>
-            <a:ext uri="{91240B29-F687-4f45-9708-019B960494DF}">
-              <a14:hiddenLine xmlns:a14="http://schemas.microsoft.com/office/drawing/2010/main" xmlns="" w="9525">
+            <a:ext uri="{91240B29-F687-4F45-9708-019B960494DF}">
+              <a14:hiddenLine xmlns:a14="http://schemas.microsoft.com/office/drawing/2010/main" w="9525">
                 <a:solidFill>
                   <a:srgbClr val="000000"/>
                 </a:solidFill>
@@ -16437,8 +16437,8 @@
             <a:tailEnd/>
           </a:ln>
           <a:extLst>
-            <a:ext uri="{909E8E84-426E-40dd-AFC4-6F175D3DCCD1}">
-              <a14:hiddenFill xmlns:a14="http://schemas.microsoft.com/office/drawing/2010/main" xmlns="">
+            <a:ext uri="{909E8E84-426E-40DD-AFC4-6F175D3DCCD1}">
+              <a14:hiddenFill xmlns:a14="http://schemas.microsoft.com/office/drawing/2010/main">
                 <a:solidFill>
                   <a:srgbClr val="FFFFFF"/>
                 </a:solidFill>
@@ -16484,8 +16484,8 @@
             <a:tailEnd/>
           </a:ln>
           <a:extLst>
-            <a:ext uri="{909E8E84-426E-40dd-AFC4-6F175D3DCCD1}">
-              <a14:hiddenFill xmlns:a14="http://schemas.microsoft.com/office/drawing/2010/main" xmlns="">
+            <a:ext uri="{909E8E84-426E-40DD-AFC4-6F175D3DCCD1}">
+              <a14:hiddenFill xmlns:a14="http://schemas.microsoft.com/office/drawing/2010/main">
                 <a:solidFill>
                   <a:srgbClr val="FFFFFF"/>
                 </a:solidFill>
@@ -16526,15 +16526,15 @@
             <a:noFill/>
           </a:ln>
           <a:extLst>
-            <a:ext uri="{909E8E84-426E-40dd-AFC4-6F175D3DCCD1}">
-              <a14:hiddenFill xmlns:a14="http://schemas.microsoft.com/office/drawing/2010/main" xmlns="">
+            <a:ext uri="{909E8E84-426E-40DD-AFC4-6F175D3DCCD1}">
+              <a14:hiddenFill xmlns:a14="http://schemas.microsoft.com/office/drawing/2010/main">
                 <a:solidFill>
                   <a:srgbClr val="FFFFFF"/>
                 </a:solidFill>
               </a14:hiddenFill>
             </a:ext>
-            <a:ext uri="{91240B29-F687-4f45-9708-019B960494DF}">
-              <a14:hiddenLine xmlns:a14="http://schemas.microsoft.com/office/drawing/2010/main" xmlns="" w="9525">
+            <a:ext uri="{91240B29-F687-4F45-9708-019B960494DF}">
+              <a14:hiddenLine xmlns:a14="http://schemas.microsoft.com/office/drawing/2010/main" w="9525">
                 <a:solidFill>
                   <a:srgbClr val="000000"/>
                 </a:solidFill>
@@ -16672,8 +16672,8 @@
             <a:tailEnd/>
           </a:ln>
           <a:extLst>
-            <a:ext uri="{909E8E84-426E-40dd-AFC4-6F175D3DCCD1}">
-              <a14:hiddenFill xmlns:a14="http://schemas.microsoft.com/office/drawing/2010/main" xmlns="">
+            <a:ext uri="{909E8E84-426E-40DD-AFC4-6F175D3DCCD1}">
+              <a14:hiddenFill xmlns:a14="http://schemas.microsoft.com/office/drawing/2010/main">
                 <a:solidFill>
                   <a:srgbClr val="FFFFFF"/>
                 </a:solidFill>
@@ -16714,15 +16714,15 @@
             <a:noFill/>
           </a:ln>
           <a:extLst>
-            <a:ext uri="{909E8E84-426E-40dd-AFC4-6F175D3DCCD1}">
-              <a14:hiddenFill xmlns:a14="http://schemas.microsoft.com/office/drawing/2010/main" xmlns="">
+            <a:ext uri="{909E8E84-426E-40DD-AFC4-6F175D3DCCD1}">
+              <a14:hiddenFill xmlns:a14="http://schemas.microsoft.com/office/drawing/2010/main">
                 <a:solidFill>
                   <a:srgbClr val="FFFFFF"/>
                 </a:solidFill>
               </a14:hiddenFill>
             </a:ext>
-            <a:ext uri="{91240B29-F687-4f45-9708-019B960494DF}">
-              <a14:hiddenLine xmlns:a14="http://schemas.microsoft.com/office/drawing/2010/main" xmlns="" w="9525">
+            <a:ext uri="{91240B29-F687-4F45-9708-019B960494DF}">
+              <a14:hiddenLine xmlns:a14="http://schemas.microsoft.com/office/drawing/2010/main" w="9525">
                 <a:solidFill>
                   <a:srgbClr val="000000"/>
                 </a:solidFill>
@@ -16855,15 +16855,15 @@
             <a:noFill/>
           </a:ln>
           <a:extLst>
-            <a:ext uri="{909E8E84-426E-40dd-AFC4-6F175D3DCCD1}">
-              <a14:hiddenFill xmlns:a14="http://schemas.microsoft.com/office/drawing/2010/main" xmlns="">
+            <a:ext uri="{909E8E84-426E-40DD-AFC4-6F175D3DCCD1}">
+              <a14:hiddenFill xmlns:a14="http://schemas.microsoft.com/office/drawing/2010/main">
                 <a:solidFill>
                   <a:srgbClr val="FFFFFF"/>
                 </a:solidFill>
               </a14:hiddenFill>
             </a:ext>
-            <a:ext uri="{91240B29-F687-4f45-9708-019B960494DF}">
-              <a14:hiddenLine xmlns:a14="http://schemas.microsoft.com/office/drawing/2010/main" xmlns="" w="9525">
+            <a:ext uri="{91240B29-F687-4F45-9708-019B960494DF}">
+              <a14:hiddenLine xmlns:a14="http://schemas.microsoft.com/office/drawing/2010/main" w="9525">
                 <a:solidFill>
                   <a:srgbClr val="000000"/>
                 </a:solidFill>
@@ -17001,8 +17001,8 @@
             <a:tailEnd/>
           </a:ln>
           <a:extLst>
-            <a:ext uri="{909E8E84-426E-40dd-AFC4-6F175D3DCCD1}">
-              <a14:hiddenFill xmlns:a14="http://schemas.microsoft.com/office/drawing/2010/main" xmlns="">
+            <a:ext uri="{909E8E84-426E-40DD-AFC4-6F175D3DCCD1}">
+              <a14:hiddenFill xmlns:a14="http://schemas.microsoft.com/office/drawing/2010/main">
                 <a:solidFill>
                   <a:srgbClr val="FFFFFF"/>
                 </a:solidFill>
@@ -17048,8 +17048,8 @@
             <a:tailEnd/>
           </a:ln>
           <a:extLst>
-            <a:ext uri="{909E8E84-426E-40dd-AFC4-6F175D3DCCD1}">
-              <a14:hiddenFill xmlns:a14="http://schemas.microsoft.com/office/drawing/2010/main" xmlns="">
+            <a:ext uri="{909E8E84-426E-40DD-AFC4-6F175D3DCCD1}">
+              <a14:hiddenFill xmlns:a14="http://schemas.microsoft.com/office/drawing/2010/main">
                 <a:solidFill>
                   <a:srgbClr val="FFFFFF"/>
                 </a:solidFill>
@@ -17095,8 +17095,8 @@
             <a:tailEnd/>
           </a:ln>
           <a:extLst>
-            <a:ext uri="{909E8E84-426E-40dd-AFC4-6F175D3DCCD1}">
-              <a14:hiddenFill xmlns:a14="http://schemas.microsoft.com/office/drawing/2010/main" xmlns="">
+            <a:ext uri="{909E8E84-426E-40DD-AFC4-6F175D3DCCD1}">
+              <a14:hiddenFill xmlns:a14="http://schemas.microsoft.com/office/drawing/2010/main">
                 <a:solidFill>
                   <a:srgbClr val="FFFFFF"/>
                 </a:solidFill>
@@ -17137,15 +17137,15 @@
             <a:noFill/>
           </a:ln>
           <a:extLst>
-            <a:ext uri="{909E8E84-426E-40dd-AFC4-6F175D3DCCD1}">
-              <a14:hiddenFill xmlns:a14="http://schemas.microsoft.com/office/drawing/2010/main" xmlns="">
+            <a:ext uri="{909E8E84-426E-40DD-AFC4-6F175D3DCCD1}">
+              <a14:hiddenFill xmlns:a14="http://schemas.microsoft.com/office/drawing/2010/main">
                 <a:solidFill>
                   <a:srgbClr val="FFFFFF"/>
                 </a:solidFill>
               </a14:hiddenFill>
             </a:ext>
-            <a:ext uri="{91240B29-F687-4f45-9708-019B960494DF}">
-              <a14:hiddenLine xmlns:a14="http://schemas.microsoft.com/office/drawing/2010/main" xmlns="" w="9525">
+            <a:ext uri="{91240B29-F687-4F45-9708-019B960494DF}">
+              <a14:hiddenLine xmlns:a14="http://schemas.microsoft.com/office/drawing/2010/main" w="9525">
                 <a:solidFill>
                   <a:srgbClr val="000000"/>
                 </a:solidFill>
@@ -17277,15 +17277,15 @@
             <a:noFill/>
           </a:ln>
           <a:extLst>
-            <a:ext uri="{909E8E84-426E-40dd-AFC4-6F175D3DCCD1}">
-              <a14:hiddenFill xmlns:a14="http://schemas.microsoft.com/office/drawing/2010/main" xmlns="">
+            <a:ext uri="{909E8E84-426E-40DD-AFC4-6F175D3DCCD1}">
+              <a14:hiddenFill xmlns:a14="http://schemas.microsoft.com/office/drawing/2010/main">
                 <a:solidFill>
                   <a:srgbClr val="FFFFFF"/>
                 </a:solidFill>
               </a14:hiddenFill>
             </a:ext>
-            <a:ext uri="{91240B29-F687-4f45-9708-019B960494DF}">
-              <a14:hiddenLine xmlns:a14="http://schemas.microsoft.com/office/drawing/2010/main" xmlns="" w="9525">
+            <a:ext uri="{91240B29-F687-4F45-9708-019B960494DF}">
+              <a14:hiddenLine xmlns:a14="http://schemas.microsoft.com/office/drawing/2010/main" w="9525">
                 <a:solidFill>
                   <a:srgbClr val="000000"/>
                 </a:solidFill>
@@ -17417,15 +17417,15 @@
             <a:noFill/>
           </a:ln>
           <a:extLst>
-            <a:ext uri="{909E8E84-426E-40dd-AFC4-6F175D3DCCD1}">
-              <a14:hiddenFill xmlns:a14="http://schemas.microsoft.com/office/drawing/2010/main" xmlns="">
+            <a:ext uri="{909E8E84-426E-40DD-AFC4-6F175D3DCCD1}">
+              <a14:hiddenFill xmlns:a14="http://schemas.microsoft.com/office/drawing/2010/main">
                 <a:solidFill>
                   <a:srgbClr val="FFFFFF"/>
                 </a:solidFill>
               </a14:hiddenFill>
             </a:ext>
-            <a:ext uri="{91240B29-F687-4f45-9708-019B960494DF}">
-              <a14:hiddenLine xmlns:a14="http://schemas.microsoft.com/office/drawing/2010/main" xmlns="" w="9525">
+            <a:ext uri="{91240B29-F687-4F45-9708-019B960494DF}">
+              <a14:hiddenLine xmlns:a14="http://schemas.microsoft.com/office/drawing/2010/main" w="9525">
                 <a:solidFill>
                   <a:srgbClr val="000000"/>
                 </a:solidFill>
@@ -17557,15 +17557,15 @@
             <a:noFill/>
           </a:ln>
           <a:extLst>
-            <a:ext uri="{909E8E84-426E-40dd-AFC4-6F175D3DCCD1}">
-              <a14:hiddenFill xmlns:a14="http://schemas.microsoft.com/office/drawing/2010/main" xmlns="">
+            <a:ext uri="{909E8E84-426E-40DD-AFC4-6F175D3DCCD1}">
+              <a14:hiddenFill xmlns:a14="http://schemas.microsoft.com/office/drawing/2010/main">
                 <a:solidFill>
                   <a:srgbClr val="FFFFFF"/>
                 </a:solidFill>
               </a14:hiddenFill>
             </a:ext>
-            <a:ext uri="{91240B29-F687-4f45-9708-019B960494DF}">
-              <a14:hiddenLine xmlns:a14="http://schemas.microsoft.com/office/drawing/2010/main" xmlns="" w="9525">
+            <a:ext uri="{91240B29-F687-4F45-9708-019B960494DF}">
+              <a14:hiddenLine xmlns:a14="http://schemas.microsoft.com/office/drawing/2010/main" w="9525">
                 <a:solidFill>
                   <a:srgbClr val="000000"/>
                 </a:solidFill>
@@ -17697,15 +17697,15 @@
             <a:noFill/>
           </a:ln>
           <a:extLst>
-            <a:ext uri="{909E8E84-426E-40dd-AFC4-6F175D3DCCD1}">
-              <a14:hiddenFill xmlns:a14="http://schemas.microsoft.com/office/drawing/2010/main" xmlns="">
+            <a:ext uri="{909E8E84-426E-40DD-AFC4-6F175D3DCCD1}">
+              <a14:hiddenFill xmlns:a14="http://schemas.microsoft.com/office/drawing/2010/main">
                 <a:solidFill>
                   <a:srgbClr val="FFFFFF"/>
                 </a:solidFill>
               </a14:hiddenFill>
             </a:ext>
-            <a:ext uri="{91240B29-F687-4f45-9708-019B960494DF}">
-              <a14:hiddenLine xmlns:a14="http://schemas.microsoft.com/office/drawing/2010/main" xmlns="" w="9525">
+            <a:ext uri="{91240B29-F687-4F45-9708-019B960494DF}">
+              <a14:hiddenLine xmlns:a14="http://schemas.microsoft.com/office/drawing/2010/main" w="9525">
                 <a:solidFill>
                   <a:srgbClr val="000000"/>
                 </a:solidFill>
@@ -17837,15 +17837,15 @@
             <a:noFill/>
           </a:ln>
           <a:extLst>
-            <a:ext uri="{909E8E84-426E-40dd-AFC4-6F175D3DCCD1}">
-              <a14:hiddenFill xmlns:a14="http://schemas.microsoft.com/office/drawing/2010/main" xmlns="">
+            <a:ext uri="{909E8E84-426E-40DD-AFC4-6F175D3DCCD1}">
+              <a14:hiddenFill xmlns:a14="http://schemas.microsoft.com/office/drawing/2010/main">
                 <a:solidFill>
                   <a:srgbClr val="FFFFFF"/>
                 </a:solidFill>
               </a14:hiddenFill>
             </a:ext>
-            <a:ext uri="{91240B29-F687-4f45-9708-019B960494DF}">
-              <a14:hiddenLine xmlns:a14="http://schemas.microsoft.com/office/drawing/2010/main" xmlns="" w="9525">
+            <a:ext uri="{91240B29-F687-4F45-9708-019B960494DF}">
+              <a14:hiddenLine xmlns:a14="http://schemas.microsoft.com/office/drawing/2010/main" w="9525">
                 <a:solidFill>
                   <a:srgbClr val="000000"/>
                 </a:solidFill>
@@ -17977,15 +17977,15 @@
             <a:noFill/>
           </a:ln>
           <a:extLst>
-            <a:ext uri="{909E8E84-426E-40dd-AFC4-6F175D3DCCD1}">
-              <a14:hiddenFill xmlns:a14="http://schemas.microsoft.com/office/drawing/2010/main" xmlns="">
+            <a:ext uri="{909E8E84-426E-40DD-AFC4-6F175D3DCCD1}">
+              <a14:hiddenFill xmlns:a14="http://schemas.microsoft.com/office/drawing/2010/main">
                 <a:solidFill>
                   <a:srgbClr val="FFFFFF"/>
                 </a:solidFill>
               </a14:hiddenFill>
             </a:ext>
-            <a:ext uri="{91240B29-F687-4f45-9708-019B960494DF}">
-              <a14:hiddenLine xmlns:a14="http://schemas.microsoft.com/office/drawing/2010/main" xmlns="" w="9525">
+            <a:ext uri="{91240B29-F687-4F45-9708-019B960494DF}">
+              <a14:hiddenLine xmlns:a14="http://schemas.microsoft.com/office/drawing/2010/main" w="9525">
                 <a:solidFill>
                   <a:srgbClr val="000000"/>
                 </a:solidFill>
@@ -18117,15 +18117,15 @@
             <a:noFill/>
           </a:ln>
           <a:extLst>
-            <a:ext uri="{909E8E84-426E-40dd-AFC4-6F175D3DCCD1}">
-              <a14:hiddenFill xmlns:a14="http://schemas.microsoft.com/office/drawing/2010/main" xmlns="">
+            <a:ext uri="{909E8E84-426E-40DD-AFC4-6F175D3DCCD1}">
+              <a14:hiddenFill xmlns:a14="http://schemas.microsoft.com/office/drawing/2010/main">
                 <a:solidFill>
                   <a:srgbClr val="FFFFFF"/>
                 </a:solidFill>
               </a14:hiddenFill>
             </a:ext>
-            <a:ext uri="{91240B29-F687-4f45-9708-019B960494DF}">
-              <a14:hiddenLine xmlns:a14="http://schemas.microsoft.com/office/drawing/2010/main" xmlns="" w="9525">
+            <a:ext uri="{91240B29-F687-4F45-9708-019B960494DF}">
+              <a14:hiddenLine xmlns:a14="http://schemas.microsoft.com/office/drawing/2010/main" w="9525">
                 <a:solidFill>
                   <a:srgbClr val="000000"/>
                 </a:solidFill>
@@ -18263,8 +18263,8 @@
             <a:tailEnd/>
           </a:ln>
           <a:extLst>
-            <a:ext uri="{909E8E84-426E-40dd-AFC4-6F175D3DCCD1}">
-              <a14:hiddenFill xmlns:a14="http://schemas.microsoft.com/office/drawing/2010/main" xmlns="">
+            <a:ext uri="{909E8E84-426E-40DD-AFC4-6F175D3DCCD1}">
+              <a14:hiddenFill xmlns:a14="http://schemas.microsoft.com/office/drawing/2010/main">
                 <a:solidFill>
                   <a:srgbClr val="FFFFFF"/>
                 </a:solidFill>
@@ -18305,15 +18305,15 @@
             <a:noFill/>
           </a:ln>
           <a:extLst>
-            <a:ext uri="{909E8E84-426E-40dd-AFC4-6F175D3DCCD1}">
-              <a14:hiddenFill xmlns:a14="http://schemas.microsoft.com/office/drawing/2010/main" xmlns="">
+            <a:ext uri="{909E8E84-426E-40DD-AFC4-6F175D3DCCD1}">
+              <a14:hiddenFill xmlns:a14="http://schemas.microsoft.com/office/drawing/2010/main">
                 <a:solidFill>
                   <a:srgbClr val="FFFFFF"/>
                 </a:solidFill>
               </a14:hiddenFill>
             </a:ext>
-            <a:ext uri="{91240B29-F687-4f45-9708-019B960494DF}">
-              <a14:hiddenLine xmlns:a14="http://schemas.microsoft.com/office/drawing/2010/main" xmlns="" w="9525">
+            <a:ext uri="{91240B29-F687-4F45-9708-019B960494DF}">
+              <a14:hiddenLine xmlns:a14="http://schemas.microsoft.com/office/drawing/2010/main" w="9525">
                 <a:solidFill>
                   <a:srgbClr val="000000"/>
                 </a:solidFill>
@@ -18450,8 +18450,8 @@
             <a:tailEnd type="triangle" w="med" len="med"/>
           </a:ln>
           <a:extLst>
-            <a:ext uri="{909E8E84-426E-40dd-AFC4-6F175D3DCCD1}">
-              <a14:hiddenFill xmlns:a14="http://schemas.microsoft.com/office/drawing/2010/main" xmlns="">
+            <a:ext uri="{909E8E84-426E-40DD-AFC4-6F175D3DCCD1}">
+              <a14:hiddenFill xmlns:a14="http://schemas.microsoft.com/office/drawing/2010/main">
                 <a:noFill/>
               </a14:hiddenFill>
             </a:ext>
@@ -18488,15 +18488,15 @@
             <a:noFill/>
           </a:ln>
           <a:extLst>
-            <a:ext uri="{909E8E84-426E-40dd-AFC4-6F175D3DCCD1}">
-              <a14:hiddenFill xmlns:a14="http://schemas.microsoft.com/office/drawing/2010/main" xmlns="">
+            <a:ext uri="{909E8E84-426E-40DD-AFC4-6F175D3DCCD1}">
+              <a14:hiddenFill xmlns:a14="http://schemas.microsoft.com/office/drawing/2010/main">
                 <a:solidFill>
                   <a:srgbClr val="FFFFFF"/>
                 </a:solidFill>
               </a14:hiddenFill>
             </a:ext>
-            <a:ext uri="{91240B29-F687-4f45-9708-019B960494DF}">
-              <a14:hiddenLine xmlns:a14="http://schemas.microsoft.com/office/drawing/2010/main" xmlns="" w="9525">
+            <a:ext uri="{91240B29-F687-4F45-9708-019B960494DF}">
+              <a14:hiddenLine xmlns:a14="http://schemas.microsoft.com/office/drawing/2010/main" w="9525">
                 <a:solidFill>
                   <a:srgbClr val="000000"/>
                 </a:solidFill>
@@ -18634,8 +18634,8 @@
             <a:tailEnd/>
           </a:ln>
           <a:extLst>
-            <a:ext uri="{909E8E84-426E-40dd-AFC4-6F175D3DCCD1}">
-              <a14:hiddenFill xmlns:a14="http://schemas.microsoft.com/office/drawing/2010/main" xmlns="">
+            <a:ext uri="{909E8E84-426E-40DD-AFC4-6F175D3DCCD1}">
+              <a14:hiddenFill xmlns:a14="http://schemas.microsoft.com/office/drawing/2010/main">
                 <a:solidFill>
                   <a:srgbClr val="FFFFFF"/>
                 </a:solidFill>
@@ -18676,15 +18676,15 @@
             <a:noFill/>
           </a:ln>
           <a:extLst>
-            <a:ext uri="{909E8E84-426E-40dd-AFC4-6F175D3DCCD1}">
-              <a14:hiddenFill xmlns:a14="http://schemas.microsoft.com/office/drawing/2010/main" xmlns="">
+            <a:ext uri="{909E8E84-426E-40DD-AFC4-6F175D3DCCD1}">
+              <a14:hiddenFill xmlns:a14="http://schemas.microsoft.com/office/drawing/2010/main">
                 <a:solidFill>
                   <a:srgbClr val="FFFFFF"/>
                 </a:solidFill>
               </a14:hiddenFill>
             </a:ext>
-            <a:ext uri="{91240B29-F687-4f45-9708-019B960494DF}">
-              <a14:hiddenLine xmlns:a14="http://schemas.microsoft.com/office/drawing/2010/main" xmlns="" w="9525">
+            <a:ext uri="{91240B29-F687-4F45-9708-019B960494DF}">
+              <a14:hiddenLine xmlns:a14="http://schemas.microsoft.com/office/drawing/2010/main" w="9525">
                 <a:solidFill>
                   <a:srgbClr val="000000"/>
                 </a:solidFill>
@@ -18809,15 +18809,15 @@
           <a:noFill/>
           <a:ln/>
           <a:extLst>
-            <a:ext uri="{909E8E84-426E-40dd-AFC4-6F175D3DCCD1}">
-              <a14:hiddenFill xmlns:a14="http://schemas.microsoft.com/office/drawing/2010/main" xmlns="">
+            <a:ext uri="{909E8E84-426E-40DD-AFC4-6F175D3DCCD1}">
+              <a14:hiddenFill xmlns:a14="http://schemas.microsoft.com/office/drawing/2010/main">
                 <a:solidFill>
                   <a:srgbClr val="FFFFFF"/>
                 </a:solidFill>
               </a14:hiddenFill>
             </a:ext>
-            <a:ext uri="{91240B29-F687-4f45-9708-019B960494DF}">
-              <a14:hiddenLine xmlns:a14="http://schemas.microsoft.com/office/drawing/2010/main" xmlns="" w="9525">
+            <a:ext uri="{91240B29-F687-4F45-9708-019B960494DF}">
+              <a14:hiddenLine xmlns:a14="http://schemas.microsoft.com/office/drawing/2010/main" w="9525">
                 <a:solidFill>
                   <a:srgbClr val="000000"/>
                 </a:solidFill>
@@ -18924,7 +18924,7 @@
                 <a:latin typeface="Garamond" charset="0"/>
                 <a:cs typeface="Arial" charset="0"/>
               </a:rPr>
-              <a:t>10/15/18</a:t>
+              <a:t>10/17/2018</a:t>
             </a:fld>
             <a:endParaRPr lang="en-US" sz="1200">
               <a:latin typeface="Garamond" charset="0"/>
@@ -19010,15 +19010,15 @@
           <a:noFill/>
           <a:ln/>
           <a:extLst>
-            <a:ext uri="{909E8E84-426E-40dd-AFC4-6F175D3DCCD1}">
-              <a14:hiddenFill xmlns:a14="http://schemas.microsoft.com/office/drawing/2010/main" xmlns="">
+            <a:ext uri="{909E8E84-426E-40DD-AFC4-6F175D3DCCD1}">
+              <a14:hiddenFill xmlns:a14="http://schemas.microsoft.com/office/drawing/2010/main">
                 <a:solidFill>
                   <a:srgbClr val="FFFFFF"/>
                 </a:solidFill>
               </a14:hiddenFill>
             </a:ext>
-            <a:ext uri="{91240B29-F687-4f45-9708-019B960494DF}">
-              <a14:hiddenLine xmlns:a14="http://schemas.microsoft.com/office/drawing/2010/main" xmlns="" w="9525">
+            <a:ext uri="{91240B29-F687-4F45-9708-019B960494DF}">
+              <a14:hiddenLine xmlns:a14="http://schemas.microsoft.com/office/drawing/2010/main" w="9525">
                 <a:solidFill>
                   <a:srgbClr val="000000"/>
                 </a:solidFill>
@@ -19185,15 +19185,15 @@
             <a:noFill/>
           </a:ln>
           <a:extLst>
-            <a:ext uri="{909E8E84-426E-40dd-AFC4-6F175D3DCCD1}">
-              <a14:hiddenFill xmlns:a14="http://schemas.microsoft.com/office/drawing/2010/main" xmlns="">
+            <a:ext uri="{909E8E84-426E-40DD-AFC4-6F175D3DCCD1}">
+              <a14:hiddenFill xmlns:a14="http://schemas.microsoft.com/office/drawing/2010/main">
                 <a:solidFill>
                   <a:srgbClr val="FFFFFF"/>
                 </a:solidFill>
               </a14:hiddenFill>
             </a:ext>
-            <a:ext uri="{91240B29-F687-4f45-9708-019B960494DF}">
-              <a14:hiddenLine xmlns:a14="http://schemas.microsoft.com/office/drawing/2010/main" xmlns="" w="9525">
+            <a:ext uri="{91240B29-F687-4F45-9708-019B960494DF}">
+              <a14:hiddenLine xmlns:a14="http://schemas.microsoft.com/office/drawing/2010/main" w="9525">
                 <a:solidFill>
                   <a:srgbClr val="000000"/>
                 </a:solidFill>
@@ -19548,15 +19548,15 @@
             <a:noFill/>
           </a:ln>
           <a:extLst>
-            <a:ext uri="{909E8E84-426E-40dd-AFC4-6F175D3DCCD1}">
-              <a14:hiddenFill xmlns:a14="http://schemas.microsoft.com/office/drawing/2010/main" xmlns="">
+            <a:ext uri="{909E8E84-426E-40DD-AFC4-6F175D3DCCD1}">
+              <a14:hiddenFill xmlns:a14="http://schemas.microsoft.com/office/drawing/2010/main">
                 <a:solidFill>
                   <a:srgbClr val="FFFFFF"/>
                 </a:solidFill>
               </a14:hiddenFill>
             </a:ext>
-            <a:ext uri="{91240B29-F687-4f45-9708-019B960494DF}">
-              <a14:hiddenLine xmlns:a14="http://schemas.microsoft.com/office/drawing/2010/main" xmlns="" w="9525">
+            <a:ext uri="{91240B29-F687-4F45-9708-019B960494DF}">
+              <a14:hiddenLine xmlns:a14="http://schemas.microsoft.com/office/drawing/2010/main" w="9525">
                 <a:solidFill>
                   <a:srgbClr val="000000"/>
                 </a:solidFill>
@@ -19694,8 +19694,8 @@
             <a:tailEnd/>
           </a:ln>
           <a:extLst>
-            <a:ext uri="{909E8E84-426E-40dd-AFC4-6F175D3DCCD1}">
-              <a14:hiddenFill xmlns:a14="http://schemas.microsoft.com/office/drawing/2010/main" xmlns="">
+            <a:ext uri="{909E8E84-426E-40DD-AFC4-6F175D3DCCD1}">
+              <a14:hiddenFill xmlns:a14="http://schemas.microsoft.com/office/drawing/2010/main">
                 <a:solidFill>
                   <a:srgbClr val="FFFFFF"/>
                 </a:solidFill>
@@ -19736,15 +19736,15 @@
             <a:noFill/>
           </a:ln>
           <a:extLst>
-            <a:ext uri="{909E8E84-426E-40dd-AFC4-6F175D3DCCD1}">
-              <a14:hiddenFill xmlns:a14="http://schemas.microsoft.com/office/drawing/2010/main" xmlns="">
+            <a:ext uri="{909E8E84-426E-40DD-AFC4-6F175D3DCCD1}">
+              <a14:hiddenFill xmlns:a14="http://schemas.microsoft.com/office/drawing/2010/main">
                 <a:solidFill>
                   <a:srgbClr val="FFFFFF"/>
                 </a:solidFill>
               </a14:hiddenFill>
             </a:ext>
-            <a:ext uri="{91240B29-F687-4f45-9708-019B960494DF}">
-              <a14:hiddenLine xmlns:a14="http://schemas.microsoft.com/office/drawing/2010/main" xmlns="" w="9525">
+            <a:ext uri="{91240B29-F687-4F45-9708-019B960494DF}">
+              <a14:hiddenLine xmlns:a14="http://schemas.microsoft.com/office/drawing/2010/main" w="9525">
                 <a:solidFill>
                   <a:srgbClr val="000000"/>
                 </a:solidFill>
@@ -19877,15 +19877,15 @@
             <a:noFill/>
           </a:ln>
           <a:extLst>
-            <a:ext uri="{909E8E84-426E-40dd-AFC4-6F175D3DCCD1}">
-              <a14:hiddenFill xmlns:a14="http://schemas.microsoft.com/office/drawing/2010/main" xmlns="">
+            <a:ext uri="{909E8E84-426E-40DD-AFC4-6F175D3DCCD1}">
+              <a14:hiddenFill xmlns:a14="http://schemas.microsoft.com/office/drawing/2010/main">
                 <a:solidFill>
                   <a:srgbClr val="FFFFFF"/>
                 </a:solidFill>
               </a14:hiddenFill>
             </a:ext>
-            <a:ext uri="{91240B29-F687-4f45-9708-019B960494DF}">
-              <a14:hiddenLine xmlns:a14="http://schemas.microsoft.com/office/drawing/2010/main" xmlns="" w="9525">
+            <a:ext uri="{91240B29-F687-4F45-9708-019B960494DF}">
+              <a14:hiddenLine xmlns:a14="http://schemas.microsoft.com/office/drawing/2010/main" w="9525">
                 <a:solidFill>
                   <a:srgbClr val="000000"/>
                 </a:solidFill>
@@ -20018,15 +20018,15 @@
             <a:noFill/>
           </a:ln>
           <a:extLst>
-            <a:ext uri="{909E8E84-426E-40dd-AFC4-6F175D3DCCD1}">
-              <a14:hiddenFill xmlns:a14="http://schemas.microsoft.com/office/drawing/2010/main" xmlns="">
+            <a:ext uri="{909E8E84-426E-40DD-AFC4-6F175D3DCCD1}">
+              <a14:hiddenFill xmlns:a14="http://schemas.microsoft.com/office/drawing/2010/main">
                 <a:solidFill>
                   <a:srgbClr val="FFFFFF"/>
                 </a:solidFill>
               </a14:hiddenFill>
             </a:ext>
-            <a:ext uri="{91240B29-F687-4f45-9708-019B960494DF}">
-              <a14:hiddenLine xmlns:a14="http://schemas.microsoft.com/office/drawing/2010/main" xmlns="" w="9525">
+            <a:ext uri="{91240B29-F687-4F45-9708-019B960494DF}">
+              <a14:hiddenLine xmlns:a14="http://schemas.microsoft.com/office/drawing/2010/main" w="9525">
                 <a:solidFill>
                   <a:srgbClr val="000000"/>
                 </a:solidFill>
@@ -20164,8 +20164,8 @@
             <a:tailEnd/>
           </a:ln>
           <a:extLst>
-            <a:ext uri="{909E8E84-426E-40dd-AFC4-6F175D3DCCD1}">
-              <a14:hiddenFill xmlns:a14="http://schemas.microsoft.com/office/drawing/2010/main" xmlns="">
+            <a:ext uri="{909E8E84-426E-40DD-AFC4-6F175D3DCCD1}">
+              <a14:hiddenFill xmlns:a14="http://schemas.microsoft.com/office/drawing/2010/main">
                 <a:solidFill>
                   <a:srgbClr val="FFFFFF"/>
                 </a:solidFill>
@@ -20211,8 +20211,8 @@
             <a:tailEnd/>
           </a:ln>
           <a:extLst>
-            <a:ext uri="{909E8E84-426E-40dd-AFC4-6F175D3DCCD1}">
-              <a14:hiddenFill xmlns:a14="http://schemas.microsoft.com/office/drawing/2010/main" xmlns="">
+            <a:ext uri="{909E8E84-426E-40DD-AFC4-6F175D3DCCD1}">
+              <a14:hiddenFill xmlns:a14="http://schemas.microsoft.com/office/drawing/2010/main">
                 <a:solidFill>
                   <a:srgbClr val="FFFFFF"/>
                 </a:solidFill>
@@ -20253,15 +20253,15 @@
             <a:noFill/>
           </a:ln>
           <a:extLst>
-            <a:ext uri="{909E8E84-426E-40dd-AFC4-6F175D3DCCD1}">
-              <a14:hiddenFill xmlns:a14="http://schemas.microsoft.com/office/drawing/2010/main" xmlns="">
+            <a:ext uri="{909E8E84-426E-40DD-AFC4-6F175D3DCCD1}">
+              <a14:hiddenFill xmlns:a14="http://schemas.microsoft.com/office/drawing/2010/main">
                 <a:solidFill>
                   <a:srgbClr val="FFFFFF"/>
                 </a:solidFill>
               </a14:hiddenFill>
             </a:ext>
-            <a:ext uri="{91240B29-F687-4f45-9708-019B960494DF}">
-              <a14:hiddenLine xmlns:a14="http://schemas.microsoft.com/office/drawing/2010/main" xmlns="" w="9525">
+            <a:ext uri="{91240B29-F687-4F45-9708-019B960494DF}">
+              <a14:hiddenLine xmlns:a14="http://schemas.microsoft.com/office/drawing/2010/main" w="9525">
                 <a:solidFill>
                   <a:srgbClr val="000000"/>
                 </a:solidFill>
@@ -20399,8 +20399,8 @@
             <a:tailEnd/>
           </a:ln>
           <a:extLst>
-            <a:ext uri="{909E8E84-426E-40dd-AFC4-6F175D3DCCD1}">
-              <a14:hiddenFill xmlns:a14="http://schemas.microsoft.com/office/drawing/2010/main" xmlns="">
+            <a:ext uri="{909E8E84-426E-40DD-AFC4-6F175D3DCCD1}">
+              <a14:hiddenFill xmlns:a14="http://schemas.microsoft.com/office/drawing/2010/main">
                 <a:solidFill>
                   <a:srgbClr val="FFFFFF"/>
                 </a:solidFill>
@@ -20441,15 +20441,15 @@
             <a:noFill/>
           </a:ln>
           <a:extLst>
-            <a:ext uri="{909E8E84-426E-40dd-AFC4-6F175D3DCCD1}">
-              <a14:hiddenFill xmlns:a14="http://schemas.microsoft.com/office/drawing/2010/main" xmlns="">
+            <a:ext uri="{909E8E84-426E-40DD-AFC4-6F175D3DCCD1}">
+              <a14:hiddenFill xmlns:a14="http://schemas.microsoft.com/office/drawing/2010/main">
                 <a:solidFill>
                   <a:srgbClr val="FFFFFF"/>
                 </a:solidFill>
               </a14:hiddenFill>
             </a:ext>
-            <a:ext uri="{91240B29-F687-4f45-9708-019B960494DF}">
-              <a14:hiddenLine xmlns:a14="http://schemas.microsoft.com/office/drawing/2010/main" xmlns="" w="9525">
+            <a:ext uri="{91240B29-F687-4F45-9708-019B960494DF}">
+              <a14:hiddenLine xmlns:a14="http://schemas.microsoft.com/office/drawing/2010/main" w="9525">
                 <a:solidFill>
                   <a:srgbClr val="000000"/>
                 </a:solidFill>
@@ -20582,15 +20582,15 @@
             <a:noFill/>
           </a:ln>
           <a:extLst>
-            <a:ext uri="{909E8E84-426E-40dd-AFC4-6F175D3DCCD1}">
-              <a14:hiddenFill xmlns:a14="http://schemas.microsoft.com/office/drawing/2010/main" xmlns="">
+            <a:ext uri="{909E8E84-426E-40DD-AFC4-6F175D3DCCD1}">
+              <a14:hiddenFill xmlns:a14="http://schemas.microsoft.com/office/drawing/2010/main">
                 <a:solidFill>
                   <a:srgbClr val="FFFFFF"/>
                 </a:solidFill>
               </a14:hiddenFill>
             </a:ext>
-            <a:ext uri="{91240B29-F687-4f45-9708-019B960494DF}">
-              <a14:hiddenLine xmlns:a14="http://schemas.microsoft.com/office/drawing/2010/main" xmlns="" w="9525">
+            <a:ext uri="{91240B29-F687-4F45-9708-019B960494DF}">
+              <a14:hiddenLine xmlns:a14="http://schemas.microsoft.com/office/drawing/2010/main" w="9525">
                 <a:solidFill>
                   <a:srgbClr val="000000"/>
                 </a:solidFill>
@@ -20728,8 +20728,8 @@
             <a:tailEnd/>
           </a:ln>
           <a:extLst>
-            <a:ext uri="{909E8E84-426E-40dd-AFC4-6F175D3DCCD1}">
-              <a14:hiddenFill xmlns:a14="http://schemas.microsoft.com/office/drawing/2010/main" xmlns="">
+            <a:ext uri="{909E8E84-426E-40DD-AFC4-6F175D3DCCD1}">
+              <a14:hiddenFill xmlns:a14="http://schemas.microsoft.com/office/drawing/2010/main">
                 <a:solidFill>
                   <a:srgbClr val="FFFFFF"/>
                 </a:solidFill>
@@ -20775,8 +20775,8 @@
             <a:tailEnd/>
           </a:ln>
           <a:extLst>
-            <a:ext uri="{909E8E84-426E-40dd-AFC4-6F175D3DCCD1}">
-              <a14:hiddenFill xmlns:a14="http://schemas.microsoft.com/office/drawing/2010/main" xmlns="">
+            <a:ext uri="{909E8E84-426E-40DD-AFC4-6F175D3DCCD1}">
+              <a14:hiddenFill xmlns:a14="http://schemas.microsoft.com/office/drawing/2010/main">
                 <a:solidFill>
                   <a:srgbClr val="FFFFFF"/>
                 </a:solidFill>
@@ -20822,8 +20822,8 @@
             <a:tailEnd/>
           </a:ln>
           <a:extLst>
-            <a:ext uri="{909E8E84-426E-40dd-AFC4-6F175D3DCCD1}">
-              <a14:hiddenFill xmlns:a14="http://schemas.microsoft.com/office/drawing/2010/main" xmlns="">
+            <a:ext uri="{909E8E84-426E-40DD-AFC4-6F175D3DCCD1}">
+              <a14:hiddenFill xmlns:a14="http://schemas.microsoft.com/office/drawing/2010/main">
                 <a:solidFill>
                   <a:srgbClr val="FFFFFF"/>
                 </a:solidFill>
@@ -20864,15 +20864,15 @@
             <a:noFill/>
           </a:ln>
           <a:extLst>
-            <a:ext uri="{909E8E84-426E-40dd-AFC4-6F175D3DCCD1}">
-              <a14:hiddenFill xmlns:a14="http://schemas.microsoft.com/office/drawing/2010/main" xmlns="">
+            <a:ext uri="{909E8E84-426E-40DD-AFC4-6F175D3DCCD1}">
+              <a14:hiddenFill xmlns:a14="http://schemas.microsoft.com/office/drawing/2010/main">
                 <a:solidFill>
                   <a:srgbClr val="FFFFFF"/>
                 </a:solidFill>
               </a14:hiddenFill>
             </a:ext>
-            <a:ext uri="{91240B29-F687-4f45-9708-019B960494DF}">
-              <a14:hiddenLine xmlns:a14="http://schemas.microsoft.com/office/drawing/2010/main" xmlns="" w="9525">
+            <a:ext uri="{91240B29-F687-4F45-9708-019B960494DF}">
+              <a14:hiddenLine xmlns:a14="http://schemas.microsoft.com/office/drawing/2010/main" w="9525">
                 <a:solidFill>
                   <a:srgbClr val="000000"/>
                 </a:solidFill>
@@ -21004,15 +21004,15 @@
             <a:noFill/>
           </a:ln>
           <a:extLst>
-            <a:ext uri="{909E8E84-426E-40dd-AFC4-6F175D3DCCD1}">
-              <a14:hiddenFill xmlns:a14="http://schemas.microsoft.com/office/drawing/2010/main" xmlns="">
+            <a:ext uri="{909E8E84-426E-40DD-AFC4-6F175D3DCCD1}">
+              <a14:hiddenFill xmlns:a14="http://schemas.microsoft.com/office/drawing/2010/main">
                 <a:solidFill>
                   <a:srgbClr val="FFFFFF"/>
                 </a:solidFill>
               </a14:hiddenFill>
             </a:ext>
-            <a:ext uri="{91240B29-F687-4f45-9708-019B960494DF}">
-              <a14:hiddenLine xmlns:a14="http://schemas.microsoft.com/office/drawing/2010/main" xmlns="" w="9525">
+            <a:ext uri="{91240B29-F687-4F45-9708-019B960494DF}">
+              <a14:hiddenLine xmlns:a14="http://schemas.microsoft.com/office/drawing/2010/main" w="9525">
                 <a:solidFill>
                   <a:srgbClr val="000000"/>
                 </a:solidFill>
@@ -21144,15 +21144,15 @@
             <a:noFill/>
           </a:ln>
           <a:extLst>
-            <a:ext uri="{909E8E84-426E-40dd-AFC4-6F175D3DCCD1}">
-              <a14:hiddenFill xmlns:a14="http://schemas.microsoft.com/office/drawing/2010/main" xmlns="">
+            <a:ext uri="{909E8E84-426E-40DD-AFC4-6F175D3DCCD1}">
+              <a14:hiddenFill xmlns:a14="http://schemas.microsoft.com/office/drawing/2010/main">
                 <a:solidFill>
                   <a:srgbClr val="FFFFFF"/>
                 </a:solidFill>
               </a14:hiddenFill>
             </a:ext>
-            <a:ext uri="{91240B29-F687-4f45-9708-019B960494DF}">
-              <a14:hiddenLine xmlns:a14="http://schemas.microsoft.com/office/drawing/2010/main" xmlns="" w="9525">
+            <a:ext uri="{91240B29-F687-4F45-9708-019B960494DF}">
+              <a14:hiddenLine xmlns:a14="http://schemas.microsoft.com/office/drawing/2010/main" w="9525">
                 <a:solidFill>
                   <a:srgbClr val="000000"/>
                 </a:solidFill>
@@ -21284,15 +21284,15 @@
             <a:noFill/>
           </a:ln>
           <a:extLst>
-            <a:ext uri="{909E8E84-426E-40dd-AFC4-6F175D3DCCD1}">
-              <a14:hiddenFill xmlns:a14="http://schemas.microsoft.com/office/drawing/2010/main" xmlns="">
+            <a:ext uri="{909E8E84-426E-40DD-AFC4-6F175D3DCCD1}">
+              <a14:hiddenFill xmlns:a14="http://schemas.microsoft.com/office/drawing/2010/main">
                 <a:solidFill>
                   <a:srgbClr val="FFFFFF"/>
                 </a:solidFill>
               </a14:hiddenFill>
             </a:ext>
-            <a:ext uri="{91240B29-F687-4f45-9708-019B960494DF}">
-              <a14:hiddenLine xmlns:a14="http://schemas.microsoft.com/office/drawing/2010/main" xmlns="" w="9525">
+            <a:ext uri="{91240B29-F687-4F45-9708-019B960494DF}">
+              <a14:hiddenLine xmlns:a14="http://schemas.microsoft.com/office/drawing/2010/main" w="9525">
                 <a:solidFill>
                   <a:srgbClr val="000000"/>
                 </a:solidFill>
@@ -21424,15 +21424,15 @@
             <a:noFill/>
           </a:ln>
           <a:extLst>
-            <a:ext uri="{909E8E84-426E-40dd-AFC4-6F175D3DCCD1}">
-              <a14:hiddenFill xmlns:a14="http://schemas.microsoft.com/office/drawing/2010/main" xmlns="">
+            <a:ext uri="{909E8E84-426E-40DD-AFC4-6F175D3DCCD1}">
+              <a14:hiddenFill xmlns:a14="http://schemas.microsoft.com/office/drawing/2010/main">
                 <a:solidFill>
                   <a:srgbClr val="FFFFFF"/>
                 </a:solidFill>
               </a14:hiddenFill>
             </a:ext>
-            <a:ext uri="{91240B29-F687-4f45-9708-019B960494DF}">
-              <a14:hiddenLine xmlns:a14="http://schemas.microsoft.com/office/drawing/2010/main" xmlns="" w="9525">
+            <a:ext uri="{91240B29-F687-4F45-9708-019B960494DF}">
+              <a14:hiddenLine xmlns:a14="http://schemas.microsoft.com/office/drawing/2010/main" w="9525">
                 <a:solidFill>
                   <a:srgbClr val="000000"/>
                 </a:solidFill>
@@ -21564,15 +21564,15 @@
             <a:noFill/>
           </a:ln>
           <a:extLst>
-            <a:ext uri="{909E8E84-426E-40dd-AFC4-6F175D3DCCD1}">
-              <a14:hiddenFill xmlns:a14="http://schemas.microsoft.com/office/drawing/2010/main" xmlns="">
+            <a:ext uri="{909E8E84-426E-40DD-AFC4-6F175D3DCCD1}">
+              <a14:hiddenFill xmlns:a14="http://schemas.microsoft.com/office/drawing/2010/main">
                 <a:solidFill>
                   <a:srgbClr val="FFFFFF"/>
                 </a:solidFill>
               </a14:hiddenFill>
             </a:ext>
-            <a:ext uri="{91240B29-F687-4f45-9708-019B960494DF}">
-              <a14:hiddenLine xmlns:a14="http://schemas.microsoft.com/office/drawing/2010/main" xmlns="" w="9525">
+            <a:ext uri="{91240B29-F687-4F45-9708-019B960494DF}">
+              <a14:hiddenLine xmlns:a14="http://schemas.microsoft.com/office/drawing/2010/main" w="9525">
                 <a:solidFill>
                   <a:srgbClr val="000000"/>
                 </a:solidFill>
@@ -21704,15 +21704,15 @@
             <a:noFill/>
           </a:ln>
           <a:extLst>
-            <a:ext uri="{909E8E84-426E-40dd-AFC4-6F175D3DCCD1}">
-              <a14:hiddenFill xmlns:a14="http://schemas.microsoft.com/office/drawing/2010/main" xmlns="">
+            <a:ext uri="{909E8E84-426E-40DD-AFC4-6F175D3DCCD1}">
+              <a14:hiddenFill xmlns:a14="http://schemas.microsoft.com/office/drawing/2010/main">
                 <a:solidFill>
                   <a:srgbClr val="FFFFFF"/>
                 </a:solidFill>
               </a14:hiddenFill>
             </a:ext>
-            <a:ext uri="{91240B29-F687-4f45-9708-019B960494DF}">
-              <a14:hiddenLine xmlns:a14="http://schemas.microsoft.com/office/drawing/2010/main" xmlns="" w="9525">
+            <a:ext uri="{91240B29-F687-4F45-9708-019B960494DF}">
+              <a14:hiddenLine xmlns:a14="http://schemas.microsoft.com/office/drawing/2010/main" w="9525">
                 <a:solidFill>
                   <a:srgbClr val="000000"/>
                 </a:solidFill>
@@ -21844,15 +21844,15 @@
             <a:noFill/>
           </a:ln>
           <a:extLst>
-            <a:ext uri="{909E8E84-426E-40dd-AFC4-6F175D3DCCD1}">
-              <a14:hiddenFill xmlns:a14="http://schemas.microsoft.com/office/drawing/2010/main" xmlns="">
+            <a:ext uri="{909E8E84-426E-40DD-AFC4-6F175D3DCCD1}">
+              <a14:hiddenFill xmlns:a14="http://schemas.microsoft.com/office/drawing/2010/main">
                 <a:solidFill>
                   <a:srgbClr val="FFFFFF"/>
                 </a:solidFill>
               </a14:hiddenFill>
             </a:ext>
-            <a:ext uri="{91240B29-F687-4f45-9708-019B960494DF}">
-              <a14:hiddenLine xmlns:a14="http://schemas.microsoft.com/office/drawing/2010/main" xmlns="" w="9525">
+            <a:ext uri="{91240B29-F687-4F45-9708-019B960494DF}">
+              <a14:hiddenLine xmlns:a14="http://schemas.microsoft.com/office/drawing/2010/main" w="9525">
                 <a:solidFill>
                   <a:srgbClr val="000000"/>
                 </a:solidFill>
@@ -21990,8 +21990,8 @@
             <a:tailEnd/>
           </a:ln>
           <a:extLst>
-            <a:ext uri="{909E8E84-426E-40dd-AFC4-6F175D3DCCD1}">
-              <a14:hiddenFill xmlns:a14="http://schemas.microsoft.com/office/drawing/2010/main" xmlns="">
+            <a:ext uri="{909E8E84-426E-40DD-AFC4-6F175D3DCCD1}">
+              <a14:hiddenFill xmlns:a14="http://schemas.microsoft.com/office/drawing/2010/main">
                 <a:solidFill>
                   <a:srgbClr val="FFFFFF"/>
                 </a:solidFill>
@@ -22032,15 +22032,15 @@
             <a:noFill/>
           </a:ln>
           <a:extLst>
-            <a:ext uri="{909E8E84-426E-40dd-AFC4-6F175D3DCCD1}">
-              <a14:hiddenFill xmlns:a14="http://schemas.microsoft.com/office/drawing/2010/main" xmlns="">
+            <a:ext uri="{909E8E84-426E-40DD-AFC4-6F175D3DCCD1}">
+              <a14:hiddenFill xmlns:a14="http://schemas.microsoft.com/office/drawing/2010/main">
                 <a:solidFill>
                   <a:srgbClr val="FFFFFF"/>
                 </a:solidFill>
               </a14:hiddenFill>
             </a:ext>
-            <a:ext uri="{91240B29-F687-4f45-9708-019B960494DF}">
-              <a14:hiddenLine xmlns:a14="http://schemas.microsoft.com/office/drawing/2010/main" xmlns="" w="9525">
+            <a:ext uri="{91240B29-F687-4F45-9708-019B960494DF}">
+              <a14:hiddenLine xmlns:a14="http://schemas.microsoft.com/office/drawing/2010/main" w="9525">
                 <a:solidFill>
                   <a:srgbClr val="000000"/>
                 </a:solidFill>
@@ -22177,8 +22177,8 @@
             <a:tailEnd type="triangle" w="med" len="med"/>
           </a:ln>
           <a:extLst>
-            <a:ext uri="{909E8E84-426E-40dd-AFC4-6F175D3DCCD1}">
-              <a14:hiddenFill xmlns:a14="http://schemas.microsoft.com/office/drawing/2010/main" xmlns="">
+            <a:ext uri="{909E8E84-426E-40DD-AFC4-6F175D3DCCD1}">
+              <a14:hiddenFill xmlns:a14="http://schemas.microsoft.com/office/drawing/2010/main">
                 <a:noFill/>
               </a14:hiddenFill>
             </a:ext>
@@ -22215,15 +22215,15 @@
             <a:noFill/>
           </a:ln>
           <a:extLst>
-            <a:ext uri="{909E8E84-426E-40dd-AFC4-6F175D3DCCD1}">
-              <a14:hiddenFill xmlns:a14="http://schemas.microsoft.com/office/drawing/2010/main" xmlns="">
+            <a:ext uri="{909E8E84-426E-40DD-AFC4-6F175D3DCCD1}">
+              <a14:hiddenFill xmlns:a14="http://schemas.microsoft.com/office/drawing/2010/main">
                 <a:solidFill>
                   <a:srgbClr val="FFFFFF"/>
                 </a:solidFill>
               </a14:hiddenFill>
             </a:ext>
-            <a:ext uri="{91240B29-F687-4f45-9708-019B960494DF}">
-              <a14:hiddenLine xmlns:a14="http://schemas.microsoft.com/office/drawing/2010/main" xmlns="" w="9525">
+            <a:ext uri="{91240B29-F687-4F45-9708-019B960494DF}">
+              <a14:hiddenLine xmlns:a14="http://schemas.microsoft.com/office/drawing/2010/main" w="9525">
                 <a:solidFill>
                   <a:srgbClr val="000000"/>
                 </a:solidFill>
@@ -22361,8 +22361,8 @@
             <a:tailEnd/>
           </a:ln>
           <a:extLst>
-            <a:ext uri="{909E8E84-426E-40dd-AFC4-6F175D3DCCD1}">
-              <a14:hiddenFill xmlns:a14="http://schemas.microsoft.com/office/drawing/2010/main" xmlns="">
+            <a:ext uri="{909E8E84-426E-40DD-AFC4-6F175D3DCCD1}">
+              <a14:hiddenFill xmlns:a14="http://schemas.microsoft.com/office/drawing/2010/main">
                 <a:solidFill>
                   <a:srgbClr val="FFFFFF"/>
                 </a:solidFill>
@@ -22403,15 +22403,15 @@
             <a:noFill/>
           </a:ln>
           <a:extLst>
-            <a:ext uri="{909E8E84-426E-40dd-AFC4-6F175D3DCCD1}">
-              <a14:hiddenFill xmlns:a14="http://schemas.microsoft.com/office/drawing/2010/main" xmlns="">
+            <a:ext uri="{909E8E84-426E-40DD-AFC4-6F175D3DCCD1}">
+              <a14:hiddenFill xmlns:a14="http://schemas.microsoft.com/office/drawing/2010/main">
                 <a:solidFill>
                   <a:srgbClr val="FFFFFF"/>
                 </a:solidFill>
               </a14:hiddenFill>
             </a:ext>
-            <a:ext uri="{91240B29-F687-4f45-9708-019B960494DF}">
-              <a14:hiddenLine xmlns:a14="http://schemas.microsoft.com/office/drawing/2010/main" xmlns="" w="9525">
+            <a:ext uri="{91240B29-F687-4F45-9708-019B960494DF}">
+              <a14:hiddenLine xmlns:a14="http://schemas.microsoft.com/office/drawing/2010/main" w="9525">
                 <a:solidFill>
                   <a:srgbClr val="000000"/>
                 </a:solidFill>
@@ -22536,15 +22536,15 @@
           <a:noFill/>
           <a:ln/>
           <a:extLst>
-            <a:ext uri="{909E8E84-426E-40dd-AFC4-6F175D3DCCD1}">
-              <a14:hiddenFill xmlns:a14="http://schemas.microsoft.com/office/drawing/2010/main" xmlns="">
+            <a:ext uri="{909E8E84-426E-40DD-AFC4-6F175D3DCCD1}">
+              <a14:hiddenFill xmlns:a14="http://schemas.microsoft.com/office/drawing/2010/main">
                 <a:solidFill>
                   <a:srgbClr val="FFFFFF"/>
                 </a:solidFill>
               </a14:hiddenFill>
             </a:ext>
-            <a:ext uri="{91240B29-F687-4f45-9708-019B960494DF}">
-              <a14:hiddenLine xmlns:a14="http://schemas.microsoft.com/office/drawing/2010/main" xmlns="" w="9525">
+            <a:ext uri="{91240B29-F687-4F45-9708-019B960494DF}">
+              <a14:hiddenLine xmlns:a14="http://schemas.microsoft.com/office/drawing/2010/main" w="9525">
                 <a:solidFill>
                   <a:srgbClr val="000000"/>
                 </a:solidFill>
@@ -22651,7 +22651,7 @@
                 <a:latin typeface="Garamond" charset="0"/>
                 <a:cs typeface="Arial" charset="0"/>
               </a:rPr>
-              <a:t>10/15/18</a:t>
+              <a:t>10/17/2018</a:t>
             </a:fld>
             <a:endParaRPr lang="en-US" sz="1200">
               <a:latin typeface="Garamond" charset="0"/>
@@ -22737,15 +22737,15 @@
           <a:noFill/>
           <a:ln/>
           <a:extLst>
-            <a:ext uri="{909E8E84-426E-40dd-AFC4-6F175D3DCCD1}">
-              <a14:hiddenFill xmlns:a14="http://schemas.microsoft.com/office/drawing/2010/main" xmlns="">
+            <a:ext uri="{909E8E84-426E-40DD-AFC4-6F175D3DCCD1}">
+              <a14:hiddenFill xmlns:a14="http://schemas.microsoft.com/office/drawing/2010/main">
                 <a:solidFill>
                   <a:srgbClr val="FFFFFF"/>
                 </a:solidFill>
               </a14:hiddenFill>
             </a:ext>
-            <a:ext uri="{91240B29-F687-4f45-9708-019B960494DF}">
-              <a14:hiddenLine xmlns:a14="http://schemas.microsoft.com/office/drawing/2010/main" xmlns="" w="9525">
+            <a:ext uri="{91240B29-F687-4F45-9708-019B960494DF}">
+              <a14:hiddenLine xmlns:a14="http://schemas.microsoft.com/office/drawing/2010/main" w="9525">
                 <a:solidFill>
                   <a:srgbClr val="000000"/>
                 </a:solidFill>
@@ -22912,15 +22912,15 @@
             <a:noFill/>
           </a:ln>
           <a:extLst>
-            <a:ext uri="{909E8E84-426E-40dd-AFC4-6F175D3DCCD1}">
-              <a14:hiddenFill xmlns:a14="http://schemas.microsoft.com/office/drawing/2010/main" xmlns="">
+            <a:ext uri="{909E8E84-426E-40DD-AFC4-6F175D3DCCD1}">
+              <a14:hiddenFill xmlns:a14="http://schemas.microsoft.com/office/drawing/2010/main">
                 <a:solidFill>
                   <a:srgbClr val="FFFFFF"/>
                 </a:solidFill>
               </a14:hiddenFill>
             </a:ext>
-            <a:ext uri="{91240B29-F687-4f45-9708-019B960494DF}">
-              <a14:hiddenLine xmlns:a14="http://schemas.microsoft.com/office/drawing/2010/main" xmlns="" w="9525">
+            <a:ext uri="{91240B29-F687-4F45-9708-019B960494DF}">
+              <a14:hiddenLine xmlns:a14="http://schemas.microsoft.com/office/drawing/2010/main" w="9525">
                 <a:solidFill>
                   <a:srgbClr val="000000"/>
                 </a:solidFill>
@@ -23275,15 +23275,15 @@
             <a:noFill/>
           </a:ln>
           <a:extLst>
-            <a:ext uri="{909E8E84-426E-40dd-AFC4-6F175D3DCCD1}">
-              <a14:hiddenFill xmlns:a14="http://schemas.microsoft.com/office/drawing/2010/main" xmlns="">
+            <a:ext uri="{909E8E84-426E-40DD-AFC4-6F175D3DCCD1}">
+              <a14:hiddenFill xmlns:a14="http://schemas.microsoft.com/office/drawing/2010/main">
                 <a:solidFill>
                   <a:srgbClr val="FFFFFF"/>
                 </a:solidFill>
               </a14:hiddenFill>
             </a:ext>
-            <a:ext uri="{91240B29-F687-4f45-9708-019B960494DF}">
-              <a14:hiddenLine xmlns:a14="http://schemas.microsoft.com/office/drawing/2010/main" xmlns="" w="9525">
+            <a:ext uri="{91240B29-F687-4F45-9708-019B960494DF}">
+              <a14:hiddenLine xmlns:a14="http://schemas.microsoft.com/office/drawing/2010/main" w="9525">
                 <a:solidFill>
                   <a:srgbClr val="000000"/>
                 </a:solidFill>
@@ -23421,8 +23421,8 @@
             <a:tailEnd/>
           </a:ln>
           <a:extLst>
-            <a:ext uri="{909E8E84-426E-40dd-AFC4-6F175D3DCCD1}">
-              <a14:hiddenFill xmlns:a14="http://schemas.microsoft.com/office/drawing/2010/main" xmlns="">
+            <a:ext uri="{909E8E84-426E-40DD-AFC4-6F175D3DCCD1}">
+              <a14:hiddenFill xmlns:a14="http://schemas.microsoft.com/office/drawing/2010/main">
                 <a:solidFill>
                   <a:srgbClr val="FFFFFF"/>
                 </a:solidFill>
@@ -23463,15 +23463,15 @@
             <a:noFill/>
           </a:ln>
           <a:extLst>
-            <a:ext uri="{909E8E84-426E-40dd-AFC4-6F175D3DCCD1}">
-              <a14:hiddenFill xmlns:a14="http://schemas.microsoft.com/office/drawing/2010/main" xmlns="">
+            <a:ext uri="{909E8E84-426E-40DD-AFC4-6F175D3DCCD1}">
+              <a14:hiddenFill xmlns:a14="http://schemas.microsoft.com/office/drawing/2010/main">
                 <a:solidFill>
                   <a:srgbClr val="FFFFFF"/>
                 </a:solidFill>
               </a14:hiddenFill>
             </a:ext>
-            <a:ext uri="{91240B29-F687-4f45-9708-019B960494DF}">
-              <a14:hiddenLine xmlns:a14="http://schemas.microsoft.com/office/drawing/2010/main" xmlns="" w="9525">
+            <a:ext uri="{91240B29-F687-4F45-9708-019B960494DF}">
+              <a14:hiddenLine xmlns:a14="http://schemas.microsoft.com/office/drawing/2010/main" w="9525">
                 <a:solidFill>
                   <a:srgbClr val="000000"/>
                 </a:solidFill>
@@ -23604,15 +23604,15 @@
             <a:noFill/>
           </a:ln>
           <a:extLst>
-            <a:ext uri="{909E8E84-426E-40dd-AFC4-6F175D3DCCD1}">
-              <a14:hiddenFill xmlns:a14="http://schemas.microsoft.com/office/drawing/2010/main" xmlns="">
+            <a:ext uri="{909E8E84-426E-40DD-AFC4-6F175D3DCCD1}">
+              <a14:hiddenFill xmlns:a14="http://schemas.microsoft.com/office/drawing/2010/main">
                 <a:solidFill>
                   <a:srgbClr val="FFFFFF"/>
                 </a:solidFill>
               </a14:hiddenFill>
             </a:ext>
-            <a:ext uri="{91240B29-F687-4f45-9708-019B960494DF}">
-              <a14:hiddenLine xmlns:a14="http://schemas.microsoft.com/office/drawing/2010/main" xmlns="" w="9525">
+            <a:ext uri="{91240B29-F687-4F45-9708-019B960494DF}">
+              <a14:hiddenLine xmlns:a14="http://schemas.microsoft.com/office/drawing/2010/main" w="9525">
                 <a:solidFill>
                   <a:srgbClr val="000000"/>
                 </a:solidFill>
@@ -23745,15 +23745,15 @@
             <a:noFill/>
           </a:ln>
           <a:extLst>
-            <a:ext uri="{909E8E84-426E-40dd-AFC4-6F175D3DCCD1}">
-              <a14:hiddenFill xmlns:a14="http://schemas.microsoft.com/office/drawing/2010/main" xmlns="">
+            <a:ext uri="{909E8E84-426E-40DD-AFC4-6F175D3DCCD1}">
+              <a14:hiddenFill xmlns:a14="http://schemas.microsoft.com/office/drawing/2010/main">
                 <a:solidFill>
                   <a:srgbClr val="FFFFFF"/>
                 </a:solidFill>
               </a14:hiddenFill>
             </a:ext>
-            <a:ext uri="{91240B29-F687-4f45-9708-019B960494DF}">
-              <a14:hiddenLine xmlns:a14="http://schemas.microsoft.com/office/drawing/2010/main" xmlns="" w="9525">
+            <a:ext uri="{91240B29-F687-4F45-9708-019B960494DF}">
+              <a14:hiddenLine xmlns:a14="http://schemas.microsoft.com/office/drawing/2010/main" w="9525">
                 <a:solidFill>
                   <a:srgbClr val="000000"/>
                 </a:solidFill>
@@ -23891,8 +23891,8 @@
             <a:tailEnd/>
           </a:ln>
           <a:extLst>
-            <a:ext uri="{909E8E84-426E-40dd-AFC4-6F175D3DCCD1}">
-              <a14:hiddenFill xmlns:a14="http://schemas.microsoft.com/office/drawing/2010/main" xmlns="">
+            <a:ext uri="{909E8E84-426E-40DD-AFC4-6F175D3DCCD1}">
+              <a14:hiddenFill xmlns:a14="http://schemas.microsoft.com/office/drawing/2010/main">
                 <a:solidFill>
                   <a:srgbClr val="FFFFFF"/>
                 </a:solidFill>
@@ -23938,8 +23938,8 @@
             <a:tailEnd/>
           </a:ln>
           <a:extLst>
-            <a:ext uri="{909E8E84-426E-40dd-AFC4-6F175D3DCCD1}">
-              <a14:hiddenFill xmlns:a14="http://schemas.microsoft.com/office/drawing/2010/main" xmlns="">
+            <a:ext uri="{909E8E84-426E-40DD-AFC4-6F175D3DCCD1}">
+              <a14:hiddenFill xmlns:a14="http://schemas.microsoft.com/office/drawing/2010/main">
                 <a:solidFill>
                   <a:srgbClr val="FFFFFF"/>
                 </a:solidFill>
@@ -23980,15 +23980,15 @@
             <a:noFill/>
           </a:ln>
           <a:extLst>
-            <a:ext uri="{909E8E84-426E-40dd-AFC4-6F175D3DCCD1}">
-              <a14:hiddenFill xmlns:a14="http://schemas.microsoft.com/office/drawing/2010/main" xmlns="">
+            <a:ext uri="{909E8E84-426E-40DD-AFC4-6F175D3DCCD1}">
+              <a14:hiddenFill xmlns:a14="http://schemas.microsoft.com/office/drawing/2010/main">
                 <a:solidFill>
                   <a:srgbClr val="FFFFFF"/>
                 </a:solidFill>
               </a14:hiddenFill>
             </a:ext>
-            <a:ext uri="{91240B29-F687-4f45-9708-019B960494DF}">
-              <a14:hiddenLine xmlns:a14="http://schemas.microsoft.com/office/drawing/2010/main" xmlns="" w="9525">
+            <a:ext uri="{91240B29-F687-4F45-9708-019B960494DF}">
+              <a14:hiddenLine xmlns:a14="http://schemas.microsoft.com/office/drawing/2010/main" w="9525">
                 <a:solidFill>
                   <a:srgbClr val="000000"/>
                 </a:solidFill>
@@ -24126,8 +24126,8 @@
             <a:tailEnd/>
           </a:ln>
           <a:extLst>
-            <a:ext uri="{909E8E84-426E-40dd-AFC4-6F175D3DCCD1}">
-              <a14:hiddenFill xmlns:a14="http://schemas.microsoft.com/office/drawing/2010/main" xmlns="">
+            <a:ext uri="{909E8E84-426E-40DD-AFC4-6F175D3DCCD1}">
+              <a14:hiddenFill xmlns:a14="http://schemas.microsoft.com/office/drawing/2010/main">
                 <a:solidFill>
                   <a:srgbClr val="FFFFFF"/>
                 </a:solidFill>
@@ -24168,15 +24168,15 @@
             <a:noFill/>
           </a:ln>
           <a:extLst>
-            <a:ext uri="{909E8E84-426E-40dd-AFC4-6F175D3DCCD1}">
-              <a14:hiddenFill xmlns:a14="http://schemas.microsoft.com/office/drawing/2010/main" xmlns="">
+            <a:ext uri="{909E8E84-426E-40DD-AFC4-6F175D3DCCD1}">
+              <a14:hiddenFill xmlns:a14="http://schemas.microsoft.com/office/drawing/2010/main">
                 <a:solidFill>
                   <a:srgbClr val="FFFFFF"/>
                 </a:solidFill>
               </a14:hiddenFill>
             </a:ext>
-            <a:ext uri="{91240B29-F687-4f45-9708-019B960494DF}">
-              <a14:hiddenLine xmlns:a14="http://schemas.microsoft.com/office/drawing/2010/main" xmlns="" w="9525">
+            <a:ext uri="{91240B29-F687-4F45-9708-019B960494DF}">
+              <a14:hiddenLine xmlns:a14="http://schemas.microsoft.com/office/drawing/2010/main" w="9525">
                 <a:solidFill>
                   <a:srgbClr val="000000"/>
                 </a:solidFill>
@@ -24309,15 +24309,15 @@
             <a:noFill/>
           </a:ln>
           <a:extLst>
-            <a:ext uri="{909E8E84-426E-40dd-AFC4-6F175D3DCCD1}">
-              <a14:hiddenFill xmlns:a14="http://schemas.microsoft.com/office/drawing/2010/main" xmlns="">
+            <a:ext uri="{909E8E84-426E-40DD-AFC4-6F175D3DCCD1}">
+              <a14:hiddenFill xmlns:a14="http://schemas.microsoft.com/office/drawing/2010/main">
                 <a:solidFill>
                   <a:srgbClr val="FFFFFF"/>
                 </a:solidFill>
               </a14:hiddenFill>
             </a:ext>
-            <a:ext uri="{91240B29-F687-4f45-9708-019B960494DF}">
-              <a14:hiddenLine xmlns:a14="http://schemas.microsoft.com/office/drawing/2010/main" xmlns="" w="9525">
+            <a:ext uri="{91240B29-F687-4F45-9708-019B960494DF}">
+              <a14:hiddenLine xmlns:a14="http://schemas.microsoft.com/office/drawing/2010/main" w="9525">
                 <a:solidFill>
                   <a:srgbClr val="000000"/>
                 </a:solidFill>
@@ -24455,8 +24455,8 @@
             <a:tailEnd/>
           </a:ln>
           <a:extLst>
-            <a:ext uri="{909E8E84-426E-40dd-AFC4-6F175D3DCCD1}">
-              <a14:hiddenFill xmlns:a14="http://schemas.microsoft.com/office/drawing/2010/main" xmlns="">
+            <a:ext uri="{909E8E84-426E-40DD-AFC4-6F175D3DCCD1}">
+              <a14:hiddenFill xmlns:a14="http://schemas.microsoft.com/office/drawing/2010/main">
                 <a:solidFill>
                   <a:srgbClr val="FFFFFF"/>
                 </a:solidFill>
@@ -24502,8 +24502,8 @@
             <a:tailEnd/>
           </a:ln>
           <a:extLst>
-            <a:ext uri="{909E8E84-426E-40dd-AFC4-6F175D3DCCD1}">
-              <a14:hiddenFill xmlns:a14="http://schemas.microsoft.com/office/drawing/2010/main" xmlns="">
+            <a:ext uri="{909E8E84-426E-40DD-AFC4-6F175D3DCCD1}">
+              <a14:hiddenFill xmlns:a14="http://schemas.microsoft.com/office/drawing/2010/main">
                 <a:solidFill>
                   <a:srgbClr val="FFFFFF"/>
                 </a:solidFill>
@@ -24549,8 +24549,8 @@
             <a:tailEnd/>
           </a:ln>
           <a:extLst>
-            <a:ext uri="{909E8E84-426E-40dd-AFC4-6F175D3DCCD1}">
-              <a14:hiddenFill xmlns:a14="http://schemas.microsoft.com/office/drawing/2010/main" xmlns="">
+            <a:ext uri="{909E8E84-426E-40DD-AFC4-6F175D3DCCD1}">
+              <a14:hiddenFill xmlns:a14="http://schemas.microsoft.com/office/drawing/2010/main">
                 <a:solidFill>
                   <a:srgbClr val="FFFFFF"/>
                 </a:solidFill>
@@ -24591,15 +24591,15 @@
             <a:noFill/>
           </a:ln>
           <a:extLst>
-            <a:ext uri="{909E8E84-426E-40dd-AFC4-6F175D3DCCD1}">
-              <a14:hiddenFill xmlns:a14="http://schemas.microsoft.com/office/drawing/2010/main" xmlns="">
+            <a:ext uri="{909E8E84-426E-40DD-AFC4-6F175D3DCCD1}">
+              <a14:hiddenFill xmlns:a14="http://schemas.microsoft.com/office/drawing/2010/main">
                 <a:solidFill>
                   <a:srgbClr val="FFFFFF"/>
                 </a:solidFill>
               </a14:hiddenFill>
             </a:ext>
-            <a:ext uri="{91240B29-F687-4f45-9708-019B960494DF}">
-              <a14:hiddenLine xmlns:a14="http://schemas.microsoft.com/office/drawing/2010/main" xmlns="" w="9525">
+            <a:ext uri="{91240B29-F687-4F45-9708-019B960494DF}">
+              <a14:hiddenLine xmlns:a14="http://schemas.microsoft.com/office/drawing/2010/main" w="9525">
                 <a:solidFill>
                   <a:srgbClr val="000000"/>
                 </a:solidFill>
@@ -24731,15 +24731,15 @@
             <a:noFill/>
           </a:ln>
           <a:extLst>
-            <a:ext uri="{909E8E84-426E-40dd-AFC4-6F175D3DCCD1}">
-              <a14:hiddenFill xmlns:a14="http://schemas.microsoft.com/office/drawing/2010/main" xmlns="">
+            <a:ext uri="{909E8E84-426E-40DD-AFC4-6F175D3DCCD1}">
+              <a14:hiddenFill xmlns:a14="http://schemas.microsoft.com/office/drawing/2010/main">
                 <a:solidFill>
                   <a:srgbClr val="FFFFFF"/>
                 </a:solidFill>
               </a14:hiddenFill>
             </a:ext>
-            <a:ext uri="{91240B29-F687-4f45-9708-019B960494DF}">
-              <a14:hiddenLine xmlns:a14="http://schemas.microsoft.com/office/drawing/2010/main" xmlns="" w="9525">
+            <a:ext uri="{91240B29-F687-4F45-9708-019B960494DF}">
+              <a14:hiddenLine xmlns:a14="http://schemas.microsoft.com/office/drawing/2010/main" w="9525">
                 <a:solidFill>
                   <a:srgbClr val="000000"/>
                 </a:solidFill>
@@ -24871,15 +24871,15 @@
             <a:noFill/>
           </a:ln>
           <a:extLst>
-            <a:ext uri="{909E8E84-426E-40dd-AFC4-6F175D3DCCD1}">
-              <a14:hiddenFill xmlns:a14="http://schemas.microsoft.com/office/drawing/2010/main" xmlns="">
+            <a:ext uri="{909E8E84-426E-40DD-AFC4-6F175D3DCCD1}">
+              <a14:hiddenFill xmlns:a14="http://schemas.microsoft.com/office/drawing/2010/main">
                 <a:solidFill>
                   <a:srgbClr val="FFFFFF"/>
                 </a:solidFill>
               </a14:hiddenFill>
             </a:ext>
-            <a:ext uri="{91240B29-F687-4f45-9708-019B960494DF}">
-              <a14:hiddenLine xmlns:a14="http://schemas.microsoft.com/office/drawing/2010/main" xmlns="" w="9525">
+            <a:ext uri="{91240B29-F687-4F45-9708-019B960494DF}">
+              <a14:hiddenLine xmlns:a14="http://schemas.microsoft.com/office/drawing/2010/main" w="9525">
                 <a:solidFill>
                   <a:srgbClr val="000000"/>
                 </a:solidFill>
@@ -25011,15 +25011,15 @@
             <a:noFill/>
           </a:ln>
           <a:extLst>
-            <a:ext uri="{909E8E84-426E-40dd-AFC4-6F175D3DCCD1}">
-              <a14:hiddenFill xmlns:a14="http://schemas.microsoft.com/office/drawing/2010/main" xmlns="">
+            <a:ext uri="{909E8E84-426E-40DD-AFC4-6F175D3DCCD1}">
+              <a14:hiddenFill xmlns:a14="http://schemas.microsoft.com/office/drawing/2010/main">
                 <a:solidFill>
                   <a:srgbClr val="FFFFFF"/>
                 </a:solidFill>
               </a14:hiddenFill>
             </a:ext>
-            <a:ext uri="{91240B29-F687-4f45-9708-019B960494DF}">
-              <a14:hiddenLine xmlns:a14="http://schemas.microsoft.com/office/drawing/2010/main" xmlns="" w="9525">
+            <a:ext uri="{91240B29-F687-4F45-9708-019B960494DF}">
+              <a14:hiddenLine xmlns:a14="http://schemas.microsoft.com/office/drawing/2010/main" w="9525">
                 <a:solidFill>
                   <a:srgbClr val="000000"/>
                 </a:solidFill>
@@ -25151,15 +25151,15 @@
             <a:noFill/>
           </a:ln>
           <a:extLst>
-            <a:ext uri="{909E8E84-426E-40dd-AFC4-6F175D3DCCD1}">
-              <a14:hiddenFill xmlns:a14="http://schemas.microsoft.com/office/drawing/2010/main" xmlns="">
+            <a:ext uri="{909E8E84-426E-40DD-AFC4-6F175D3DCCD1}">
+              <a14:hiddenFill xmlns:a14="http://schemas.microsoft.com/office/drawing/2010/main">
                 <a:solidFill>
                   <a:srgbClr val="FFFFFF"/>
                 </a:solidFill>
               </a14:hiddenFill>
             </a:ext>
-            <a:ext uri="{91240B29-F687-4f45-9708-019B960494DF}">
-              <a14:hiddenLine xmlns:a14="http://schemas.microsoft.com/office/drawing/2010/main" xmlns="" w="9525">
+            <a:ext uri="{91240B29-F687-4F45-9708-019B960494DF}">
+              <a14:hiddenLine xmlns:a14="http://schemas.microsoft.com/office/drawing/2010/main" w="9525">
                 <a:solidFill>
                   <a:srgbClr val="000000"/>
                 </a:solidFill>
@@ -25291,15 +25291,15 @@
             <a:noFill/>
           </a:ln>
           <a:extLst>
-            <a:ext uri="{909E8E84-426E-40dd-AFC4-6F175D3DCCD1}">
-              <a14:hiddenFill xmlns:a14="http://schemas.microsoft.com/office/drawing/2010/main" xmlns="">
+            <a:ext uri="{909E8E84-426E-40DD-AFC4-6F175D3DCCD1}">
+              <a14:hiddenFill xmlns:a14="http://schemas.microsoft.com/office/drawing/2010/main">
                 <a:solidFill>
                   <a:srgbClr val="FFFFFF"/>
                 </a:solidFill>
               </a14:hiddenFill>
             </a:ext>
-            <a:ext uri="{91240B29-F687-4f45-9708-019B960494DF}">
-              <a14:hiddenLine xmlns:a14="http://schemas.microsoft.com/office/drawing/2010/main" xmlns="" w="9525">
+            <a:ext uri="{91240B29-F687-4F45-9708-019B960494DF}">
+              <a14:hiddenLine xmlns:a14="http://schemas.microsoft.com/office/drawing/2010/main" w="9525">
                 <a:solidFill>
                   <a:srgbClr val="000000"/>
                 </a:solidFill>
@@ -25431,15 +25431,15 @@
             <a:noFill/>
           </a:ln>
           <a:extLst>
-            <a:ext uri="{909E8E84-426E-40dd-AFC4-6F175D3DCCD1}">
-              <a14:hiddenFill xmlns:a14="http://schemas.microsoft.com/office/drawing/2010/main" xmlns="">
+            <a:ext uri="{909E8E84-426E-40DD-AFC4-6F175D3DCCD1}">
+              <a14:hiddenFill xmlns:a14="http://schemas.microsoft.com/office/drawing/2010/main">
                 <a:solidFill>
                   <a:srgbClr val="FFFFFF"/>
                 </a:solidFill>
               </a14:hiddenFill>
             </a:ext>
-            <a:ext uri="{91240B29-F687-4f45-9708-019B960494DF}">
-              <a14:hiddenLine xmlns:a14="http://schemas.microsoft.com/office/drawing/2010/main" xmlns="" w="9525">
+            <a:ext uri="{91240B29-F687-4F45-9708-019B960494DF}">
+              <a14:hiddenLine xmlns:a14="http://schemas.microsoft.com/office/drawing/2010/main" w="9525">
                 <a:solidFill>
                   <a:srgbClr val="000000"/>
                 </a:solidFill>
@@ -25571,15 +25571,15 @@
             <a:noFill/>
           </a:ln>
           <a:extLst>
-            <a:ext uri="{909E8E84-426E-40dd-AFC4-6F175D3DCCD1}">
-              <a14:hiddenFill xmlns:a14="http://schemas.microsoft.com/office/drawing/2010/main" xmlns="">
+            <a:ext uri="{909E8E84-426E-40DD-AFC4-6F175D3DCCD1}">
+              <a14:hiddenFill xmlns:a14="http://schemas.microsoft.com/office/drawing/2010/main">
                 <a:solidFill>
                   <a:srgbClr val="FFFFFF"/>
                 </a:solidFill>
               </a14:hiddenFill>
             </a:ext>
-            <a:ext uri="{91240B29-F687-4f45-9708-019B960494DF}">
-              <a14:hiddenLine xmlns:a14="http://schemas.microsoft.com/office/drawing/2010/main" xmlns="" w="9525">
+            <a:ext uri="{91240B29-F687-4F45-9708-019B960494DF}">
+              <a14:hiddenLine xmlns:a14="http://schemas.microsoft.com/office/drawing/2010/main" w="9525">
                 <a:solidFill>
                   <a:srgbClr val="000000"/>
                 </a:solidFill>
@@ -25717,8 +25717,8 @@
             <a:tailEnd/>
           </a:ln>
           <a:extLst>
-            <a:ext uri="{909E8E84-426E-40dd-AFC4-6F175D3DCCD1}">
-              <a14:hiddenFill xmlns:a14="http://schemas.microsoft.com/office/drawing/2010/main" xmlns="">
+            <a:ext uri="{909E8E84-426E-40DD-AFC4-6F175D3DCCD1}">
+              <a14:hiddenFill xmlns:a14="http://schemas.microsoft.com/office/drawing/2010/main">
                 <a:solidFill>
                   <a:srgbClr val="FFFFFF"/>
                 </a:solidFill>
@@ -25759,15 +25759,15 @@
             <a:noFill/>
           </a:ln>
           <a:extLst>
-            <a:ext uri="{909E8E84-426E-40dd-AFC4-6F175D3DCCD1}">
-              <a14:hiddenFill xmlns:a14="http://schemas.microsoft.com/office/drawing/2010/main" xmlns="">
+            <a:ext uri="{909E8E84-426E-40DD-AFC4-6F175D3DCCD1}">
+              <a14:hiddenFill xmlns:a14="http://schemas.microsoft.com/office/drawing/2010/main">
                 <a:solidFill>
                   <a:srgbClr val="FFFFFF"/>
                 </a:solidFill>
               </a14:hiddenFill>
             </a:ext>
-            <a:ext uri="{91240B29-F687-4f45-9708-019B960494DF}">
-              <a14:hiddenLine xmlns:a14="http://schemas.microsoft.com/office/drawing/2010/main" xmlns="" w="9525">
+            <a:ext uri="{91240B29-F687-4F45-9708-019B960494DF}">
+              <a14:hiddenLine xmlns:a14="http://schemas.microsoft.com/office/drawing/2010/main" w="9525">
                 <a:solidFill>
                   <a:srgbClr val="000000"/>
                 </a:solidFill>
@@ -25904,8 +25904,8 @@
             <a:tailEnd type="triangle" w="med" len="med"/>
           </a:ln>
           <a:extLst>
-            <a:ext uri="{909E8E84-426E-40dd-AFC4-6F175D3DCCD1}">
-              <a14:hiddenFill xmlns:a14="http://schemas.microsoft.com/office/drawing/2010/main" xmlns="">
+            <a:ext uri="{909E8E84-426E-40DD-AFC4-6F175D3DCCD1}">
+              <a14:hiddenFill xmlns:a14="http://schemas.microsoft.com/office/drawing/2010/main">
                 <a:noFill/>
               </a14:hiddenFill>
             </a:ext>
@@ -25942,15 +25942,15 @@
             <a:noFill/>
           </a:ln>
           <a:extLst>
-            <a:ext uri="{909E8E84-426E-40dd-AFC4-6F175D3DCCD1}">
-              <a14:hiddenFill xmlns:a14="http://schemas.microsoft.com/office/drawing/2010/main" xmlns="">
+            <a:ext uri="{909E8E84-426E-40DD-AFC4-6F175D3DCCD1}">
+              <a14:hiddenFill xmlns:a14="http://schemas.microsoft.com/office/drawing/2010/main">
                 <a:solidFill>
                   <a:srgbClr val="FFFFFF"/>
                 </a:solidFill>
               </a14:hiddenFill>
             </a:ext>
-            <a:ext uri="{91240B29-F687-4f45-9708-019B960494DF}">
-              <a14:hiddenLine xmlns:a14="http://schemas.microsoft.com/office/drawing/2010/main" xmlns="" w="9525">
+            <a:ext uri="{91240B29-F687-4F45-9708-019B960494DF}">
+              <a14:hiddenLine xmlns:a14="http://schemas.microsoft.com/office/drawing/2010/main" w="9525">
                 <a:solidFill>
                   <a:srgbClr val="000000"/>
                 </a:solidFill>
@@ -26088,8 +26088,8 @@
             <a:tailEnd/>
           </a:ln>
           <a:extLst>
-            <a:ext uri="{909E8E84-426E-40dd-AFC4-6F175D3DCCD1}">
-              <a14:hiddenFill xmlns:a14="http://schemas.microsoft.com/office/drawing/2010/main" xmlns="">
+            <a:ext uri="{909E8E84-426E-40DD-AFC4-6F175D3DCCD1}">
+              <a14:hiddenFill xmlns:a14="http://schemas.microsoft.com/office/drawing/2010/main">
                 <a:solidFill>
                   <a:srgbClr val="FFFFFF"/>
                 </a:solidFill>
@@ -26130,15 +26130,15 @@
             <a:noFill/>
           </a:ln>
           <a:extLst>
-            <a:ext uri="{909E8E84-426E-40dd-AFC4-6F175D3DCCD1}">
-              <a14:hiddenFill xmlns:a14="http://schemas.microsoft.com/office/drawing/2010/main" xmlns="">
+            <a:ext uri="{909E8E84-426E-40DD-AFC4-6F175D3DCCD1}">
+              <a14:hiddenFill xmlns:a14="http://schemas.microsoft.com/office/drawing/2010/main">
                 <a:solidFill>
                   <a:srgbClr val="FFFFFF"/>
                 </a:solidFill>
               </a14:hiddenFill>
             </a:ext>
-            <a:ext uri="{91240B29-F687-4f45-9708-019B960494DF}">
-              <a14:hiddenLine xmlns:a14="http://schemas.microsoft.com/office/drawing/2010/main" xmlns="" w="9525">
+            <a:ext uri="{91240B29-F687-4F45-9708-019B960494DF}">
+              <a14:hiddenLine xmlns:a14="http://schemas.microsoft.com/office/drawing/2010/main" w="9525">
                 <a:solidFill>
                   <a:srgbClr val="000000"/>
                 </a:solidFill>
@@ -26263,15 +26263,15 @@
           <a:noFill/>
           <a:ln/>
           <a:extLst>
-            <a:ext uri="{909E8E84-426E-40dd-AFC4-6F175D3DCCD1}">
-              <a14:hiddenFill xmlns:a14="http://schemas.microsoft.com/office/drawing/2010/main" xmlns="">
+            <a:ext uri="{909E8E84-426E-40DD-AFC4-6F175D3DCCD1}">
+              <a14:hiddenFill xmlns:a14="http://schemas.microsoft.com/office/drawing/2010/main">
                 <a:solidFill>
                   <a:srgbClr val="FFFFFF"/>
                 </a:solidFill>
               </a14:hiddenFill>
             </a:ext>
-            <a:ext uri="{91240B29-F687-4f45-9708-019B960494DF}">
-              <a14:hiddenLine xmlns:a14="http://schemas.microsoft.com/office/drawing/2010/main" xmlns="" w="9525">
+            <a:ext uri="{91240B29-F687-4F45-9708-019B960494DF}">
+              <a14:hiddenLine xmlns:a14="http://schemas.microsoft.com/office/drawing/2010/main" w="9525">
                 <a:solidFill>
                   <a:srgbClr val="000000"/>
                 </a:solidFill>
@@ -26378,7 +26378,7 @@
                 <a:latin typeface="Garamond" charset="0"/>
                 <a:cs typeface="Arial" charset="0"/>
               </a:rPr>
-              <a:t>10/15/18</a:t>
+              <a:t>10/17/2018</a:t>
             </a:fld>
             <a:endParaRPr lang="en-US" sz="1200">
               <a:latin typeface="Garamond" charset="0"/>
@@ -26464,15 +26464,15 @@
           <a:noFill/>
           <a:ln/>
           <a:extLst>
-            <a:ext uri="{909E8E84-426E-40dd-AFC4-6F175D3DCCD1}">
-              <a14:hiddenFill xmlns:a14="http://schemas.microsoft.com/office/drawing/2010/main" xmlns="">
+            <a:ext uri="{909E8E84-426E-40DD-AFC4-6F175D3DCCD1}">
+              <a14:hiddenFill xmlns:a14="http://schemas.microsoft.com/office/drawing/2010/main">
                 <a:solidFill>
                   <a:srgbClr val="FFFFFF"/>
                 </a:solidFill>
               </a14:hiddenFill>
             </a:ext>
-            <a:ext uri="{91240B29-F687-4f45-9708-019B960494DF}">
-              <a14:hiddenLine xmlns:a14="http://schemas.microsoft.com/office/drawing/2010/main" xmlns="" w="9525">
+            <a:ext uri="{91240B29-F687-4F45-9708-019B960494DF}">
+              <a14:hiddenLine xmlns:a14="http://schemas.microsoft.com/office/drawing/2010/main" w="9525">
                 <a:solidFill>
                   <a:srgbClr val="000000"/>
                 </a:solidFill>
@@ -26639,15 +26639,15 @@
             <a:noFill/>
           </a:ln>
           <a:extLst>
-            <a:ext uri="{909E8E84-426E-40dd-AFC4-6F175D3DCCD1}">
-              <a14:hiddenFill xmlns:a14="http://schemas.microsoft.com/office/drawing/2010/main" xmlns="">
+            <a:ext uri="{909E8E84-426E-40DD-AFC4-6F175D3DCCD1}">
+              <a14:hiddenFill xmlns:a14="http://schemas.microsoft.com/office/drawing/2010/main">
                 <a:solidFill>
                   <a:srgbClr val="FFFFFF"/>
                 </a:solidFill>
               </a14:hiddenFill>
             </a:ext>
-            <a:ext uri="{91240B29-F687-4f45-9708-019B960494DF}">
-              <a14:hiddenLine xmlns:a14="http://schemas.microsoft.com/office/drawing/2010/main" xmlns="" w="9525">
+            <a:ext uri="{91240B29-F687-4F45-9708-019B960494DF}">
+              <a14:hiddenLine xmlns:a14="http://schemas.microsoft.com/office/drawing/2010/main" w="9525">
                 <a:solidFill>
                   <a:srgbClr val="000000"/>
                 </a:solidFill>
@@ -27002,15 +27002,15 @@
             <a:noFill/>
           </a:ln>
           <a:extLst>
-            <a:ext uri="{909E8E84-426E-40dd-AFC4-6F175D3DCCD1}">
-              <a14:hiddenFill xmlns:a14="http://schemas.microsoft.com/office/drawing/2010/main" xmlns="">
+            <a:ext uri="{909E8E84-426E-40DD-AFC4-6F175D3DCCD1}">
+              <a14:hiddenFill xmlns:a14="http://schemas.microsoft.com/office/drawing/2010/main">
                 <a:solidFill>
                   <a:srgbClr val="FFFFFF"/>
                 </a:solidFill>
               </a14:hiddenFill>
             </a:ext>
-            <a:ext uri="{91240B29-F687-4f45-9708-019B960494DF}">
-              <a14:hiddenLine xmlns:a14="http://schemas.microsoft.com/office/drawing/2010/main" xmlns="" w="9525">
+            <a:ext uri="{91240B29-F687-4F45-9708-019B960494DF}">
+              <a14:hiddenLine xmlns:a14="http://schemas.microsoft.com/office/drawing/2010/main" w="9525">
                 <a:solidFill>
                   <a:srgbClr val="000000"/>
                 </a:solidFill>
@@ -27148,8 +27148,8 @@
             <a:tailEnd/>
           </a:ln>
           <a:extLst>
-            <a:ext uri="{909E8E84-426E-40dd-AFC4-6F175D3DCCD1}">
-              <a14:hiddenFill xmlns:a14="http://schemas.microsoft.com/office/drawing/2010/main" xmlns="">
+            <a:ext uri="{909E8E84-426E-40DD-AFC4-6F175D3DCCD1}">
+              <a14:hiddenFill xmlns:a14="http://schemas.microsoft.com/office/drawing/2010/main">
                 <a:solidFill>
                   <a:srgbClr val="FFFFFF"/>
                 </a:solidFill>
@@ -27190,15 +27190,15 @@
             <a:noFill/>
           </a:ln>
           <a:extLst>
-            <a:ext uri="{909E8E84-426E-40dd-AFC4-6F175D3DCCD1}">
-              <a14:hiddenFill xmlns:a14="http://schemas.microsoft.com/office/drawing/2010/main" xmlns="">
+            <a:ext uri="{909E8E84-426E-40DD-AFC4-6F175D3DCCD1}">
+              <a14:hiddenFill xmlns:a14="http://schemas.microsoft.com/office/drawing/2010/main">
                 <a:solidFill>
                   <a:srgbClr val="FFFFFF"/>
                 </a:solidFill>
               </a14:hiddenFill>
             </a:ext>
-            <a:ext uri="{91240B29-F687-4f45-9708-019B960494DF}">
-              <a14:hiddenLine xmlns:a14="http://schemas.microsoft.com/office/drawing/2010/main" xmlns="" w="9525">
+            <a:ext uri="{91240B29-F687-4F45-9708-019B960494DF}">
+              <a14:hiddenLine xmlns:a14="http://schemas.microsoft.com/office/drawing/2010/main" w="9525">
                 <a:solidFill>
                   <a:srgbClr val="000000"/>
                 </a:solidFill>
@@ -27331,15 +27331,15 @@
             <a:noFill/>
           </a:ln>
           <a:extLst>
-            <a:ext uri="{909E8E84-426E-40dd-AFC4-6F175D3DCCD1}">
-              <a14:hiddenFill xmlns:a14="http://schemas.microsoft.com/office/drawing/2010/main" xmlns="">
+            <a:ext uri="{909E8E84-426E-40DD-AFC4-6F175D3DCCD1}">
+              <a14:hiddenFill xmlns:a14="http://schemas.microsoft.com/office/drawing/2010/main">
                 <a:solidFill>
                   <a:srgbClr val="FFFFFF"/>
                 </a:solidFill>
               </a14:hiddenFill>
             </a:ext>
-            <a:ext uri="{91240B29-F687-4f45-9708-019B960494DF}">
-              <a14:hiddenLine xmlns:a14="http://schemas.microsoft.com/office/drawing/2010/main" xmlns="" w="9525">
+            <a:ext uri="{91240B29-F687-4F45-9708-019B960494DF}">
+              <a14:hiddenLine xmlns:a14="http://schemas.microsoft.com/office/drawing/2010/main" w="9525">
                 <a:solidFill>
                   <a:srgbClr val="000000"/>
                 </a:solidFill>
@@ -27477,8 +27477,8 @@
             <a:tailEnd/>
           </a:ln>
           <a:extLst>
-            <a:ext uri="{909E8E84-426E-40dd-AFC4-6F175D3DCCD1}">
-              <a14:hiddenFill xmlns:a14="http://schemas.microsoft.com/office/drawing/2010/main" xmlns="">
+            <a:ext uri="{909E8E84-426E-40DD-AFC4-6F175D3DCCD1}">
+              <a14:hiddenFill xmlns:a14="http://schemas.microsoft.com/office/drawing/2010/main">
                 <a:solidFill>
                   <a:srgbClr val="FFFFFF"/>
                 </a:solidFill>
@@ -27524,8 +27524,8 @@
             <a:tailEnd/>
           </a:ln>
           <a:extLst>
-            <a:ext uri="{909E8E84-426E-40dd-AFC4-6F175D3DCCD1}">
-              <a14:hiddenFill xmlns:a14="http://schemas.microsoft.com/office/drawing/2010/main" xmlns="">
+            <a:ext uri="{909E8E84-426E-40DD-AFC4-6F175D3DCCD1}">
+              <a14:hiddenFill xmlns:a14="http://schemas.microsoft.com/office/drawing/2010/main">
                 <a:solidFill>
                   <a:srgbClr val="FFFFFF"/>
                 </a:solidFill>
@@ -27566,15 +27566,15 @@
             <a:noFill/>
           </a:ln>
           <a:extLst>
-            <a:ext uri="{909E8E84-426E-40dd-AFC4-6F175D3DCCD1}">
-              <a14:hiddenFill xmlns:a14="http://schemas.microsoft.com/office/drawing/2010/main" xmlns="">
+            <a:ext uri="{909E8E84-426E-40DD-AFC4-6F175D3DCCD1}">
+              <a14:hiddenFill xmlns:a14="http://schemas.microsoft.com/office/drawing/2010/main">
                 <a:solidFill>
                   <a:srgbClr val="FFFFFF"/>
                 </a:solidFill>
               </a14:hiddenFill>
             </a:ext>
-            <a:ext uri="{91240B29-F687-4f45-9708-019B960494DF}">
-              <a14:hiddenLine xmlns:a14="http://schemas.microsoft.com/office/drawing/2010/main" xmlns="" w="9525">
+            <a:ext uri="{91240B29-F687-4F45-9708-019B960494DF}">
+              <a14:hiddenLine xmlns:a14="http://schemas.microsoft.com/office/drawing/2010/main" w="9525">
                 <a:solidFill>
                   <a:srgbClr val="000000"/>
                 </a:solidFill>
@@ -27706,15 +27706,15 @@
             <a:noFill/>
           </a:ln>
           <a:extLst>
-            <a:ext uri="{909E8E84-426E-40dd-AFC4-6F175D3DCCD1}">
-              <a14:hiddenFill xmlns:a14="http://schemas.microsoft.com/office/drawing/2010/main" xmlns="">
+            <a:ext uri="{909E8E84-426E-40DD-AFC4-6F175D3DCCD1}">
+              <a14:hiddenFill xmlns:a14="http://schemas.microsoft.com/office/drawing/2010/main">
                 <a:solidFill>
                   <a:srgbClr val="FFFFFF"/>
                 </a:solidFill>
               </a14:hiddenFill>
             </a:ext>
-            <a:ext uri="{91240B29-F687-4f45-9708-019B960494DF}">
-              <a14:hiddenLine xmlns:a14="http://schemas.microsoft.com/office/drawing/2010/main" xmlns="" w="9525">
+            <a:ext uri="{91240B29-F687-4F45-9708-019B960494DF}">
+              <a14:hiddenLine xmlns:a14="http://schemas.microsoft.com/office/drawing/2010/main" w="9525">
                 <a:solidFill>
                   <a:srgbClr val="000000"/>
                 </a:solidFill>
@@ -27846,15 +27846,15 @@
             <a:noFill/>
           </a:ln>
           <a:extLst>
-            <a:ext uri="{909E8E84-426E-40dd-AFC4-6F175D3DCCD1}">
-              <a14:hiddenFill xmlns:a14="http://schemas.microsoft.com/office/drawing/2010/main" xmlns="">
+            <a:ext uri="{909E8E84-426E-40DD-AFC4-6F175D3DCCD1}">
+              <a14:hiddenFill xmlns:a14="http://schemas.microsoft.com/office/drawing/2010/main">
                 <a:solidFill>
                   <a:srgbClr val="FFFFFF"/>
                 </a:solidFill>
               </a14:hiddenFill>
             </a:ext>
-            <a:ext uri="{91240B29-F687-4f45-9708-019B960494DF}">
-              <a14:hiddenLine xmlns:a14="http://schemas.microsoft.com/office/drawing/2010/main" xmlns="" w="9525">
+            <a:ext uri="{91240B29-F687-4F45-9708-019B960494DF}">
+              <a14:hiddenLine xmlns:a14="http://schemas.microsoft.com/office/drawing/2010/main" w="9525">
                 <a:solidFill>
                   <a:srgbClr val="000000"/>
                 </a:solidFill>
@@ -27986,15 +27986,15 @@
             <a:noFill/>
           </a:ln>
           <a:extLst>
-            <a:ext uri="{909E8E84-426E-40dd-AFC4-6F175D3DCCD1}">
-              <a14:hiddenFill xmlns:a14="http://schemas.microsoft.com/office/drawing/2010/main" xmlns="">
+            <a:ext uri="{909E8E84-426E-40DD-AFC4-6F175D3DCCD1}">
+              <a14:hiddenFill xmlns:a14="http://schemas.microsoft.com/office/drawing/2010/main">
                 <a:solidFill>
                   <a:srgbClr val="FFFFFF"/>
                 </a:solidFill>
               </a14:hiddenFill>
             </a:ext>
-            <a:ext uri="{91240B29-F687-4f45-9708-019B960494DF}">
-              <a14:hiddenLine xmlns:a14="http://schemas.microsoft.com/office/drawing/2010/main" xmlns="" w="9525">
+            <a:ext uri="{91240B29-F687-4F45-9708-019B960494DF}">
+              <a14:hiddenLine xmlns:a14="http://schemas.microsoft.com/office/drawing/2010/main" w="9525">
                 <a:solidFill>
                   <a:srgbClr val="000000"/>
                 </a:solidFill>
@@ -28132,8 +28132,8 @@
             <a:tailEnd/>
           </a:ln>
           <a:extLst>
-            <a:ext uri="{909E8E84-426E-40dd-AFC4-6F175D3DCCD1}">
-              <a14:hiddenFill xmlns:a14="http://schemas.microsoft.com/office/drawing/2010/main" xmlns="">
+            <a:ext uri="{909E8E84-426E-40DD-AFC4-6F175D3DCCD1}">
+              <a14:hiddenFill xmlns:a14="http://schemas.microsoft.com/office/drawing/2010/main">
                 <a:solidFill>
                   <a:srgbClr val="FFFFFF"/>
                 </a:solidFill>
@@ -28174,15 +28174,15 @@
             <a:noFill/>
           </a:ln>
           <a:extLst>
-            <a:ext uri="{909E8E84-426E-40dd-AFC4-6F175D3DCCD1}">
-              <a14:hiddenFill xmlns:a14="http://schemas.microsoft.com/office/drawing/2010/main" xmlns="">
+            <a:ext uri="{909E8E84-426E-40DD-AFC4-6F175D3DCCD1}">
+              <a14:hiddenFill xmlns:a14="http://schemas.microsoft.com/office/drawing/2010/main">
                 <a:solidFill>
                   <a:srgbClr val="FFFFFF"/>
                 </a:solidFill>
               </a14:hiddenFill>
             </a:ext>
-            <a:ext uri="{91240B29-F687-4f45-9708-019B960494DF}">
-              <a14:hiddenLine xmlns:a14="http://schemas.microsoft.com/office/drawing/2010/main" xmlns="" w="9525">
+            <a:ext uri="{91240B29-F687-4F45-9708-019B960494DF}">
+              <a14:hiddenLine xmlns:a14="http://schemas.microsoft.com/office/drawing/2010/main" w="9525">
                 <a:solidFill>
                   <a:srgbClr val="000000"/>
                 </a:solidFill>
@@ -28319,8 +28319,8 @@
             <a:tailEnd type="triangle" w="med" len="med"/>
           </a:ln>
           <a:extLst>
-            <a:ext uri="{909E8E84-426E-40dd-AFC4-6F175D3DCCD1}">
-              <a14:hiddenFill xmlns:a14="http://schemas.microsoft.com/office/drawing/2010/main" xmlns="">
+            <a:ext uri="{909E8E84-426E-40DD-AFC4-6F175D3DCCD1}">
+              <a14:hiddenFill xmlns:a14="http://schemas.microsoft.com/office/drawing/2010/main">
                 <a:noFill/>
               </a14:hiddenFill>
             </a:ext>
@@ -28350,15 +28350,15 @@
           <a:noFill/>
           <a:ln/>
           <a:extLst>
-            <a:ext uri="{909E8E84-426E-40dd-AFC4-6F175D3DCCD1}">
-              <a14:hiddenFill xmlns:a14="http://schemas.microsoft.com/office/drawing/2010/main" xmlns="">
+            <a:ext uri="{909E8E84-426E-40DD-AFC4-6F175D3DCCD1}">
+              <a14:hiddenFill xmlns:a14="http://schemas.microsoft.com/office/drawing/2010/main">
                 <a:solidFill>
                   <a:srgbClr val="FFFFFF"/>
                 </a:solidFill>
               </a14:hiddenFill>
             </a:ext>
-            <a:ext uri="{91240B29-F687-4f45-9708-019B960494DF}">
-              <a14:hiddenLine xmlns:a14="http://schemas.microsoft.com/office/drawing/2010/main" xmlns="" w="9525">
+            <a:ext uri="{91240B29-F687-4F45-9708-019B960494DF}">
+              <a14:hiddenLine xmlns:a14="http://schemas.microsoft.com/office/drawing/2010/main" w="9525">
                 <a:solidFill>
                   <a:srgbClr val="000000"/>
                 </a:solidFill>
@@ -28465,7 +28465,7 @@
                 <a:latin typeface="Garamond" charset="0"/>
                 <a:cs typeface="Arial" charset="0"/>
               </a:rPr>
-              <a:t>10/15/18</a:t>
+              <a:t>10/17/2018</a:t>
             </a:fld>
             <a:endParaRPr lang="en-US" sz="1200">
               <a:latin typeface="Garamond" charset="0"/>
@@ -28665,8 +28665,32 @@
               <a:rPr lang="en-US" dirty="0" smtClean="0">
                 <a:latin typeface="Arial" charset="0"/>
               </a:rPr>
-              <a:t>office hours</a:t>
-            </a:r>
+              <a:t>office </a:t>
+            </a:r>
+            <a:r>
+              <a:rPr lang="en-US" dirty="0" smtClean="0">
+                <a:latin typeface="Arial" charset="0"/>
+              </a:rPr>
+              <a:t>hours</a:t>
+            </a:r>
+          </a:p>
+          <a:p>
+            <a:pPr lvl="1"/>
+            <a:r>
+              <a:rPr lang="en-US" dirty="0" smtClean="0">
+                <a:latin typeface="Arial" charset="0"/>
+              </a:rPr>
+              <a:t>Exam 1, </a:t>
+            </a:r>
+            <a:r>
+              <a:rPr lang="en-US" dirty="0">
+                <a:latin typeface="Arial" charset="0"/>
+              </a:rPr>
+              <a:t>Q3b: if you answered (ii), (iii), and (iv), please see me to get partial credit</a:t>
+            </a:r>
+          </a:p>
+          <a:p>
+            <a:pPr lvl="1"/>
             <a:endParaRPr lang="en-US" dirty="0">
               <a:latin typeface="Arial" charset="0"/>
             </a:endParaRPr>
@@ -28687,15 +28711,15 @@
           <a:noFill/>
           <a:ln/>
           <a:extLst>
-            <a:ext uri="{909E8E84-426E-40dd-AFC4-6F175D3DCCD1}">
-              <a14:hiddenFill xmlns:a14="http://schemas.microsoft.com/office/drawing/2010/main" xmlns="">
+            <a:ext uri="{909E8E84-426E-40DD-AFC4-6F175D3DCCD1}">
+              <a14:hiddenFill xmlns:a14="http://schemas.microsoft.com/office/drawing/2010/main">
                 <a:solidFill>
                   <a:srgbClr val="FFFFFF"/>
                 </a:solidFill>
               </a14:hiddenFill>
             </a:ext>
-            <a:ext uri="{91240B29-F687-4f45-9708-019B960494DF}">
-              <a14:hiddenLine xmlns:a14="http://schemas.microsoft.com/office/drawing/2010/main" xmlns="" w="9525">
+            <a:ext uri="{91240B29-F687-4F45-9708-019B960494DF}">
+              <a14:hiddenLine xmlns:a14="http://schemas.microsoft.com/office/drawing/2010/main" w="9525">
                 <a:solidFill>
                   <a:srgbClr val="000000"/>
                 </a:solidFill>
@@ -28822,7 +28846,7 @@
               <a:rPr lang="en-US" sz="1200" smtClean="0">
                 <a:latin typeface="Garamond" charset="0"/>
               </a:rPr>
-              <a:t>10/15/18</a:t>
+              <a:t>10/17/2018</a:t>
             </a:fld>
             <a:endParaRPr lang="en-US" sz="1200">
               <a:latin typeface="Garamond" charset="0"/>
@@ -28870,15 +28894,15 @@
           <a:noFill/>
           <a:ln/>
           <a:extLst>
-            <a:ext uri="{909E8E84-426E-40dd-AFC4-6F175D3DCCD1}">
-              <a14:hiddenFill xmlns:a14="http://schemas.microsoft.com/office/drawing/2010/main" xmlns="">
+            <a:ext uri="{909E8E84-426E-40DD-AFC4-6F175D3DCCD1}">
+              <a14:hiddenFill xmlns:a14="http://schemas.microsoft.com/office/drawing/2010/main">
                 <a:solidFill>
                   <a:srgbClr val="FFFFFF"/>
                 </a:solidFill>
               </a14:hiddenFill>
             </a:ext>
-            <a:ext uri="{91240B29-F687-4f45-9708-019B960494DF}">
-              <a14:hiddenLine xmlns:a14="http://schemas.microsoft.com/office/drawing/2010/main" xmlns="" w="9525">
+            <a:ext uri="{91240B29-F687-4F45-9708-019B960494DF}">
+              <a14:hiddenLine xmlns:a14="http://schemas.microsoft.com/office/drawing/2010/main" w="9525">
                 <a:solidFill>
                   <a:srgbClr val="000000"/>
                 </a:solidFill>
@@ -29163,10 +29187,25 @@
               <a:t>Th</a:t>
             </a:r>
             <a:r>
-              <a:rPr lang="en-US" smtClean="0">
-                <a:latin typeface="Arial" charset="0"/>
-              </a:rPr>
-              <a:t> office hours</a:t>
+              <a:rPr lang="en-US" dirty="0" smtClean="0">
+                <a:latin typeface="Arial" charset="0"/>
+              </a:rPr>
+              <a:t> office </a:t>
+            </a:r>
+            <a:r>
+              <a:rPr lang="en-US" dirty="0" smtClean="0">
+                <a:latin typeface="Arial" charset="0"/>
+              </a:rPr>
+              <a:t>hours</a:t>
+            </a:r>
+          </a:p>
+          <a:p>
+            <a:pPr lvl="1"/>
+            <a:r>
+              <a:rPr lang="en-US" dirty="0" smtClean="0">
+                <a:latin typeface="Arial" charset="0"/>
+              </a:rPr>
+              <a:t>Exam 1, Q3b: if you answered (ii), (iii), and (iv), please see me to get partial credit</a:t>
             </a:r>
             <a:endParaRPr lang="en-US" dirty="0">
               <a:latin typeface="Arial" charset="0"/>
@@ -29214,15 +29253,15 @@
           <a:noFill/>
           <a:ln/>
           <a:extLst>
-            <a:ext uri="{909E8E84-426E-40dd-AFC4-6F175D3DCCD1}">
-              <a14:hiddenFill xmlns:a14="http://schemas.microsoft.com/office/drawing/2010/main" xmlns="">
+            <a:ext uri="{909E8E84-426E-40DD-AFC4-6F175D3DCCD1}">
+              <a14:hiddenFill xmlns:a14="http://schemas.microsoft.com/office/drawing/2010/main">
                 <a:solidFill>
                   <a:srgbClr val="FFFFFF"/>
                 </a:solidFill>
               </a14:hiddenFill>
             </a:ext>
-            <a:ext uri="{91240B29-F687-4f45-9708-019B960494DF}">
-              <a14:hiddenLine xmlns:a14="http://schemas.microsoft.com/office/drawing/2010/main" xmlns="" w="9525">
+            <a:ext uri="{91240B29-F687-4F45-9708-019B960494DF}">
+              <a14:hiddenLine xmlns:a14="http://schemas.microsoft.com/office/drawing/2010/main" w="9525">
                 <a:solidFill>
                   <a:srgbClr val="000000"/>
                 </a:solidFill>
@@ -29349,7 +29388,7 @@
               <a:rPr lang="en-US" sz="1200" smtClean="0">
                 <a:latin typeface="Garamond" charset="0"/>
               </a:rPr>
-              <a:t>10/15/18</a:t>
+              <a:t>10/17/2018</a:t>
             </a:fld>
             <a:endParaRPr lang="en-US" sz="1200">
               <a:latin typeface="Garamond" charset="0"/>
@@ -29397,15 +29436,15 @@
           <a:noFill/>
           <a:ln/>
           <a:extLst>
-            <a:ext uri="{909E8E84-426E-40dd-AFC4-6F175D3DCCD1}">
-              <a14:hiddenFill xmlns:a14="http://schemas.microsoft.com/office/drawing/2010/main" xmlns="">
+            <a:ext uri="{909E8E84-426E-40DD-AFC4-6F175D3DCCD1}">
+              <a14:hiddenFill xmlns:a14="http://schemas.microsoft.com/office/drawing/2010/main">
                 <a:solidFill>
                   <a:srgbClr val="FFFFFF"/>
                 </a:solidFill>
               </a14:hiddenFill>
             </a:ext>
-            <a:ext uri="{91240B29-F687-4f45-9708-019B960494DF}">
-              <a14:hiddenLine xmlns:a14="http://schemas.microsoft.com/office/drawing/2010/main" xmlns="" w="9525">
+            <a:ext uri="{91240B29-F687-4F45-9708-019B960494DF}">
+              <a14:hiddenLine xmlns:a14="http://schemas.microsoft.com/office/drawing/2010/main" w="9525">
                 <a:solidFill>
                   <a:srgbClr val="000000"/>
                 </a:solidFill>
@@ -29830,15 +29869,15 @@
           <a:noFill/>
           <a:ln/>
           <a:extLst>
-            <a:ext uri="{909E8E84-426E-40dd-AFC4-6F175D3DCCD1}">
-              <a14:hiddenFill xmlns:a14="http://schemas.microsoft.com/office/drawing/2010/main" xmlns="">
+            <a:ext uri="{909E8E84-426E-40DD-AFC4-6F175D3DCCD1}">
+              <a14:hiddenFill xmlns:a14="http://schemas.microsoft.com/office/drawing/2010/main">
                 <a:solidFill>
                   <a:srgbClr val="FFFFFF"/>
                 </a:solidFill>
               </a14:hiddenFill>
             </a:ext>
-            <a:ext uri="{91240B29-F687-4f45-9708-019B960494DF}">
-              <a14:hiddenLine xmlns:a14="http://schemas.microsoft.com/office/drawing/2010/main" xmlns="" w="9525">
+            <a:ext uri="{91240B29-F687-4F45-9708-019B960494DF}">
+              <a14:hiddenLine xmlns:a14="http://schemas.microsoft.com/office/drawing/2010/main" w="9525">
                 <a:solidFill>
                   <a:srgbClr val="000000"/>
                 </a:solidFill>
@@ -29965,7 +30004,7 @@
               <a:rPr lang="en-US" sz="1200" smtClean="0">
                 <a:latin typeface="Garamond" charset="0"/>
               </a:rPr>
-              <a:t>10/15/18</a:t>
+              <a:t>10/17/2018</a:t>
             </a:fld>
             <a:endParaRPr lang="en-US" sz="1200">
               <a:latin typeface="Garamond" charset="0"/>
@@ -30013,15 +30052,15 @@
           <a:noFill/>
           <a:ln/>
           <a:extLst>
-            <a:ext uri="{909E8E84-426E-40dd-AFC4-6F175D3DCCD1}">
-              <a14:hiddenFill xmlns:a14="http://schemas.microsoft.com/office/drawing/2010/main" xmlns="">
+            <a:ext uri="{909E8E84-426E-40DD-AFC4-6F175D3DCCD1}">
+              <a14:hiddenFill xmlns:a14="http://schemas.microsoft.com/office/drawing/2010/main">
                 <a:solidFill>
                   <a:srgbClr val="FFFFFF"/>
                 </a:solidFill>
               </a14:hiddenFill>
             </a:ext>
-            <a:ext uri="{91240B29-F687-4f45-9708-019B960494DF}">
-              <a14:hiddenLine xmlns:a14="http://schemas.microsoft.com/office/drawing/2010/main" xmlns="" w="9525">
+            <a:ext uri="{91240B29-F687-4F45-9708-019B960494DF}">
+              <a14:hiddenLine xmlns:a14="http://schemas.microsoft.com/office/drawing/2010/main" w="9525">
                 <a:solidFill>
                   <a:srgbClr val="000000"/>
                 </a:solidFill>
@@ -30328,15 +30367,15 @@
           <a:noFill/>
           <a:ln/>
           <a:extLst>
-            <a:ext uri="{909E8E84-426E-40dd-AFC4-6F175D3DCCD1}">
-              <a14:hiddenFill xmlns:a14="http://schemas.microsoft.com/office/drawing/2010/main" xmlns="">
+            <a:ext uri="{909E8E84-426E-40DD-AFC4-6F175D3DCCD1}">
+              <a14:hiddenFill xmlns:a14="http://schemas.microsoft.com/office/drawing/2010/main">
                 <a:solidFill>
                   <a:srgbClr val="FFFFFF"/>
                 </a:solidFill>
               </a14:hiddenFill>
             </a:ext>
-            <a:ext uri="{91240B29-F687-4f45-9708-019B960494DF}">
-              <a14:hiddenLine xmlns:a14="http://schemas.microsoft.com/office/drawing/2010/main" xmlns="" w="9525">
+            <a:ext uri="{91240B29-F687-4F45-9708-019B960494DF}">
+              <a14:hiddenLine xmlns:a14="http://schemas.microsoft.com/office/drawing/2010/main" w="9525">
                 <a:solidFill>
                   <a:srgbClr val="000000"/>
                 </a:solidFill>
@@ -30463,7 +30502,7 @@
               <a:rPr lang="en-US" sz="1200" smtClean="0">
                 <a:latin typeface="Garamond" charset="0"/>
               </a:rPr>
-              <a:t>10/15/18</a:t>
+              <a:t>10/17/2018</a:t>
             </a:fld>
             <a:endParaRPr lang="en-US" sz="1200">
               <a:latin typeface="Garamond" charset="0"/>
@@ -30511,15 +30550,15 @@
           <a:noFill/>
           <a:ln/>
           <a:extLst>
-            <a:ext uri="{909E8E84-426E-40dd-AFC4-6F175D3DCCD1}">
-              <a14:hiddenFill xmlns:a14="http://schemas.microsoft.com/office/drawing/2010/main" xmlns="">
+            <a:ext uri="{909E8E84-426E-40DD-AFC4-6F175D3DCCD1}">
+              <a14:hiddenFill xmlns:a14="http://schemas.microsoft.com/office/drawing/2010/main">
                 <a:solidFill>
                   <a:srgbClr val="FFFFFF"/>
                 </a:solidFill>
               </a14:hiddenFill>
             </a:ext>
-            <a:ext uri="{91240B29-F687-4f45-9708-019B960494DF}">
-              <a14:hiddenLine xmlns:a14="http://schemas.microsoft.com/office/drawing/2010/main" xmlns="" w="9525">
+            <a:ext uri="{91240B29-F687-4F45-9708-019B960494DF}">
+              <a14:hiddenLine xmlns:a14="http://schemas.microsoft.com/office/drawing/2010/main" w="9525">
                 <a:solidFill>
                   <a:srgbClr val="000000"/>
                 </a:solidFill>
@@ -31016,15 +31055,15 @@
           <a:noFill/>
           <a:ln/>
           <a:extLst>
-            <a:ext uri="{909E8E84-426E-40dd-AFC4-6F175D3DCCD1}">
-              <a14:hiddenFill xmlns:a14="http://schemas.microsoft.com/office/drawing/2010/main" xmlns="">
+            <a:ext uri="{909E8E84-426E-40DD-AFC4-6F175D3DCCD1}">
+              <a14:hiddenFill xmlns:a14="http://schemas.microsoft.com/office/drawing/2010/main">
                 <a:solidFill>
                   <a:srgbClr val="FFFFFF"/>
                 </a:solidFill>
               </a14:hiddenFill>
             </a:ext>
-            <a:ext uri="{91240B29-F687-4f45-9708-019B960494DF}">
-              <a14:hiddenLine xmlns:a14="http://schemas.microsoft.com/office/drawing/2010/main" xmlns="" w="9525">
+            <a:ext uri="{91240B29-F687-4F45-9708-019B960494DF}">
+              <a14:hiddenLine xmlns:a14="http://schemas.microsoft.com/office/drawing/2010/main" w="9525">
                 <a:solidFill>
                   <a:srgbClr val="000000"/>
                 </a:solidFill>
@@ -31151,7 +31190,7 @@
               <a:rPr lang="en-US" sz="1200" smtClean="0">
                 <a:latin typeface="Garamond" charset="0"/>
               </a:rPr>
-              <a:t>10/15/18</a:t>
+              <a:t>10/17/2018</a:t>
             </a:fld>
             <a:endParaRPr lang="en-US" sz="1200">
               <a:latin typeface="Garamond" charset="0"/>
@@ -31199,15 +31238,15 @@
           <a:noFill/>
           <a:ln/>
           <a:extLst>
-            <a:ext uri="{909E8E84-426E-40dd-AFC4-6F175D3DCCD1}">
-              <a14:hiddenFill xmlns:a14="http://schemas.microsoft.com/office/drawing/2010/main" xmlns="">
+            <a:ext uri="{909E8E84-426E-40DD-AFC4-6F175D3DCCD1}">
+              <a14:hiddenFill xmlns:a14="http://schemas.microsoft.com/office/drawing/2010/main">
                 <a:solidFill>
                   <a:srgbClr val="FFFFFF"/>
                 </a:solidFill>
               </a14:hiddenFill>
             </a:ext>
-            <a:ext uri="{91240B29-F687-4f45-9708-019B960494DF}">
-              <a14:hiddenLine xmlns:a14="http://schemas.microsoft.com/office/drawing/2010/main" xmlns="" w="9525">
+            <a:ext uri="{91240B29-F687-4F45-9708-019B960494DF}">
+              <a14:hiddenLine xmlns:a14="http://schemas.microsoft.com/office/drawing/2010/main" w="9525">
                 <a:solidFill>
                   <a:srgbClr val="000000"/>
                 </a:solidFill>
@@ -31640,15 +31679,15 @@
           <a:noFill/>
           <a:ln/>
           <a:extLst>
-            <a:ext uri="{909E8E84-426E-40dd-AFC4-6F175D3DCCD1}">
-              <a14:hiddenFill xmlns:a14="http://schemas.microsoft.com/office/drawing/2010/main" xmlns="">
+            <a:ext uri="{909E8E84-426E-40DD-AFC4-6F175D3DCCD1}">
+              <a14:hiddenFill xmlns:a14="http://schemas.microsoft.com/office/drawing/2010/main">
                 <a:solidFill>
                   <a:srgbClr val="FFFFFF"/>
                 </a:solidFill>
               </a14:hiddenFill>
             </a:ext>
-            <a:ext uri="{91240B29-F687-4f45-9708-019B960494DF}">
-              <a14:hiddenLine xmlns:a14="http://schemas.microsoft.com/office/drawing/2010/main" xmlns="" w="9525">
+            <a:ext uri="{91240B29-F687-4F45-9708-019B960494DF}">
+              <a14:hiddenLine xmlns:a14="http://schemas.microsoft.com/office/drawing/2010/main" w="9525">
                 <a:solidFill>
                   <a:srgbClr val="000000"/>
                 </a:solidFill>
@@ -31775,7 +31814,7 @@
               <a:rPr lang="en-US" sz="1200" smtClean="0">
                 <a:latin typeface="Garamond" charset="0"/>
               </a:rPr>
-              <a:t>10/15/18</a:t>
+              <a:t>10/17/2018</a:t>
             </a:fld>
             <a:endParaRPr lang="en-US" sz="1200">
               <a:latin typeface="Garamond" charset="0"/>
@@ -31823,15 +31862,15 @@
           <a:noFill/>
           <a:ln/>
           <a:extLst>
-            <a:ext uri="{909E8E84-426E-40dd-AFC4-6F175D3DCCD1}">
-              <a14:hiddenFill xmlns:a14="http://schemas.microsoft.com/office/drawing/2010/main" xmlns="">
+            <a:ext uri="{909E8E84-426E-40DD-AFC4-6F175D3DCCD1}">
+              <a14:hiddenFill xmlns:a14="http://schemas.microsoft.com/office/drawing/2010/main">
                 <a:solidFill>
                   <a:srgbClr val="FFFFFF"/>
                 </a:solidFill>
               </a14:hiddenFill>
             </a:ext>
-            <a:ext uri="{91240B29-F687-4f45-9708-019B960494DF}">
-              <a14:hiddenLine xmlns:a14="http://schemas.microsoft.com/office/drawing/2010/main" xmlns="" w="9525">
+            <a:ext uri="{91240B29-F687-4F45-9708-019B960494DF}">
+              <a14:hiddenLine xmlns:a14="http://schemas.microsoft.com/office/drawing/2010/main" w="9525">
                 <a:solidFill>
                   <a:srgbClr val="000000"/>
                 </a:solidFill>
@@ -32160,15 +32199,15 @@
           <a:noFill/>
           <a:ln/>
           <a:extLst>
-            <a:ext uri="{909E8E84-426E-40dd-AFC4-6F175D3DCCD1}">
-              <a14:hiddenFill xmlns:a14="http://schemas.microsoft.com/office/drawing/2010/main" xmlns="">
+            <a:ext uri="{909E8E84-426E-40DD-AFC4-6F175D3DCCD1}">
+              <a14:hiddenFill xmlns:a14="http://schemas.microsoft.com/office/drawing/2010/main">
                 <a:solidFill>
                   <a:srgbClr val="FFFFFF"/>
                 </a:solidFill>
               </a14:hiddenFill>
             </a:ext>
-            <a:ext uri="{91240B29-F687-4f45-9708-019B960494DF}">
-              <a14:hiddenLine xmlns:a14="http://schemas.microsoft.com/office/drawing/2010/main" xmlns="" w="9525">
+            <a:ext uri="{91240B29-F687-4F45-9708-019B960494DF}">
+              <a14:hiddenLine xmlns:a14="http://schemas.microsoft.com/office/drawing/2010/main" w="9525">
                 <a:solidFill>
                   <a:srgbClr val="000000"/>
                 </a:solidFill>
@@ -32295,7 +32334,7 @@
               <a:rPr lang="en-US" sz="1200" smtClean="0">
                 <a:latin typeface="Garamond" charset="0"/>
               </a:rPr>
-              <a:t>10/15/18</a:t>
+              <a:t>10/17/2018</a:t>
             </a:fld>
             <a:endParaRPr lang="en-US" sz="1200">
               <a:latin typeface="Garamond" charset="0"/>
@@ -32343,15 +32382,15 @@
           <a:noFill/>
           <a:ln/>
           <a:extLst>
-            <a:ext uri="{909E8E84-426E-40dd-AFC4-6F175D3DCCD1}">
-              <a14:hiddenFill xmlns:a14="http://schemas.microsoft.com/office/drawing/2010/main" xmlns="">
+            <a:ext uri="{909E8E84-426E-40DD-AFC4-6F175D3DCCD1}">
+              <a14:hiddenFill xmlns:a14="http://schemas.microsoft.com/office/drawing/2010/main">
                 <a:solidFill>
                   <a:srgbClr val="FFFFFF"/>
                 </a:solidFill>
               </a14:hiddenFill>
             </a:ext>
-            <a:ext uri="{91240B29-F687-4f45-9708-019B960494DF}">
-              <a14:hiddenLine xmlns:a14="http://schemas.microsoft.com/office/drawing/2010/main" xmlns="" w="9525">
+            <a:ext uri="{91240B29-F687-4F45-9708-019B960494DF}">
+              <a14:hiddenLine xmlns:a14="http://schemas.microsoft.com/office/drawing/2010/main" w="9525">
                 <a:solidFill>
                   <a:srgbClr val="000000"/>
                 </a:solidFill>
@@ -32633,15 +32672,15 @@
           <a:noFill/>
           <a:ln/>
           <a:extLst>
-            <a:ext uri="{909E8E84-426E-40dd-AFC4-6F175D3DCCD1}">
-              <a14:hiddenFill xmlns:a14="http://schemas.microsoft.com/office/drawing/2010/main" xmlns="">
+            <a:ext uri="{909E8E84-426E-40DD-AFC4-6F175D3DCCD1}">
+              <a14:hiddenFill xmlns:a14="http://schemas.microsoft.com/office/drawing/2010/main">
                 <a:solidFill>
                   <a:srgbClr val="FFFFFF"/>
                 </a:solidFill>
               </a14:hiddenFill>
             </a:ext>
-            <a:ext uri="{91240B29-F687-4f45-9708-019B960494DF}">
-              <a14:hiddenLine xmlns:a14="http://schemas.microsoft.com/office/drawing/2010/main" xmlns="" w="9525">
+            <a:ext uri="{91240B29-F687-4F45-9708-019B960494DF}">
+              <a14:hiddenLine xmlns:a14="http://schemas.microsoft.com/office/drawing/2010/main" w="9525">
                 <a:solidFill>
                   <a:srgbClr val="000000"/>
                 </a:solidFill>
@@ -32748,7 +32787,7 @@
                 <a:latin typeface="Garamond" charset="0"/>
                 <a:cs typeface="Arial" charset="0"/>
               </a:rPr>
-              <a:t>10/15/18</a:t>
+              <a:t>10/17/2018</a:t>
             </a:fld>
             <a:endParaRPr lang="en-US" sz="1200">
               <a:latin typeface="Garamond" charset="0"/>
@@ -32797,15 +32836,15 @@
           <a:noFill/>
           <a:ln/>
           <a:extLst>
-            <a:ext uri="{909E8E84-426E-40dd-AFC4-6F175D3DCCD1}">
-              <a14:hiddenFill xmlns:a14="http://schemas.microsoft.com/office/drawing/2010/main" xmlns="">
+            <a:ext uri="{909E8E84-426E-40DD-AFC4-6F175D3DCCD1}">
+              <a14:hiddenFill xmlns:a14="http://schemas.microsoft.com/office/drawing/2010/main">
                 <a:solidFill>
                   <a:srgbClr val="FFFFFF"/>
                 </a:solidFill>
               </a14:hiddenFill>
             </a:ext>
-            <a:ext uri="{91240B29-F687-4f45-9708-019B960494DF}">
-              <a14:hiddenLine xmlns:a14="http://schemas.microsoft.com/office/drawing/2010/main" xmlns="" w="9525">
+            <a:ext uri="{91240B29-F687-4F45-9708-019B960494DF}">
+              <a14:hiddenLine xmlns:a14="http://schemas.microsoft.com/office/drawing/2010/main" w="9525">
                 <a:solidFill>
                   <a:srgbClr val="000000"/>
                 </a:solidFill>
@@ -32999,52 +33038,88 @@
           <a:lstStyle/>
           <a:p>
             <a:r>
+              <a:rPr lang="en-US" dirty="0">
+                <a:latin typeface="Arial" charset="0"/>
+              </a:rPr>
+              <a:t>Pointer: </a:t>
+            </a:r>
+            <a:r>
+              <a:rPr lang="en-US" dirty="0" smtClean="0">
+                <a:latin typeface="Arial" charset="0"/>
+              </a:rPr>
+              <a:t>variable that holds address </a:t>
+            </a:r>
+            <a:r>
+              <a:rPr lang="en-US" dirty="0">
+                <a:latin typeface="Arial" charset="0"/>
+              </a:rPr>
+              <a:t>of </a:t>
+            </a:r>
+            <a:r>
+              <a:rPr lang="en-US" dirty="0" smtClean="0">
+                <a:latin typeface="Arial" charset="0"/>
+              </a:rPr>
+              <a:t>another </a:t>
+            </a:r>
+            <a:r>
+              <a:rPr lang="en-US" dirty="0">
+                <a:latin typeface="Arial" charset="0"/>
+              </a:rPr>
+              <a:t>variable</a:t>
+            </a:r>
+          </a:p>
+          <a:p>
+            <a:pPr lvl="1"/>
+            <a:r>
+              <a:rPr lang="en-US" dirty="0">
+                <a:latin typeface="Arial" charset="0"/>
+              </a:rPr>
+              <a:t>Can get address of </a:t>
+            </a:r>
+            <a:r>
               <a:rPr lang="en-US">
                 <a:latin typeface="Arial" charset="0"/>
               </a:rPr>
-              <a:t>Pointer: address of a variable</a:t>
+              <a:t>existing </a:t>
+            </a:r>
+            <a:r>
+              <a:rPr lang="en-US" smtClean="0">
+                <a:latin typeface="Arial" charset="0"/>
+              </a:rPr>
+              <a:t>variable using </a:t>
+            </a:r>
+            <a:r>
+              <a:rPr lang="en-US" b="1" dirty="0">
+                <a:solidFill>
+                  <a:srgbClr val="FF0000"/>
+                </a:solidFill>
+                <a:latin typeface="Arial" charset="0"/>
+              </a:rPr>
+              <a:t>&amp;</a:t>
             </a:r>
           </a:p>
           <a:p>
             <a:pPr lvl="1"/>
             <a:r>
-              <a:rPr lang="en-US">
-                <a:latin typeface="Arial" charset="0"/>
-              </a:rPr>
-              <a:t>Can get address of existing object using </a:t>
-            </a:r>
-            <a:r>
-              <a:rPr lang="en-US" b="1">
+              <a:rPr lang="en-US" dirty="0">
+                <a:latin typeface="Arial" charset="0"/>
+              </a:rPr>
+              <a:t>Can get value of existing pointer using </a:t>
+            </a:r>
+            <a:r>
+              <a:rPr lang="en-US" b="1" dirty="0">
                 <a:solidFill>
                   <a:srgbClr val="FF0000"/>
                 </a:solidFill>
                 <a:latin typeface="Arial" charset="0"/>
               </a:rPr>
-              <a:t>&amp;</a:t>
+              <a:t>*</a:t>
             </a:r>
           </a:p>
           <a:p>
             <a:pPr lvl="1"/>
             <a:r>
-              <a:rPr lang="en-US">
-                <a:latin typeface="Arial" charset="0"/>
-              </a:rPr>
-              <a:t>Can get value of existing pointer using </a:t>
-            </a:r>
-            <a:r>
-              <a:rPr lang="en-US" b="1">
-                <a:solidFill>
-                  <a:srgbClr val="FF0000"/>
-                </a:solidFill>
-                <a:latin typeface="Arial" charset="0"/>
-              </a:rPr>
-              <a:t>*</a:t>
-            </a:r>
-          </a:p>
-          <a:p>
-            <a:pPr lvl="1"/>
-            <a:r>
-              <a:rPr lang="en-US">
+              <a:rPr lang="en-US" dirty="0">
                 <a:latin typeface="Arial" charset="0"/>
               </a:rPr>
               <a:t>Pointer declaration:</a:t>
@@ -33056,7 +33131,7 @@
               <a:buNone/>
             </a:pPr>
             <a:r>
-              <a:rPr lang="en-US">
+              <a:rPr lang="en-US" dirty="0">
                 <a:solidFill>
                   <a:srgbClr val="FF0000"/>
                 </a:solidFill>
@@ -33066,14 +33141,14 @@
               <a:t>	&lt;base type&gt;</a:t>
             </a:r>
             <a:r>
-              <a:rPr lang="en-US">
+              <a:rPr lang="en-US" dirty="0">
                 <a:latin typeface="Courier New" charset="0"/>
                 <a:cs typeface="Courier New" charset="0"/>
               </a:rPr>
               <a:t>* </a:t>
             </a:r>
             <a:r>
-              <a:rPr lang="en-US">
+              <a:rPr lang="en-US" dirty="0">
                 <a:solidFill>
                   <a:srgbClr val="0000FF"/>
                 </a:solidFill>
@@ -33086,7 +33161,7 @@
           <a:p>
             <a:pPr lvl="2"/>
             <a:r>
-              <a:rPr lang="en-US">
+              <a:rPr lang="en-US" dirty="0">
                 <a:latin typeface="Arial" charset="0"/>
                 <a:cs typeface="Courier New" charset="0"/>
               </a:rPr>
@@ -33096,7 +33171,7 @@
           <a:p>
             <a:pPr lvl="2"/>
             <a:r>
-              <a:rPr lang="en-US">
+              <a:rPr lang="en-US" dirty="0">
                 <a:latin typeface="Arial" charset="0"/>
                 <a:cs typeface="Courier New" charset="0"/>
               </a:rPr>
@@ -33106,7 +33181,7 @@
           <a:p>
             <a:pPr lvl="2"/>
             <a:r>
-              <a:rPr lang="en-US">
+              <a:rPr lang="en-US" dirty="0">
                 <a:latin typeface="Arial" charset="0"/>
                 <a:cs typeface="Courier New" charset="0"/>
               </a:rPr>
@@ -33129,15 +33204,15 @@
           <a:noFill/>
           <a:ln/>
           <a:extLst>
-            <a:ext uri="{909E8E84-426E-40dd-AFC4-6F175D3DCCD1}">
-              <a14:hiddenFill xmlns:a14="http://schemas.microsoft.com/office/drawing/2010/main" xmlns="">
+            <a:ext uri="{909E8E84-426E-40DD-AFC4-6F175D3DCCD1}">
+              <a14:hiddenFill xmlns:a14="http://schemas.microsoft.com/office/drawing/2010/main">
                 <a:solidFill>
                   <a:srgbClr val="FFFFFF"/>
                 </a:solidFill>
               </a14:hiddenFill>
             </a:ext>
-            <a:ext uri="{91240B29-F687-4f45-9708-019B960494DF}">
-              <a14:hiddenLine xmlns:a14="http://schemas.microsoft.com/office/drawing/2010/main" xmlns="" w="9525">
+            <a:ext uri="{91240B29-F687-4F45-9708-019B960494DF}">
+              <a14:hiddenLine xmlns:a14="http://schemas.microsoft.com/office/drawing/2010/main" w="9525">
                 <a:solidFill>
                   <a:srgbClr val="000000"/>
                 </a:solidFill>
@@ -33244,7 +33319,7 @@
                 <a:latin typeface="Garamond" charset="0"/>
                 <a:cs typeface="Arial" charset="0"/>
               </a:rPr>
-              <a:t>10/15/18</a:t>
+              <a:t>10/17/2018</a:t>
             </a:fld>
             <a:endParaRPr lang="en-US" sz="1200">
               <a:latin typeface="Garamond" charset="0"/>
@@ -33293,15 +33368,15 @@
           <a:noFill/>
           <a:ln/>
           <a:extLst>
-            <a:ext uri="{909E8E84-426E-40dd-AFC4-6F175D3DCCD1}">
-              <a14:hiddenFill xmlns:a14="http://schemas.microsoft.com/office/drawing/2010/main" xmlns="">
+            <a:ext uri="{909E8E84-426E-40DD-AFC4-6F175D3DCCD1}">
+              <a14:hiddenFill xmlns:a14="http://schemas.microsoft.com/office/drawing/2010/main">
                 <a:solidFill>
                   <a:srgbClr val="FFFFFF"/>
                 </a:solidFill>
               </a14:hiddenFill>
             </a:ext>
-            <a:ext uri="{91240B29-F687-4f45-9708-019B960494DF}">
-              <a14:hiddenLine xmlns:a14="http://schemas.microsoft.com/office/drawing/2010/main" xmlns="" w="9525">
+            <a:ext uri="{91240B29-F687-4F45-9708-019B960494DF}">
+              <a14:hiddenLine xmlns:a14="http://schemas.microsoft.com/office/drawing/2010/main" w="9525">
                 <a:solidFill>
                   <a:srgbClr val="000000"/>
                 </a:solidFill>
